--- a/docs/images/LogicComponent.pptx
+++ b/docs/images/LogicComponent.pptx
@@ -7,10 +7,13 @@
   <p:notesMasterIdLst>
     <p:notesMasterId r:id="rId3"/>
   </p:notesMasterIdLst>
+  <p:handoutMasterIdLst>
+    <p:handoutMasterId r:id="rId4"/>
+  </p:handoutMasterIdLst>
   <p:sldIdLst>
     <p:sldId id="256" r:id="rId2"/>
   </p:sldIdLst>
-  <p:sldSz cx="9144000" cy="7315200"/>
+  <p:sldSz cx="9144000" cy="7740650"/>
   <p:notesSz cx="6858000" cy="9144000"/>
   <p:defaultTextStyle>
     <a:defPPr>
@@ -110,20 +113,188 @@
   <p:extLst>
     <p:ext uri="{EFAFB233-063F-42B5-8137-9DF3F51BA10A}">
       <p15:sldGuideLst xmlns:p15="http://schemas.microsoft.com/office/powerpoint/2012/main">
-        <p15:guide id="1" orient="horz" pos="2304">
+        <p15:guide id="1" orient="horz" pos="2438" userDrawn="1">
           <p15:clr>
             <a:srgbClr val="A4A3A4"/>
           </p15:clr>
         </p15:guide>
-        <p15:guide id="2" pos="2880">
+        <p15:guide id="2" pos="2880" userDrawn="1">
           <p15:clr>
             <a:srgbClr val="A4A3A4"/>
           </p15:clr>
         </p15:guide>
       </p15:sldGuideLst>
     </p:ext>
+    <p:ext uri="{2D200454-40CA-4A62-9FC3-DE9A4176ACB9}">
+      <p15:notesGuideLst xmlns:p15="http://schemas.microsoft.com/office/powerpoint/2012/main"/>
+    </p:ext>
   </p:extLst>
 </p:presentation>
+</file>
+
+<file path=ppt/handoutMasters/handoutMaster1.xml><?xml version="1.0" encoding="utf-8"?>
+<p:handoutMaster xmlns:a="http://schemas.openxmlformats.org/drawingml/2006/main" xmlns:r="http://schemas.openxmlformats.org/officeDocument/2006/relationships" xmlns:p="http://schemas.openxmlformats.org/presentationml/2006/main">
+  <p:cSld>
+    <p:bg>
+      <p:bgRef idx="1001">
+        <a:schemeClr val="bg1"/>
+      </p:bgRef>
+    </p:bg>
+    <p:spTree>
+      <p:nvGrpSpPr>
+        <p:cNvPr id="1" name=""/>
+        <p:cNvGrpSpPr/>
+        <p:nvPr/>
+      </p:nvGrpSpPr>
+      <p:grpSpPr>
+        <a:xfrm>
+          <a:off x="0" y="0"/>
+          <a:ext cx="0" cy="0"/>
+          <a:chOff x="0" y="0"/>
+          <a:chExt cx="0" cy="0"/>
+        </a:xfrm>
+      </p:grpSpPr>
+      <p:sp>
+        <p:nvSpPr>
+          <p:cNvPr id="2" name="Header Placeholder 1"/>
+          <p:cNvSpPr>
+            <a:spLocks noGrp="1"/>
+          </p:cNvSpPr>
+          <p:nvPr>
+            <p:ph type="hdr" sz="quarter"/>
+          </p:nvPr>
+        </p:nvSpPr>
+        <p:spPr>
+          <a:xfrm>
+            <a:off x="0" y="0"/>
+            <a:ext cx="2971800" cy="458788"/>
+          </a:xfrm>
+          <a:prstGeom prst="rect">
+            <a:avLst/>
+          </a:prstGeom>
+        </p:spPr>
+        <p:txBody>
+          <a:bodyPr vert="horz" lIns="91440" tIns="45720" rIns="91440" bIns="45720" rtlCol="0"/>
+          <a:lstStyle>
+            <a:lvl1pPr algn="l">
+              <a:defRPr sz="1200"/>
+            </a:lvl1pPr>
+          </a:lstStyle>
+          <a:p>
+            <a:endParaRPr lang="en-AU"/>
+          </a:p>
+        </p:txBody>
+      </p:sp>
+      <p:sp>
+        <p:nvSpPr>
+          <p:cNvPr id="3" name="Date Placeholder 2"/>
+          <p:cNvSpPr>
+            <a:spLocks noGrp="1"/>
+          </p:cNvSpPr>
+          <p:nvPr>
+            <p:ph type="dt" sz="quarter" idx="1"/>
+          </p:nvPr>
+        </p:nvSpPr>
+        <p:spPr>
+          <a:xfrm>
+            <a:off x="3884613" y="0"/>
+            <a:ext cx="2971800" cy="458788"/>
+          </a:xfrm>
+          <a:prstGeom prst="rect">
+            <a:avLst/>
+          </a:prstGeom>
+        </p:spPr>
+        <p:txBody>
+          <a:bodyPr vert="horz" lIns="91440" tIns="45720" rIns="91440" bIns="45720" rtlCol="0"/>
+          <a:lstStyle>
+            <a:lvl1pPr algn="r">
+              <a:defRPr sz="1200"/>
+            </a:lvl1pPr>
+          </a:lstStyle>
+          <a:p>
+            <a:fld id="{AC0A4F7A-2FF6-4B0C-9CFC-82AE92BD66AF}" type="datetimeFigureOut">
+              <a:rPr lang="en-AU" smtClean="0"/>
+              <a:t>28/01/2017</a:t>
+            </a:fld>
+            <a:endParaRPr lang="en-AU"/>
+          </a:p>
+        </p:txBody>
+      </p:sp>
+      <p:sp>
+        <p:nvSpPr>
+          <p:cNvPr id="4" name="Footer Placeholder 3"/>
+          <p:cNvSpPr>
+            <a:spLocks noGrp="1"/>
+          </p:cNvSpPr>
+          <p:nvPr>
+            <p:ph type="ftr" sz="quarter" idx="2"/>
+          </p:nvPr>
+        </p:nvSpPr>
+        <p:spPr>
+          <a:xfrm>
+            <a:off x="0" y="8685213"/>
+            <a:ext cx="2971800" cy="458787"/>
+          </a:xfrm>
+          <a:prstGeom prst="rect">
+            <a:avLst/>
+          </a:prstGeom>
+        </p:spPr>
+        <p:txBody>
+          <a:bodyPr vert="horz" lIns="91440" tIns="45720" rIns="91440" bIns="45720" rtlCol="0" anchor="b"/>
+          <a:lstStyle>
+            <a:lvl1pPr algn="l">
+              <a:defRPr sz="1200"/>
+            </a:lvl1pPr>
+          </a:lstStyle>
+          <a:p>
+            <a:endParaRPr lang="en-AU"/>
+          </a:p>
+        </p:txBody>
+      </p:sp>
+      <p:sp>
+        <p:nvSpPr>
+          <p:cNvPr id="5" name="Slide Number Placeholder 4"/>
+          <p:cNvSpPr>
+            <a:spLocks noGrp="1"/>
+          </p:cNvSpPr>
+          <p:nvPr>
+            <p:ph type="sldNum" sz="quarter" idx="3"/>
+          </p:nvPr>
+        </p:nvSpPr>
+        <p:spPr>
+          <a:xfrm>
+            <a:off x="3884613" y="8685213"/>
+            <a:ext cx="2971800" cy="458787"/>
+          </a:xfrm>
+          <a:prstGeom prst="rect">
+            <a:avLst/>
+          </a:prstGeom>
+        </p:spPr>
+        <p:txBody>
+          <a:bodyPr vert="horz" lIns="91440" tIns="45720" rIns="91440" bIns="45720" rtlCol="0" anchor="b"/>
+          <a:lstStyle>
+            <a:lvl1pPr algn="r">
+              <a:defRPr sz="1200"/>
+            </a:lvl1pPr>
+          </a:lstStyle>
+          <a:p>
+            <a:fld id="{89A65FC3-42AF-4975-B57E-A91391C396AD}" type="slidenum">
+              <a:rPr lang="en-AU" smtClean="0"/>
+              <a:t>‹#›</a:t>
+            </a:fld>
+            <a:endParaRPr lang="en-AU"/>
+          </a:p>
+        </p:txBody>
+      </p:sp>
+    </p:spTree>
+    <p:extLst>
+      <p:ext uri="{BB962C8B-B14F-4D97-AF65-F5344CB8AC3E}">
+        <p14:creationId xmlns:p14="http://schemas.microsoft.com/office/powerpoint/2010/main" val="382854839"/>
+      </p:ext>
+    </p:extLst>
+  </p:cSld>
+  <p:clrMap bg1="lt1" tx1="dk1" bg2="lt2" tx2="dk2" accent1="accent1" accent2="accent2" accent3="accent3" accent4="accent4" accent5="accent5" accent6="accent6" hlink="hlink" folHlink="folHlink"/>
+</p:handoutMaster>
 </file>
 
 <file path=ppt/notesMasters/notesMaster1.xml><?xml version="1.0" encoding="utf-8"?>
@@ -209,7 +380,7 @@
             <a:fld id="{AF301891-4E62-472A-98E9-95DBD40531A4}" type="datetimeFigureOut">
               <a:rPr lang="en-SG" smtClean="0"/>
               <a:pPr/>
-              <a:t>1/4/2016</a:t>
+              <a:t>28/1/2017</a:t>
             </a:fld>
             <a:endParaRPr lang="en-SG"/>
           </a:p>
@@ -227,8 +398,8 @@
         </p:nvSpPr>
         <p:spPr>
           <a:xfrm>
-            <a:off x="1285875" y="685800"/>
-            <a:ext cx="4286250" cy="3429000"/>
+            <a:off x="1403350" y="685800"/>
+            <a:ext cx="4051300" cy="3429000"/>
           </a:xfrm>
           <a:prstGeom prst="rect">
             <a:avLst/>
@@ -507,8 +678,8 @@
         </p:nvSpPr>
         <p:spPr>
           <a:xfrm>
-            <a:off x="1285875" y="685800"/>
-            <a:ext cx="4286250" cy="3429000"/>
+            <a:off x="1403350" y="685800"/>
+            <a:ext cx="4051300" cy="3429000"/>
           </a:xfrm>
         </p:spPr>
       </p:sp>
@@ -597,8 +768,8 @@
         </p:nvSpPr>
         <p:spPr>
           <a:xfrm>
-            <a:off x="685800" y="2272455"/>
-            <a:ext cx="7772400" cy="1568027"/>
+            <a:off x="685800" y="2404621"/>
+            <a:ext cx="7772400" cy="1659223"/>
           </a:xfrm>
           <a:prstGeom prst="rect">
             <a:avLst/>
@@ -628,8 +799,8 @@
         </p:nvSpPr>
         <p:spPr>
           <a:xfrm>
-            <a:off x="1371600" y="4145281"/>
-            <a:ext cx="6400800" cy="1869440"/>
+            <a:off x="1371600" y="4386369"/>
+            <a:ext cx="6400800" cy="1978166"/>
           </a:xfrm>
           <a:prstGeom prst="rect">
             <a:avLst/>
@@ -750,8 +921,8 @@
         </p:nvSpPr>
         <p:spPr>
           <a:xfrm>
-            <a:off x="457200" y="6780108"/>
-            <a:ext cx="2133600" cy="389467"/>
+            <a:off x="457200" y="7174438"/>
+            <a:ext cx="2133600" cy="412118"/>
           </a:xfrm>
           <a:prstGeom prst="rect">
             <a:avLst/>
@@ -764,7 +935,7 @@
             <a:fld id="{1D8BD707-D9CF-40AE-B4C6-C98DA3205C09}" type="datetimeFigureOut">
               <a:rPr lang="en-US" smtClean="0"/>
               <a:pPr/>
-              <a:t>4/1/2016</a:t>
+              <a:t>1/28/2017</a:t>
             </a:fld>
             <a:endParaRPr lang="en-US"/>
           </a:p>
@@ -782,8 +953,8 @@
         </p:nvSpPr>
         <p:spPr>
           <a:xfrm>
-            <a:off x="3124200" y="6780108"/>
-            <a:ext cx="2895600" cy="389467"/>
+            <a:off x="3124200" y="7174438"/>
+            <a:ext cx="2895600" cy="412118"/>
           </a:xfrm>
           <a:prstGeom prst="rect">
             <a:avLst/>
@@ -809,8 +980,8 @@
         </p:nvSpPr>
         <p:spPr>
           <a:xfrm>
-            <a:off x="6553200" y="6780108"/>
-            <a:ext cx="2133600" cy="389467"/>
+            <a:off x="6553200" y="7174438"/>
+            <a:ext cx="2133600" cy="412118"/>
           </a:xfrm>
           <a:prstGeom prst="rect">
             <a:avLst/>
@@ -873,8 +1044,8 @@
         </p:nvSpPr>
         <p:spPr>
           <a:xfrm>
-            <a:off x="457200" y="292948"/>
-            <a:ext cx="8229600" cy="1219200"/>
+            <a:off x="457200" y="309986"/>
+            <a:ext cx="8229600" cy="1290108"/>
           </a:xfrm>
           <a:prstGeom prst="rect">
             <a:avLst/>
@@ -904,8 +1075,8 @@
         </p:nvSpPr>
         <p:spPr>
           <a:xfrm>
-            <a:off x="457200" y="1706880"/>
-            <a:ext cx="8229600" cy="4827694"/>
+            <a:off x="457200" y="1806152"/>
+            <a:ext cx="8229600" cy="5108471"/>
           </a:xfrm>
           <a:prstGeom prst="rect">
             <a:avLst/>
@@ -964,8 +1135,8 @@
         </p:nvSpPr>
         <p:spPr>
           <a:xfrm>
-            <a:off x="457200" y="6780108"/>
-            <a:ext cx="2133600" cy="389467"/>
+            <a:off x="457200" y="7174438"/>
+            <a:ext cx="2133600" cy="412118"/>
           </a:xfrm>
           <a:prstGeom prst="rect">
             <a:avLst/>
@@ -978,7 +1149,7 @@
             <a:fld id="{1D8BD707-D9CF-40AE-B4C6-C98DA3205C09}" type="datetimeFigureOut">
               <a:rPr lang="en-US" smtClean="0"/>
               <a:pPr/>
-              <a:t>4/1/2016</a:t>
+              <a:t>1/28/2017</a:t>
             </a:fld>
             <a:endParaRPr lang="en-US"/>
           </a:p>
@@ -996,8 +1167,8 @@
         </p:nvSpPr>
         <p:spPr>
           <a:xfrm>
-            <a:off x="3124200" y="6780108"/>
-            <a:ext cx="2895600" cy="389467"/>
+            <a:off x="3124200" y="7174438"/>
+            <a:ext cx="2895600" cy="412118"/>
           </a:xfrm>
           <a:prstGeom prst="rect">
             <a:avLst/>
@@ -1023,8 +1194,8 @@
         </p:nvSpPr>
         <p:spPr>
           <a:xfrm>
-            <a:off x="6553200" y="6780108"/>
-            <a:ext cx="2133600" cy="389467"/>
+            <a:off x="6553200" y="7174438"/>
+            <a:ext cx="2133600" cy="412118"/>
           </a:xfrm>
           <a:prstGeom prst="rect">
             <a:avLst/>
@@ -1080,8 +1251,8 @@
         </p:nvSpPr>
         <p:spPr>
           <a:xfrm>
-            <a:off x="6629400" y="292949"/>
-            <a:ext cx="2057400" cy="6241627"/>
+            <a:off x="6629400" y="309988"/>
+            <a:ext cx="2057400" cy="6604638"/>
           </a:xfrm>
           <a:prstGeom prst="rect">
             <a:avLst/>
@@ -1111,8 +1282,8 @@
         </p:nvSpPr>
         <p:spPr>
           <a:xfrm>
-            <a:off x="457200" y="292949"/>
-            <a:ext cx="6019800" cy="6241627"/>
+            <a:off x="457200" y="309988"/>
+            <a:ext cx="6019800" cy="6604638"/>
           </a:xfrm>
           <a:prstGeom prst="rect">
             <a:avLst/>
@@ -1171,8 +1342,8 @@
         </p:nvSpPr>
         <p:spPr>
           <a:xfrm>
-            <a:off x="457200" y="6780108"/>
-            <a:ext cx="2133600" cy="389467"/>
+            <a:off x="457200" y="7174438"/>
+            <a:ext cx="2133600" cy="412118"/>
           </a:xfrm>
           <a:prstGeom prst="rect">
             <a:avLst/>
@@ -1185,7 +1356,7 @@
             <a:fld id="{1D8BD707-D9CF-40AE-B4C6-C98DA3205C09}" type="datetimeFigureOut">
               <a:rPr lang="en-US" smtClean="0"/>
               <a:pPr/>
-              <a:t>4/1/2016</a:t>
+              <a:t>1/28/2017</a:t>
             </a:fld>
             <a:endParaRPr lang="en-US"/>
           </a:p>
@@ -1203,8 +1374,8 @@
         </p:nvSpPr>
         <p:spPr>
           <a:xfrm>
-            <a:off x="3124200" y="6780108"/>
-            <a:ext cx="2895600" cy="389467"/>
+            <a:off x="3124200" y="7174438"/>
+            <a:ext cx="2895600" cy="412118"/>
           </a:xfrm>
           <a:prstGeom prst="rect">
             <a:avLst/>
@@ -1230,8 +1401,8 @@
         </p:nvSpPr>
         <p:spPr>
           <a:xfrm>
-            <a:off x="6553200" y="6780108"/>
-            <a:ext cx="2133600" cy="389467"/>
+            <a:off x="6553200" y="7174438"/>
+            <a:ext cx="2133600" cy="412118"/>
           </a:xfrm>
           <a:prstGeom prst="rect">
             <a:avLst/>
@@ -1287,8 +1458,8 @@
         </p:nvSpPr>
         <p:spPr>
           <a:xfrm>
-            <a:off x="457200" y="292948"/>
-            <a:ext cx="8229600" cy="1219200"/>
+            <a:off x="457200" y="309986"/>
+            <a:ext cx="8229600" cy="1290108"/>
           </a:xfrm>
           <a:prstGeom prst="rect">
             <a:avLst/>
@@ -1318,8 +1489,8 @@
         </p:nvSpPr>
         <p:spPr>
           <a:xfrm>
-            <a:off x="457200" y="1706880"/>
-            <a:ext cx="8229600" cy="4827694"/>
+            <a:off x="457200" y="1806152"/>
+            <a:ext cx="8229600" cy="5108471"/>
           </a:xfrm>
           <a:prstGeom prst="rect">
             <a:avLst/>
@@ -1378,8 +1549,8 @@
         </p:nvSpPr>
         <p:spPr>
           <a:xfrm>
-            <a:off x="457200" y="6780108"/>
-            <a:ext cx="2133600" cy="389467"/>
+            <a:off x="457200" y="7174438"/>
+            <a:ext cx="2133600" cy="412118"/>
           </a:xfrm>
           <a:prstGeom prst="rect">
             <a:avLst/>
@@ -1392,7 +1563,7 @@
             <a:fld id="{1D8BD707-D9CF-40AE-B4C6-C98DA3205C09}" type="datetimeFigureOut">
               <a:rPr lang="en-US" smtClean="0"/>
               <a:pPr/>
-              <a:t>4/1/2016</a:t>
+              <a:t>1/28/2017</a:t>
             </a:fld>
             <a:endParaRPr lang="en-US"/>
           </a:p>
@@ -1410,8 +1581,8 @@
         </p:nvSpPr>
         <p:spPr>
           <a:xfrm>
-            <a:off x="3124200" y="6780108"/>
-            <a:ext cx="2895600" cy="389467"/>
+            <a:off x="3124200" y="7174438"/>
+            <a:ext cx="2895600" cy="412118"/>
           </a:xfrm>
           <a:prstGeom prst="rect">
             <a:avLst/>
@@ -1437,8 +1608,8 @@
         </p:nvSpPr>
         <p:spPr>
           <a:xfrm>
-            <a:off x="6553200" y="6780108"/>
-            <a:ext cx="2133600" cy="389467"/>
+            <a:off x="6553200" y="7174438"/>
+            <a:ext cx="2133600" cy="412118"/>
           </a:xfrm>
           <a:prstGeom prst="rect">
             <a:avLst/>
@@ -1494,8 +1665,8 @@
         </p:nvSpPr>
         <p:spPr>
           <a:xfrm>
-            <a:off x="722313" y="4700695"/>
-            <a:ext cx="7772400" cy="1452880"/>
+            <a:off x="722313" y="4974086"/>
+            <a:ext cx="7772400" cy="1537379"/>
           </a:xfrm>
           <a:prstGeom prst="rect">
             <a:avLst/>
@@ -1529,8 +1700,8 @@
         </p:nvSpPr>
         <p:spPr>
           <a:xfrm>
-            <a:off x="722313" y="3100495"/>
-            <a:ext cx="7772400" cy="1600199"/>
+            <a:off x="722313" y="3280820"/>
+            <a:ext cx="7772400" cy="1693266"/>
           </a:xfrm>
           <a:prstGeom prst="rect">
             <a:avLst/>
@@ -1651,8 +1822,8 @@
         </p:nvSpPr>
         <p:spPr>
           <a:xfrm>
-            <a:off x="457200" y="6780108"/>
-            <a:ext cx="2133600" cy="389467"/>
+            <a:off x="457200" y="7174438"/>
+            <a:ext cx="2133600" cy="412118"/>
           </a:xfrm>
           <a:prstGeom prst="rect">
             <a:avLst/>
@@ -1665,7 +1836,7 @@
             <a:fld id="{1D8BD707-D9CF-40AE-B4C6-C98DA3205C09}" type="datetimeFigureOut">
               <a:rPr lang="en-US" smtClean="0"/>
               <a:pPr/>
-              <a:t>4/1/2016</a:t>
+              <a:t>1/28/2017</a:t>
             </a:fld>
             <a:endParaRPr lang="en-US"/>
           </a:p>
@@ -1683,8 +1854,8 @@
         </p:nvSpPr>
         <p:spPr>
           <a:xfrm>
-            <a:off x="3124200" y="6780108"/>
-            <a:ext cx="2895600" cy="389467"/>
+            <a:off x="3124200" y="7174438"/>
+            <a:ext cx="2895600" cy="412118"/>
           </a:xfrm>
           <a:prstGeom prst="rect">
             <a:avLst/>
@@ -1710,8 +1881,8 @@
         </p:nvSpPr>
         <p:spPr>
           <a:xfrm>
-            <a:off x="6553200" y="6780108"/>
-            <a:ext cx="2133600" cy="389467"/>
+            <a:off x="6553200" y="7174438"/>
+            <a:ext cx="2133600" cy="412118"/>
           </a:xfrm>
           <a:prstGeom prst="rect">
             <a:avLst/>
@@ -1767,8 +1938,8 @@
         </p:nvSpPr>
         <p:spPr>
           <a:xfrm>
-            <a:off x="457200" y="292948"/>
-            <a:ext cx="8229600" cy="1219200"/>
+            <a:off x="457200" y="309986"/>
+            <a:ext cx="8229600" cy="1290108"/>
           </a:xfrm>
           <a:prstGeom prst="rect">
             <a:avLst/>
@@ -1798,8 +1969,8 @@
         </p:nvSpPr>
         <p:spPr>
           <a:xfrm>
-            <a:off x="457200" y="1706880"/>
-            <a:ext cx="4038600" cy="4827694"/>
+            <a:off x="457200" y="1806152"/>
+            <a:ext cx="4038600" cy="5108471"/>
           </a:xfrm>
           <a:prstGeom prst="rect">
             <a:avLst/>
@@ -1886,8 +2057,8 @@
         </p:nvSpPr>
         <p:spPr>
           <a:xfrm>
-            <a:off x="4648200" y="1706880"/>
-            <a:ext cx="4038600" cy="4827694"/>
+            <a:off x="4648200" y="1806152"/>
+            <a:ext cx="4038600" cy="5108471"/>
           </a:xfrm>
           <a:prstGeom prst="rect">
             <a:avLst/>
@@ -1974,8 +2145,8 @@
         </p:nvSpPr>
         <p:spPr>
           <a:xfrm>
-            <a:off x="457200" y="6780108"/>
-            <a:ext cx="2133600" cy="389467"/>
+            <a:off x="457200" y="7174438"/>
+            <a:ext cx="2133600" cy="412118"/>
           </a:xfrm>
           <a:prstGeom prst="rect">
             <a:avLst/>
@@ -1988,7 +2159,7 @@
             <a:fld id="{1D8BD707-D9CF-40AE-B4C6-C98DA3205C09}" type="datetimeFigureOut">
               <a:rPr lang="en-US" smtClean="0"/>
               <a:pPr/>
-              <a:t>4/1/2016</a:t>
+              <a:t>1/28/2017</a:t>
             </a:fld>
             <a:endParaRPr lang="en-US"/>
           </a:p>
@@ -2006,8 +2177,8 @@
         </p:nvSpPr>
         <p:spPr>
           <a:xfrm>
-            <a:off x="3124200" y="6780108"/>
-            <a:ext cx="2895600" cy="389467"/>
+            <a:off x="3124200" y="7174438"/>
+            <a:ext cx="2895600" cy="412118"/>
           </a:xfrm>
           <a:prstGeom prst="rect">
             <a:avLst/>
@@ -2033,8 +2204,8 @@
         </p:nvSpPr>
         <p:spPr>
           <a:xfrm>
-            <a:off x="6553200" y="6780108"/>
-            <a:ext cx="2133600" cy="389467"/>
+            <a:off x="6553200" y="7174438"/>
+            <a:ext cx="2133600" cy="412118"/>
           </a:xfrm>
           <a:prstGeom prst="rect">
             <a:avLst/>
@@ -2090,8 +2261,8 @@
         </p:nvSpPr>
         <p:spPr>
           <a:xfrm>
-            <a:off x="457200" y="292948"/>
-            <a:ext cx="8229600" cy="1219200"/>
+            <a:off x="457200" y="309986"/>
+            <a:ext cx="8229600" cy="1290108"/>
           </a:xfrm>
           <a:prstGeom prst="rect">
             <a:avLst/>
@@ -2125,8 +2296,8 @@
         </p:nvSpPr>
         <p:spPr>
           <a:xfrm>
-            <a:off x="457200" y="1637454"/>
-            <a:ext cx="4040188" cy="682413"/>
+            <a:off x="457200" y="1732688"/>
+            <a:ext cx="4040188" cy="722102"/>
           </a:xfrm>
           <a:prstGeom prst="rect">
             <a:avLst/>
@@ -2193,8 +2364,8 @@
         </p:nvSpPr>
         <p:spPr>
           <a:xfrm>
-            <a:off x="457200" y="2319867"/>
-            <a:ext cx="4040188" cy="4214707"/>
+            <a:off x="457200" y="2454790"/>
+            <a:ext cx="4040188" cy="4459833"/>
           </a:xfrm>
           <a:prstGeom prst="rect">
             <a:avLst/>
@@ -2281,8 +2452,8 @@
         </p:nvSpPr>
         <p:spPr>
           <a:xfrm>
-            <a:off x="4645028" y="1637454"/>
-            <a:ext cx="4041775" cy="682413"/>
+            <a:off x="4645029" y="1732688"/>
+            <a:ext cx="4041775" cy="722102"/>
           </a:xfrm>
           <a:prstGeom prst="rect">
             <a:avLst/>
@@ -2349,8 +2520,8 @@
         </p:nvSpPr>
         <p:spPr>
           <a:xfrm>
-            <a:off x="4645028" y="2319867"/>
-            <a:ext cx="4041775" cy="4214707"/>
+            <a:off x="4645029" y="2454790"/>
+            <a:ext cx="4041775" cy="4459833"/>
           </a:xfrm>
           <a:prstGeom prst="rect">
             <a:avLst/>
@@ -2437,8 +2608,8 @@
         </p:nvSpPr>
         <p:spPr>
           <a:xfrm>
-            <a:off x="457200" y="6780108"/>
-            <a:ext cx="2133600" cy="389467"/>
+            <a:off x="457200" y="7174438"/>
+            <a:ext cx="2133600" cy="412118"/>
           </a:xfrm>
           <a:prstGeom prst="rect">
             <a:avLst/>
@@ -2451,7 +2622,7 @@
             <a:fld id="{1D8BD707-D9CF-40AE-B4C6-C98DA3205C09}" type="datetimeFigureOut">
               <a:rPr lang="en-US" smtClean="0"/>
               <a:pPr/>
-              <a:t>4/1/2016</a:t>
+              <a:t>1/28/2017</a:t>
             </a:fld>
             <a:endParaRPr lang="en-US"/>
           </a:p>
@@ -2469,8 +2640,8 @@
         </p:nvSpPr>
         <p:spPr>
           <a:xfrm>
-            <a:off x="3124200" y="6780108"/>
-            <a:ext cx="2895600" cy="389467"/>
+            <a:off x="3124200" y="7174438"/>
+            <a:ext cx="2895600" cy="412118"/>
           </a:xfrm>
           <a:prstGeom prst="rect">
             <a:avLst/>
@@ -2496,8 +2667,8 @@
         </p:nvSpPr>
         <p:spPr>
           <a:xfrm>
-            <a:off x="6553200" y="6780108"/>
-            <a:ext cx="2133600" cy="389467"/>
+            <a:off x="6553200" y="7174438"/>
+            <a:ext cx="2133600" cy="412118"/>
           </a:xfrm>
           <a:prstGeom prst="rect">
             <a:avLst/>
@@ -2553,8 +2724,8 @@
         </p:nvSpPr>
         <p:spPr>
           <a:xfrm>
-            <a:off x="457200" y="292948"/>
-            <a:ext cx="8229600" cy="1219200"/>
+            <a:off x="457200" y="309986"/>
+            <a:ext cx="8229600" cy="1290108"/>
           </a:xfrm>
           <a:prstGeom prst="rect">
             <a:avLst/>
@@ -2584,8 +2755,8 @@
         </p:nvSpPr>
         <p:spPr>
           <a:xfrm>
-            <a:off x="457200" y="6780108"/>
-            <a:ext cx="2133600" cy="389467"/>
+            <a:off x="457200" y="7174438"/>
+            <a:ext cx="2133600" cy="412118"/>
           </a:xfrm>
           <a:prstGeom prst="rect">
             <a:avLst/>
@@ -2598,7 +2769,7 @@
             <a:fld id="{1D8BD707-D9CF-40AE-B4C6-C98DA3205C09}" type="datetimeFigureOut">
               <a:rPr lang="en-US" smtClean="0"/>
               <a:pPr/>
-              <a:t>4/1/2016</a:t>
+              <a:t>1/28/2017</a:t>
             </a:fld>
             <a:endParaRPr lang="en-US"/>
           </a:p>
@@ -2616,8 +2787,8 @@
         </p:nvSpPr>
         <p:spPr>
           <a:xfrm>
-            <a:off x="3124200" y="6780108"/>
-            <a:ext cx="2895600" cy="389467"/>
+            <a:off x="3124200" y="7174438"/>
+            <a:ext cx="2895600" cy="412118"/>
           </a:xfrm>
           <a:prstGeom prst="rect">
             <a:avLst/>
@@ -2643,8 +2814,8 @@
         </p:nvSpPr>
         <p:spPr>
           <a:xfrm>
-            <a:off x="6553200" y="6780108"/>
-            <a:ext cx="2133600" cy="389467"/>
+            <a:off x="6553200" y="7174438"/>
+            <a:ext cx="2133600" cy="412118"/>
           </a:xfrm>
           <a:prstGeom prst="rect">
             <a:avLst/>
@@ -2700,8 +2871,8 @@
         </p:nvSpPr>
         <p:spPr>
           <a:xfrm>
-            <a:off x="457200" y="6780108"/>
-            <a:ext cx="2133600" cy="389467"/>
+            <a:off x="457200" y="7174438"/>
+            <a:ext cx="2133600" cy="412118"/>
           </a:xfrm>
           <a:prstGeom prst="rect">
             <a:avLst/>
@@ -2714,7 +2885,7 @@
             <a:fld id="{1D8BD707-D9CF-40AE-B4C6-C98DA3205C09}" type="datetimeFigureOut">
               <a:rPr lang="en-US" smtClean="0"/>
               <a:pPr/>
-              <a:t>4/1/2016</a:t>
+              <a:t>1/28/2017</a:t>
             </a:fld>
             <a:endParaRPr lang="en-US"/>
           </a:p>
@@ -2732,8 +2903,8 @@
         </p:nvSpPr>
         <p:spPr>
           <a:xfrm>
-            <a:off x="3124200" y="6780108"/>
-            <a:ext cx="2895600" cy="389467"/>
+            <a:off x="3124200" y="7174438"/>
+            <a:ext cx="2895600" cy="412118"/>
           </a:xfrm>
           <a:prstGeom prst="rect">
             <a:avLst/>
@@ -2759,8 +2930,8 @@
         </p:nvSpPr>
         <p:spPr>
           <a:xfrm>
-            <a:off x="6553200" y="6780108"/>
-            <a:ext cx="2133600" cy="389467"/>
+            <a:off x="6553200" y="7174438"/>
+            <a:ext cx="2133600" cy="412118"/>
           </a:xfrm>
           <a:prstGeom prst="rect">
             <a:avLst/>
@@ -2816,8 +2987,8 @@
         </p:nvSpPr>
         <p:spPr>
           <a:xfrm>
-            <a:off x="457202" y="291253"/>
-            <a:ext cx="3008313" cy="1239520"/>
+            <a:off x="457203" y="308192"/>
+            <a:ext cx="3008313" cy="1311610"/>
           </a:xfrm>
           <a:prstGeom prst="rect">
             <a:avLst/>
@@ -2851,8 +3022,8 @@
         </p:nvSpPr>
         <p:spPr>
           <a:xfrm>
-            <a:off x="3575050" y="291254"/>
-            <a:ext cx="5111750" cy="6243321"/>
+            <a:off x="3575050" y="308194"/>
+            <a:ext cx="5111750" cy="6606431"/>
           </a:xfrm>
           <a:prstGeom prst="rect">
             <a:avLst/>
@@ -2939,8 +3110,8 @@
         </p:nvSpPr>
         <p:spPr>
           <a:xfrm>
-            <a:off x="457202" y="1530774"/>
-            <a:ext cx="3008313" cy="5003801"/>
+            <a:off x="457203" y="1619804"/>
+            <a:ext cx="3008313" cy="5294821"/>
           </a:xfrm>
           <a:prstGeom prst="rect">
             <a:avLst/>
@@ -3007,8 +3178,8 @@
         </p:nvSpPr>
         <p:spPr>
           <a:xfrm>
-            <a:off x="457200" y="6780108"/>
-            <a:ext cx="2133600" cy="389467"/>
+            <a:off x="457200" y="7174438"/>
+            <a:ext cx="2133600" cy="412118"/>
           </a:xfrm>
           <a:prstGeom prst="rect">
             <a:avLst/>
@@ -3021,7 +3192,7 @@
             <a:fld id="{1D8BD707-D9CF-40AE-B4C6-C98DA3205C09}" type="datetimeFigureOut">
               <a:rPr lang="en-US" smtClean="0"/>
               <a:pPr/>
-              <a:t>4/1/2016</a:t>
+              <a:t>1/28/2017</a:t>
             </a:fld>
             <a:endParaRPr lang="en-US"/>
           </a:p>
@@ -3039,8 +3210,8 @@
         </p:nvSpPr>
         <p:spPr>
           <a:xfrm>
-            <a:off x="3124200" y="6780108"/>
-            <a:ext cx="2895600" cy="389467"/>
+            <a:off x="3124200" y="7174438"/>
+            <a:ext cx="2895600" cy="412118"/>
           </a:xfrm>
           <a:prstGeom prst="rect">
             <a:avLst/>
@@ -3066,8 +3237,8 @@
         </p:nvSpPr>
         <p:spPr>
           <a:xfrm>
-            <a:off x="6553200" y="6780108"/>
-            <a:ext cx="2133600" cy="389467"/>
+            <a:off x="6553200" y="7174438"/>
+            <a:ext cx="2133600" cy="412118"/>
           </a:xfrm>
           <a:prstGeom prst="rect">
             <a:avLst/>
@@ -3123,8 +3294,8 @@
         </p:nvSpPr>
         <p:spPr>
           <a:xfrm>
-            <a:off x="1792288" y="5120640"/>
-            <a:ext cx="5486400" cy="604521"/>
+            <a:off x="1792288" y="5418455"/>
+            <a:ext cx="5486400" cy="639680"/>
           </a:xfrm>
           <a:prstGeom prst="rect">
             <a:avLst/>
@@ -3158,8 +3329,8 @@
         </p:nvSpPr>
         <p:spPr>
           <a:xfrm>
-            <a:off x="1792288" y="653627"/>
-            <a:ext cx="5486400" cy="4389120"/>
+            <a:off x="1792288" y="691642"/>
+            <a:ext cx="5486400" cy="4644390"/>
           </a:xfrm>
           <a:prstGeom prst="rect">
             <a:avLst/>
@@ -3222,8 +3393,8 @@
         </p:nvSpPr>
         <p:spPr>
           <a:xfrm>
-            <a:off x="1792288" y="5725161"/>
-            <a:ext cx="5486400" cy="858519"/>
+            <a:off x="1792288" y="6058135"/>
+            <a:ext cx="5486400" cy="908450"/>
           </a:xfrm>
           <a:prstGeom prst="rect">
             <a:avLst/>
@@ -3290,8 +3461,8 @@
         </p:nvSpPr>
         <p:spPr>
           <a:xfrm>
-            <a:off x="457200" y="6780108"/>
-            <a:ext cx="2133600" cy="389467"/>
+            <a:off x="457200" y="7174438"/>
+            <a:ext cx="2133600" cy="412118"/>
           </a:xfrm>
           <a:prstGeom prst="rect">
             <a:avLst/>
@@ -3304,7 +3475,7 @@
             <a:fld id="{1D8BD707-D9CF-40AE-B4C6-C98DA3205C09}" type="datetimeFigureOut">
               <a:rPr lang="en-US" smtClean="0"/>
               <a:pPr/>
-              <a:t>4/1/2016</a:t>
+              <a:t>1/28/2017</a:t>
             </a:fld>
             <a:endParaRPr lang="en-US"/>
           </a:p>
@@ -3322,8 +3493,8 @@
         </p:nvSpPr>
         <p:spPr>
           <a:xfrm>
-            <a:off x="3124200" y="6780108"/>
-            <a:ext cx="2895600" cy="389467"/>
+            <a:off x="3124200" y="7174438"/>
+            <a:ext cx="2895600" cy="412118"/>
           </a:xfrm>
           <a:prstGeom prst="rect">
             <a:avLst/>
@@ -3349,8 +3520,8 @@
         </p:nvSpPr>
         <p:spPr>
           <a:xfrm>
-            <a:off x="6553200" y="6780108"/>
-            <a:ext cx="2133600" cy="389467"/>
+            <a:off x="6553200" y="7174438"/>
+            <a:ext cx="2133600" cy="412118"/>
           </a:xfrm>
           <a:prstGeom prst="rect">
             <a:avLst/>
@@ -3407,8 +3578,8 @@
         </p:nvSpPr>
         <p:spPr>
           <a:xfrm>
-            <a:off x="1066800" y="117742"/>
-            <a:ext cx="6781800" cy="6740257"/>
+            <a:off x="1066800" y="267675"/>
+            <a:ext cx="6781800" cy="6717534"/>
           </a:xfrm>
           <a:prstGeom prst="roundRect">
             <a:avLst>
@@ -3417,15 +3588,14 @@
           </a:prstGeom>
           <a:solidFill>
             <a:schemeClr val="accent4">
-              <a:lumMod val="40000"/>
-              <a:lumOff val="60000"/>
+              <a:lumMod val="60000"/>
+              <a:lumOff val="40000"/>
             </a:schemeClr>
           </a:solidFill>
           <a:ln>
             <a:solidFill>
               <a:schemeClr val="accent4">
-                <a:lumMod val="60000"/>
-                <a:lumOff val="40000"/>
+                <a:lumMod val="75000"/>
               </a:schemeClr>
             </a:solidFill>
           </a:ln>
@@ -3450,6 +3620,7 @@
           <a:bodyPr rtlCol="0" anchor="t" anchorCtr="0"/>
           <a:lstStyle/>
           <a:p>
+            <a:pPr algn="ctr"/>
             <a:r>
               <a:rPr lang="en-US" sz="1600" b="1" dirty="0" smtClean="0"/>
               <a:t>Logic</a:t>
@@ -3460,16 +3631,16 @@
       </p:sp>
       <p:grpSp>
         <p:nvGrpSpPr>
-          <p:cNvPr id="8" name="Group 7"/>
+          <p:cNvPr id="11" name="Group 10"/>
           <p:cNvGrpSpPr/>
           <p:nvPr userDrawn="1"/>
         </p:nvGrpSpPr>
         <p:grpSpPr>
           <a:xfrm>
-            <a:off x="1219201" y="453543"/>
-            <a:ext cx="3323303" cy="1222857"/>
-            <a:chOff x="-1757975" y="1812010"/>
-            <a:chExt cx="2900975" cy="1890263"/>
+            <a:off x="1251691" y="739907"/>
+            <a:ext cx="6439261" cy="2834304"/>
+            <a:chOff x="-1433735" y="1531517"/>
+            <a:chExt cx="2576734" cy="4070038"/>
           </a:xfrm>
           <a:solidFill>
             <a:schemeClr val="bg1"/>
@@ -3477,14 +3648,14 @@
         </p:grpSpPr>
         <p:sp>
           <p:nvSpPr>
-            <p:cNvPr id="9" name="Rectangle 8"/>
+            <p:cNvPr id="12" name="Rectangle 11"/>
             <p:cNvSpPr/>
             <p:nvPr/>
           </p:nvSpPr>
           <p:spPr>
             <a:xfrm>
-              <a:off x="-1757975" y="1888427"/>
-              <a:ext cx="2900975" cy="1813846"/>
+              <a:off x="-1433735" y="1797511"/>
+              <a:ext cx="2576734" cy="3804044"/>
             </a:xfrm>
             <a:prstGeom prst="rect">
               <a:avLst/>
@@ -3493,8 +3664,7 @@
             <a:ln>
               <a:solidFill>
                 <a:schemeClr val="accent4">
-                  <a:lumMod val="60000"/>
-                  <a:lumOff val="40000"/>
+                  <a:lumMod val="75000"/>
                 </a:schemeClr>
               </a:solidFill>
             </a:ln>
@@ -3519,25 +3689,22 @@
             <a:bodyPr rtlCol="0" anchor="t" anchorCtr="0"/>
             <a:lstStyle/>
             <a:p>
+              <a:pPr algn="r"/>
               <a:r>
                 <a:rPr lang="en-US" sz="1400" b="1" dirty="0" smtClean="0">
                   <a:solidFill>
-                    <a:srgbClr val="7030A0"/>
+                    <a:schemeClr val="accent4">
+                      <a:lumMod val="75000"/>
+                    </a:schemeClr>
                   </a:solidFill>
                 </a:rPr>
-                <a:t>logic::</a:t>
-              </a:r>
-              <a:r>
-                <a:rPr lang="en-US" sz="1400" b="1" dirty="0" err="1" smtClean="0">
-                  <a:solidFill>
-                    <a:srgbClr val="7030A0"/>
-                  </a:solidFill>
-                </a:rPr>
-                <a:t>publicresource</a:t>
+                <a:t>logic::core</a:t>
               </a:r>
               <a:endParaRPr lang="en-SG" sz="1400" b="1" dirty="0">
                 <a:solidFill>
-                  <a:srgbClr val="7030A0"/>
+                  <a:schemeClr val="accent4">
+                    <a:lumMod val="75000"/>
+                  </a:schemeClr>
                 </a:solidFill>
               </a:endParaRPr>
             </a:p>
@@ -3545,14 +3712,14 @@
         </p:sp>
         <p:sp>
           <p:nvSpPr>
-            <p:cNvPr id="10" name="Rectangle 9"/>
+            <p:cNvPr id="13" name="Rectangle 12"/>
             <p:cNvSpPr/>
             <p:nvPr/>
           </p:nvSpPr>
           <p:spPr>
             <a:xfrm>
-              <a:off x="647700" y="1812010"/>
-              <a:ext cx="495300" cy="76200"/>
+              <a:off x="566768" y="1531517"/>
+              <a:ext cx="576230" cy="258479"/>
             </a:xfrm>
             <a:prstGeom prst="rect">
               <a:avLst/>
@@ -3561,8 +3728,7 @@
             <a:ln>
               <a:solidFill>
                 <a:schemeClr val="accent4">
-                  <a:lumMod val="60000"/>
-                  <a:lumOff val="40000"/>
+                  <a:lumMod val="75000"/>
                 </a:schemeClr>
               </a:solidFill>
             </a:ln>
@@ -3590,7 +3756,9 @@
               <a:pPr algn="ctr"/>
               <a:endParaRPr lang="en-SG" sz="1400" b="1">
                 <a:solidFill>
-                  <a:srgbClr val="7030A0"/>
+                  <a:schemeClr val="accent4">
+                    <a:lumMod val="75000"/>
+                  </a:schemeClr>
                 </a:solidFill>
               </a:endParaRPr>
             </a:p>
@@ -3599,16 +3767,16 @@
       </p:grpSp>
       <p:grpSp>
         <p:nvGrpSpPr>
-          <p:cNvPr id="11" name="Group 10"/>
+          <p:cNvPr id="15" name="Group 14"/>
           <p:cNvGrpSpPr/>
           <p:nvPr userDrawn="1"/>
         </p:nvGrpSpPr>
         <p:grpSpPr>
           <a:xfrm>
-            <a:off x="4967066" y="152400"/>
-            <a:ext cx="2576735" cy="4475480"/>
-            <a:chOff x="-1433735" y="1447800"/>
-            <a:chExt cx="2576735" cy="4195762"/>
+            <a:off x="1250576" y="3840827"/>
+            <a:ext cx="6440373" cy="1685259"/>
+            <a:chOff x="-613964" y="1232995"/>
+            <a:chExt cx="1756963" cy="2641862"/>
           </a:xfrm>
           <a:solidFill>
             <a:schemeClr val="bg1"/>
@@ -3616,14 +3784,14 @@
         </p:grpSpPr>
         <p:sp>
           <p:nvSpPr>
-            <p:cNvPr id="12" name="Rectangle 11"/>
+            <p:cNvPr id="16" name="Rectangle 15"/>
             <p:cNvSpPr/>
             <p:nvPr/>
           </p:nvSpPr>
           <p:spPr>
             <a:xfrm>
-              <a:off x="-1433735" y="1523999"/>
-              <a:ext cx="2576734" cy="4119563"/>
+              <a:off x="-613964" y="1523999"/>
+              <a:ext cx="1756963" cy="2350858"/>
             </a:xfrm>
             <a:prstGeom prst="rect">
               <a:avLst/>
@@ -3632,8 +3800,7 @@
             <a:ln>
               <a:solidFill>
                 <a:schemeClr val="accent4">
-                  <a:lumMod val="60000"/>
-                  <a:lumOff val="40000"/>
+                  <a:lumMod val="75000"/>
                 </a:schemeClr>
               </a:solidFill>
             </a:ln>
@@ -3658,17 +3825,32 @@
             <a:bodyPr rtlCol="0" anchor="t" anchorCtr="0"/>
             <a:lstStyle/>
             <a:p>
+              <a:pPr algn="r"/>
               <a:r>
                 <a:rPr lang="en-US" sz="1400" b="1" dirty="0" smtClean="0">
                   <a:solidFill>
-                    <a:srgbClr val="7030A0"/>
+                    <a:schemeClr val="accent4">
+                      <a:lumMod val="75000"/>
+                    </a:schemeClr>
                   </a:solidFill>
                 </a:rPr>
-                <a:t>Logic::core</a:t>
+                <a:t>logic::</a:t>
+              </a:r>
+              <a:r>
+                <a:rPr lang="en-US" sz="1400" b="1" dirty="0" err="1" smtClean="0">
+                  <a:solidFill>
+                    <a:schemeClr val="accent4">
+                      <a:lumMod val="75000"/>
+                    </a:schemeClr>
+                  </a:solidFill>
+                </a:rPr>
+                <a:t>api</a:t>
               </a:r>
               <a:endParaRPr lang="en-SG" sz="1400" b="1" dirty="0">
                 <a:solidFill>
-                  <a:srgbClr val="7030A0"/>
+                  <a:schemeClr val="accent4">
+                    <a:lumMod val="75000"/>
+                  </a:schemeClr>
                 </a:solidFill>
               </a:endParaRPr>
             </a:p>
@@ -3676,14 +3858,14 @@
         </p:sp>
         <p:sp>
           <p:nvSpPr>
-            <p:cNvPr id="13" name="Rectangle 12"/>
+            <p:cNvPr id="17" name="Rectangle 16"/>
             <p:cNvSpPr/>
             <p:nvPr/>
           </p:nvSpPr>
           <p:spPr>
             <a:xfrm>
-              <a:off x="647700" y="1447800"/>
-              <a:ext cx="495300" cy="76200"/>
+              <a:off x="750160" y="1232995"/>
+              <a:ext cx="392839" cy="282173"/>
             </a:xfrm>
             <a:prstGeom prst="rect">
               <a:avLst/>
@@ -3692,8 +3874,7 @@
             <a:ln>
               <a:solidFill>
                 <a:schemeClr val="accent4">
-                  <a:lumMod val="60000"/>
-                  <a:lumOff val="40000"/>
+                  <a:lumMod val="75000"/>
                 </a:schemeClr>
               </a:solidFill>
             </a:ln>
@@ -3721,25 +3902,134 @@
               <a:pPr algn="ctr"/>
               <a:endParaRPr lang="en-SG" sz="1400" b="1">
                 <a:solidFill>
-                  <a:srgbClr val="7030A0"/>
+                  <a:schemeClr val="accent4">
+                    <a:lumMod val="75000"/>
+                  </a:schemeClr>
                 </a:solidFill>
               </a:endParaRPr>
             </a:p>
           </p:txBody>
         </p:sp>
       </p:grpSp>
+      <p:sp>
+        <p:nvSpPr>
+          <p:cNvPr id="38" name="Rounded Rectangle 37"/>
+          <p:cNvSpPr/>
+          <p:nvPr userDrawn="1"/>
+        </p:nvSpPr>
+        <p:spPr>
+          <a:xfrm>
+            <a:off x="8077200" y="267675"/>
+            <a:ext cx="914400" cy="6726850"/>
+          </a:xfrm>
+          <a:prstGeom prst="roundRect">
+            <a:avLst>
+              <a:gd name="adj" fmla="val 23209"/>
+            </a:avLst>
+          </a:prstGeom>
+          <a:solidFill>
+            <a:schemeClr val="bg1">
+              <a:lumMod val="85000"/>
+            </a:schemeClr>
+          </a:solidFill>
+          <a:ln>
+            <a:solidFill>
+              <a:schemeClr val="bg1">
+                <a:lumMod val="75000"/>
+              </a:schemeClr>
+            </a:solidFill>
+          </a:ln>
+        </p:spPr>
+        <p:style>
+          <a:lnRef idx="2">
+            <a:schemeClr val="accent1">
+              <a:shade val="50000"/>
+            </a:schemeClr>
+          </a:lnRef>
+          <a:fillRef idx="1">
+            <a:schemeClr val="accent1"/>
+          </a:fillRef>
+          <a:effectRef idx="0">
+            <a:schemeClr val="accent1"/>
+          </a:effectRef>
+          <a:fontRef idx="minor">
+            <a:schemeClr val="lt1"/>
+          </a:fontRef>
+        </p:style>
+        <p:txBody>
+          <a:bodyPr vert="vert270" rtlCol="0" anchor="t" anchorCtr="1"/>
+          <a:lstStyle/>
+          <a:p>
+            <a:pPr algn="r"/>
+            <a:r>
+              <a:rPr lang="en-US" sz="1600" b="1" dirty="0" smtClean="0"/>
+              <a:t>Storage</a:t>
+            </a:r>
+            <a:endParaRPr lang="en-SG" sz="1600" b="1" dirty="0"/>
+          </a:p>
+        </p:txBody>
+      </p:sp>
+      <p:sp>
+        <p:nvSpPr>
+          <p:cNvPr id="39" name="Rectangle 38"/>
+          <p:cNvSpPr/>
+          <p:nvPr userDrawn="1"/>
+        </p:nvSpPr>
+        <p:spPr>
+          <a:xfrm>
+            <a:off x="8534400" y="-258022"/>
+            <a:ext cx="609600" cy="8084679"/>
+          </a:xfrm>
+          <a:prstGeom prst="rect">
+            <a:avLst/>
+          </a:prstGeom>
+          <a:solidFill>
+            <a:schemeClr val="bg1"/>
+          </a:solidFill>
+          <a:ln>
+            <a:noFill/>
+          </a:ln>
+          <a:effectLst>
+            <a:softEdge rad="63500"/>
+          </a:effectLst>
+        </p:spPr>
+        <p:style>
+          <a:lnRef idx="2">
+            <a:schemeClr val="accent1">
+              <a:shade val="50000"/>
+            </a:schemeClr>
+          </a:lnRef>
+          <a:fillRef idx="1">
+            <a:schemeClr val="accent1"/>
+          </a:fillRef>
+          <a:effectRef idx="0">
+            <a:schemeClr val="accent1"/>
+          </a:effectRef>
+          <a:fontRef idx="minor">
+            <a:schemeClr val="lt1"/>
+          </a:fontRef>
+        </p:style>
+        <p:txBody>
+          <a:bodyPr rtlCol="0" anchor="ctr"/>
+          <a:lstStyle/>
+          <a:p>
+            <a:pPr algn="ctr"/>
+            <a:endParaRPr lang="en-SG" sz="1800"/>
+          </a:p>
+        </p:txBody>
+      </p:sp>
       <p:grpSp>
         <p:nvGrpSpPr>
-          <p:cNvPr id="15" name="Group 14"/>
+          <p:cNvPr id="18" name="Group 17"/>
           <p:cNvGrpSpPr/>
           <p:nvPr userDrawn="1"/>
         </p:nvGrpSpPr>
         <p:grpSpPr>
           <a:xfrm>
-            <a:off x="1219201" y="1799094"/>
-            <a:ext cx="3323304" cy="1248906"/>
-            <a:chOff x="-613964" y="1447800"/>
-            <a:chExt cx="1756963" cy="2071687"/>
+            <a:off x="1250577" y="5765155"/>
+            <a:ext cx="6440373" cy="991453"/>
+            <a:chOff x="-613964" y="1176232"/>
+            <a:chExt cx="1755532" cy="1915533"/>
           </a:xfrm>
           <a:solidFill>
             <a:schemeClr val="bg1"/>
@@ -3747,14 +4037,14 @@
         </p:grpSpPr>
         <p:sp>
           <p:nvSpPr>
-            <p:cNvPr id="16" name="Rectangle 15"/>
+            <p:cNvPr id="19" name="Rectangle 18"/>
             <p:cNvSpPr/>
             <p:nvPr/>
           </p:nvSpPr>
           <p:spPr>
             <a:xfrm>
-              <a:off x="-613964" y="1523999"/>
-              <a:ext cx="1756963" cy="1995488"/>
+              <a:off x="-613964" y="1524000"/>
+              <a:ext cx="1752686" cy="1567765"/>
             </a:xfrm>
             <a:prstGeom prst="rect">
               <a:avLst/>
@@ -3763,8 +4053,7 @@
             <a:ln>
               <a:solidFill>
                 <a:schemeClr val="accent4">
-                  <a:lumMod val="60000"/>
-                  <a:lumOff val="40000"/>
+                  <a:lumMod val="75000"/>
                 </a:schemeClr>
               </a:solidFill>
             </a:ln>
@@ -3789,25 +4078,22 @@
             <a:bodyPr rtlCol="0" anchor="t" anchorCtr="0"/>
             <a:lstStyle/>
             <a:p>
+              <a:pPr algn="l"/>
               <a:r>
                 <a:rPr lang="en-US" sz="1400" b="1" dirty="0" smtClean="0">
                   <a:solidFill>
-                    <a:srgbClr val="7030A0"/>
+                    <a:schemeClr val="accent4">
+                      <a:lumMod val="75000"/>
+                    </a:schemeClr>
                   </a:solidFill>
                 </a:rPr>
-                <a:t>logic::</a:t>
-              </a:r>
-              <a:r>
-                <a:rPr lang="en-US" sz="1400" b="1" dirty="0" err="1" smtClean="0">
-                  <a:solidFill>
-                    <a:srgbClr val="7030A0"/>
-                  </a:solidFill>
-                </a:rPr>
-                <a:t>api</a:t>
+                <a:t>logic::backdoor</a:t>
               </a:r>
               <a:endParaRPr lang="en-SG" sz="1400" b="1" dirty="0">
                 <a:solidFill>
-                  <a:srgbClr val="7030A0"/>
+                  <a:schemeClr val="accent4">
+                    <a:lumMod val="75000"/>
+                  </a:schemeClr>
                 </a:solidFill>
               </a:endParaRPr>
             </a:p>
@@ -3815,14 +4101,14 @@
         </p:sp>
         <p:sp>
           <p:nvSpPr>
-            <p:cNvPr id="17" name="Rectangle 16"/>
+            <p:cNvPr id="20" name="Rectangle 19"/>
             <p:cNvSpPr/>
             <p:nvPr/>
           </p:nvSpPr>
           <p:spPr>
             <a:xfrm>
-              <a:off x="843022" y="1447800"/>
-              <a:ext cx="299977" cy="76200"/>
+              <a:off x="749049" y="1176232"/>
+              <a:ext cx="392519" cy="347768"/>
             </a:xfrm>
             <a:prstGeom prst="rect">
               <a:avLst/>
@@ -3831,8 +4117,7 @@
             <a:ln>
               <a:solidFill>
                 <a:schemeClr val="accent4">
-                  <a:lumMod val="60000"/>
-                  <a:lumOff val="40000"/>
+                  <a:lumMod val="75000"/>
                 </a:schemeClr>
               </a:solidFill>
             </a:ln>
@@ -3860,376 +4145,9 @@
               <a:pPr algn="ctr"/>
               <a:endParaRPr lang="en-SG" sz="1400" b="1">
                 <a:solidFill>
-                  <a:srgbClr val="7030A0"/>
-                </a:solidFill>
-              </a:endParaRPr>
-            </a:p>
-          </p:txBody>
-        </p:sp>
-      </p:grpSp>
-      <p:grpSp>
-        <p:nvGrpSpPr>
-          <p:cNvPr id="26" name="Group 25"/>
-          <p:cNvGrpSpPr/>
-          <p:nvPr userDrawn="1"/>
-        </p:nvGrpSpPr>
-        <p:grpSpPr>
-          <a:xfrm>
-            <a:off x="1219200" y="4724400"/>
-            <a:ext cx="6324600" cy="1905000"/>
-            <a:chOff x="-4876800" y="1451133"/>
-            <a:chExt cx="6019800" cy="1628650"/>
-          </a:xfrm>
-          <a:solidFill>
-            <a:schemeClr val="bg1"/>
-          </a:solidFill>
-        </p:grpSpPr>
-        <p:sp>
-          <p:nvSpPr>
-            <p:cNvPr id="27" name="Rectangle 26"/>
-            <p:cNvSpPr/>
-            <p:nvPr/>
-          </p:nvSpPr>
-          <p:spPr>
-            <a:xfrm>
-              <a:off x="-4876800" y="1524000"/>
-              <a:ext cx="6019800" cy="1555783"/>
-            </a:xfrm>
-            <a:prstGeom prst="rect">
-              <a:avLst/>
-            </a:prstGeom>
-            <a:grpFill/>
-            <a:ln>
-              <a:solidFill>
-                <a:schemeClr val="accent4">
-                  <a:lumMod val="60000"/>
-                  <a:lumOff val="40000"/>
-                </a:schemeClr>
-              </a:solidFill>
-            </a:ln>
-          </p:spPr>
-          <p:style>
-            <a:lnRef idx="2">
-              <a:schemeClr val="accent1">
-                <a:shade val="50000"/>
-              </a:schemeClr>
-            </a:lnRef>
-            <a:fillRef idx="1">
-              <a:schemeClr val="accent1"/>
-            </a:fillRef>
-            <a:effectRef idx="0">
-              <a:schemeClr val="accent1"/>
-            </a:effectRef>
-            <a:fontRef idx="minor">
-              <a:schemeClr val="lt1"/>
-            </a:fontRef>
-          </p:style>
-          <p:txBody>
-            <a:bodyPr rtlCol="0" anchor="t" anchorCtr="0"/>
-            <a:lstStyle/>
-            <a:p>
-              <a:r>
-                <a:rPr lang="en-US" sz="1400" b="1" dirty="0" smtClean="0">
-                  <a:solidFill>
-                    <a:srgbClr val="7030A0"/>
-                  </a:solidFill>
-                </a:rPr>
-                <a:t>logic::automated</a:t>
-              </a:r>
-              <a:endParaRPr lang="en-SG" sz="1400" b="1" dirty="0">
-                <a:solidFill>
-                  <a:srgbClr val="7030A0"/>
-                </a:solidFill>
-              </a:endParaRPr>
-            </a:p>
-          </p:txBody>
-        </p:sp>
-        <p:sp>
-          <p:nvSpPr>
-            <p:cNvPr id="28" name="Rectangle 27"/>
-            <p:cNvSpPr/>
-            <p:nvPr/>
-          </p:nvSpPr>
-          <p:spPr>
-            <a:xfrm>
-              <a:off x="647700" y="1451133"/>
-              <a:ext cx="495300" cy="68942"/>
-            </a:xfrm>
-            <a:prstGeom prst="rect">
-              <a:avLst/>
-            </a:prstGeom>
-            <a:grpFill/>
-            <a:ln>
-              <a:solidFill>
-                <a:schemeClr val="accent4">
-                  <a:lumMod val="60000"/>
-                  <a:lumOff val="40000"/>
-                </a:schemeClr>
-              </a:solidFill>
-            </a:ln>
-          </p:spPr>
-          <p:style>
-            <a:lnRef idx="2">
-              <a:schemeClr val="accent1">
-                <a:shade val="50000"/>
-              </a:schemeClr>
-            </a:lnRef>
-            <a:fillRef idx="1">
-              <a:schemeClr val="accent1"/>
-            </a:fillRef>
-            <a:effectRef idx="0">
-              <a:schemeClr val="accent1"/>
-            </a:effectRef>
-            <a:fontRef idx="minor">
-              <a:schemeClr val="lt1"/>
-            </a:fontRef>
-          </p:style>
-          <p:txBody>
-            <a:bodyPr rtlCol="0" anchor="t" anchorCtr="0"/>
-            <a:lstStyle/>
-            <a:p>
-              <a:pPr algn="ctr"/>
-              <a:endParaRPr lang="en-SG" sz="1400" b="1">
-                <a:solidFill>
-                  <a:srgbClr val="7030A0"/>
-                </a:solidFill>
-              </a:endParaRPr>
-            </a:p>
-          </p:txBody>
-        </p:sp>
-      </p:grpSp>
-      <p:sp>
-        <p:nvSpPr>
-          <p:cNvPr id="38" name="Rounded Rectangle 37"/>
-          <p:cNvSpPr/>
-          <p:nvPr userDrawn="1"/>
-        </p:nvSpPr>
-        <p:spPr>
-          <a:xfrm>
-            <a:off x="8077200" y="117743"/>
-            <a:ext cx="914400" cy="6740256"/>
-          </a:xfrm>
-          <a:prstGeom prst="roundRect">
-            <a:avLst>
-              <a:gd name="adj" fmla="val 23209"/>
-            </a:avLst>
-          </a:prstGeom>
-          <a:solidFill>
-            <a:schemeClr val="bg1">
-              <a:lumMod val="85000"/>
-            </a:schemeClr>
-          </a:solidFill>
-          <a:ln>
-            <a:solidFill>
-              <a:schemeClr val="bg1">
-                <a:lumMod val="75000"/>
-              </a:schemeClr>
-            </a:solidFill>
-          </a:ln>
-        </p:spPr>
-        <p:style>
-          <a:lnRef idx="2">
-            <a:schemeClr val="accent1">
-              <a:shade val="50000"/>
-            </a:schemeClr>
-          </a:lnRef>
-          <a:fillRef idx="1">
-            <a:schemeClr val="accent1"/>
-          </a:fillRef>
-          <a:effectRef idx="0">
-            <a:schemeClr val="accent1"/>
-          </a:effectRef>
-          <a:fontRef idx="minor">
-            <a:schemeClr val="lt1"/>
-          </a:fontRef>
-        </p:style>
-        <p:txBody>
-          <a:bodyPr vert="vert270" rtlCol="0" anchor="t" anchorCtr="1"/>
-          <a:lstStyle/>
-          <a:p>
-            <a:pPr algn="r"/>
-            <a:r>
-              <a:rPr lang="en-US" sz="1600" b="1" dirty="0" smtClean="0"/>
-              <a:t>Storage</a:t>
-            </a:r>
-            <a:endParaRPr lang="en-SG" sz="1600" b="1" dirty="0"/>
-          </a:p>
-        </p:txBody>
-      </p:sp>
-      <p:sp>
-        <p:nvSpPr>
-          <p:cNvPr id="39" name="Rectangle 38"/>
-          <p:cNvSpPr/>
-          <p:nvPr userDrawn="1"/>
-        </p:nvSpPr>
-        <p:spPr>
-          <a:xfrm>
-            <a:off x="8534400" y="-243840"/>
-            <a:ext cx="609600" cy="7640320"/>
-          </a:xfrm>
-          <a:prstGeom prst="rect">
-            <a:avLst/>
-          </a:prstGeom>
-          <a:solidFill>
-            <a:schemeClr val="bg1"/>
-          </a:solidFill>
-          <a:ln>
-            <a:noFill/>
-          </a:ln>
-          <a:effectLst>
-            <a:softEdge rad="63500"/>
-          </a:effectLst>
-        </p:spPr>
-        <p:style>
-          <a:lnRef idx="2">
-            <a:schemeClr val="accent1">
-              <a:shade val="50000"/>
-            </a:schemeClr>
-          </a:lnRef>
-          <a:fillRef idx="1">
-            <a:schemeClr val="accent1"/>
-          </a:fillRef>
-          <a:effectRef idx="0">
-            <a:schemeClr val="accent1"/>
-          </a:effectRef>
-          <a:fontRef idx="minor">
-            <a:schemeClr val="lt1"/>
-          </a:fontRef>
-        </p:style>
-        <p:txBody>
-          <a:bodyPr rtlCol="0" anchor="ctr"/>
-          <a:lstStyle/>
-          <a:p>
-            <a:pPr algn="ctr"/>
-            <a:endParaRPr lang="en-SG"/>
-          </a:p>
-        </p:txBody>
-      </p:sp>
-      <p:grpSp>
-        <p:nvGrpSpPr>
-          <p:cNvPr id="18" name="Group 17"/>
-          <p:cNvGrpSpPr/>
-          <p:nvPr userDrawn="1"/>
-        </p:nvGrpSpPr>
-        <p:grpSpPr>
-          <a:xfrm>
-            <a:off x="1219200" y="3183257"/>
-            <a:ext cx="3323304" cy="1444623"/>
-            <a:chOff x="-613964" y="1447800"/>
-            <a:chExt cx="1756963" cy="2071687"/>
-          </a:xfrm>
-          <a:solidFill>
-            <a:schemeClr val="bg1"/>
-          </a:solidFill>
-        </p:grpSpPr>
-        <p:sp>
-          <p:nvSpPr>
-            <p:cNvPr id="19" name="Rectangle 18"/>
-            <p:cNvSpPr/>
-            <p:nvPr/>
-          </p:nvSpPr>
-          <p:spPr>
-            <a:xfrm>
-              <a:off x="-613964" y="1523999"/>
-              <a:ext cx="1756963" cy="1995488"/>
-            </a:xfrm>
-            <a:prstGeom prst="rect">
-              <a:avLst/>
-            </a:prstGeom>
-            <a:grpFill/>
-            <a:ln>
-              <a:solidFill>
-                <a:schemeClr val="accent4">
-                  <a:lumMod val="60000"/>
-                  <a:lumOff val="40000"/>
-                </a:schemeClr>
-              </a:solidFill>
-            </a:ln>
-          </p:spPr>
-          <p:style>
-            <a:lnRef idx="2">
-              <a:schemeClr val="accent1">
-                <a:shade val="50000"/>
-              </a:schemeClr>
-            </a:lnRef>
-            <a:fillRef idx="1">
-              <a:schemeClr val="accent1"/>
-            </a:fillRef>
-            <a:effectRef idx="0">
-              <a:schemeClr val="accent1"/>
-            </a:effectRef>
-            <a:fontRef idx="minor">
-              <a:schemeClr val="lt1"/>
-            </a:fontRef>
-          </p:style>
-          <p:txBody>
-            <a:bodyPr rtlCol="0" anchor="t" anchorCtr="0"/>
-            <a:lstStyle/>
-            <a:p>
-              <a:r>
-                <a:rPr lang="en-US" sz="1400" b="1" dirty="0" smtClean="0">
-                  <a:solidFill>
-                    <a:srgbClr val="7030A0"/>
-                  </a:solidFill>
-                </a:rPr>
-                <a:t>logic::backdoor</a:t>
-              </a:r>
-              <a:endParaRPr lang="en-SG" sz="1400" b="1" dirty="0">
-                <a:solidFill>
-                  <a:srgbClr val="7030A0"/>
-                </a:solidFill>
-              </a:endParaRPr>
-            </a:p>
-          </p:txBody>
-        </p:sp>
-        <p:sp>
-          <p:nvSpPr>
-            <p:cNvPr id="20" name="Rectangle 19"/>
-            <p:cNvSpPr/>
-            <p:nvPr/>
-          </p:nvSpPr>
-          <p:spPr>
-            <a:xfrm>
-              <a:off x="843022" y="1447800"/>
-              <a:ext cx="299977" cy="76200"/>
-            </a:xfrm>
-            <a:prstGeom prst="rect">
-              <a:avLst/>
-            </a:prstGeom>
-            <a:grpFill/>
-            <a:ln>
-              <a:solidFill>
-                <a:schemeClr val="accent4">
-                  <a:lumMod val="60000"/>
-                  <a:lumOff val="40000"/>
-                </a:schemeClr>
-              </a:solidFill>
-            </a:ln>
-          </p:spPr>
-          <p:style>
-            <a:lnRef idx="2">
-              <a:schemeClr val="accent1">
-                <a:shade val="50000"/>
-              </a:schemeClr>
-            </a:lnRef>
-            <a:fillRef idx="1">
-              <a:schemeClr val="accent1"/>
-            </a:fillRef>
-            <a:effectRef idx="0">
-              <a:schemeClr val="accent1"/>
-            </a:effectRef>
-            <a:fontRef idx="minor">
-              <a:schemeClr val="lt1"/>
-            </a:fontRef>
-          </p:style>
-          <p:txBody>
-            <a:bodyPr rtlCol="0" anchor="t" anchorCtr="0"/>
-            <a:lstStyle/>
-            <a:p>
-              <a:pPr algn="ctr"/>
-              <a:endParaRPr lang="en-SG" sz="1400" b="1">
-                <a:solidFill>
-                  <a:srgbClr val="7030A0"/>
+                  <a:schemeClr val="accent4">
+                    <a:lumMod val="75000"/>
+                  </a:schemeClr>
                 </a:solidFill>
               </a:endParaRPr>
             </a:p>
@@ -4522,45 +4440,6 @@
           <a:chExt cx="0" cy="0"/>
         </a:xfrm>
       </p:grpSpPr>
-      <p:cxnSp>
-        <p:nvCxnSpPr>
-          <p:cNvPr id="48" name="Straight Arrow Connector 47"/>
-          <p:cNvCxnSpPr>
-            <a:endCxn id="49" idx="1"/>
-          </p:cNvCxnSpPr>
-          <p:nvPr/>
-        </p:nvCxnSpPr>
-        <p:spPr>
-          <a:xfrm flipV="1">
-            <a:off x="727391" y="2697600"/>
-            <a:ext cx="1806137" cy="13800"/>
-          </a:xfrm>
-          <a:prstGeom prst="straightConnector1">
-            <a:avLst/>
-          </a:prstGeom>
-          <a:ln w="38100">
-            <a:solidFill>
-              <a:schemeClr val="tx1"/>
-            </a:solidFill>
-            <a:prstDash val="sysDash"/>
-            <a:tailEnd type="arrow"/>
-          </a:ln>
-        </p:spPr>
-        <p:style>
-          <a:lnRef idx="1">
-            <a:schemeClr val="accent1"/>
-          </a:lnRef>
-          <a:fillRef idx="0">
-            <a:schemeClr val="accent1"/>
-          </a:fillRef>
-          <a:effectRef idx="0">
-            <a:schemeClr val="accent1"/>
-          </a:effectRef>
-          <a:fontRef idx="minor">
-            <a:schemeClr val="tx1"/>
-          </a:fontRef>
-        </p:style>
-      </p:cxnSp>
       <p:sp>
         <p:nvSpPr>
           <p:cNvPr id="49" name="Rectangle 48"/>
@@ -4569,7 +4448,7 @@
         </p:nvSpPr>
         <p:spPr>
           <a:xfrm>
-            <a:off x="2533528" y="2499600"/>
+            <a:off x="3686908" y="4708754"/>
             <a:ext cx="1676400" cy="396000"/>
           </a:xfrm>
           <a:prstGeom prst="rect">
@@ -4598,7 +4477,7 @@
           <a:p>
             <a:pPr algn="ctr"/>
             <a:r>
-              <a:rPr lang="en-US" sz="1600" b="1" dirty="0" smtClean="0"/>
+              <a:rPr lang="en-US" sz="1600" b="1" dirty="0"/>
               <a:t>Logic</a:t>
             </a:r>
             <a:endParaRPr lang="en-SG" sz="1600" b="1" dirty="0"/>
@@ -4607,24 +4486,310 @@
       </p:sp>
       <p:sp>
         <p:nvSpPr>
-          <p:cNvPr id="50" name="Rectangle 49"/>
+          <p:cNvPr id="51" name="Rectangle 50"/>
           <p:cNvSpPr/>
           <p:nvPr/>
         </p:nvSpPr>
         <p:spPr>
           <a:xfrm>
-            <a:off x="5631075" y="3211419"/>
-            <a:ext cx="1676400" cy="304800"/>
-          </a:xfrm>
-          <a:prstGeom prst="rect">
-            <a:avLst/>
-          </a:prstGeom>
-          <a:solidFill>
-            <a:schemeClr val="accent4">
-              <a:lumMod val="60000"/>
-              <a:lumOff val="40000"/>
+            <a:off x="5678032" y="6287889"/>
+            <a:ext cx="1872000" cy="360000"/>
+          </a:xfrm>
+          <a:prstGeom prst="rect">
+            <a:avLst/>
+          </a:prstGeom>
+        </p:spPr>
+        <p:style>
+          <a:lnRef idx="2">
+            <a:schemeClr val="accent3">
+              <a:shade val="50000"/>
             </a:schemeClr>
-          </a:solidFill>
+          </a:lnRef>
+          <a:fillRef idx="1">
+            <a:schemeClr val="accent3"/>
+          </a:fillRef>
+          <a:effectRef idx="0">
+            <a:schemeClr val="accent3"/>
+          </a:effectRef>
+          <a:fontRef idx="minor">
+            <a:schemeClr val="lt1"/>
+          </a:fontRef>
+        </p:style>
+        <p:txBody>
+          <a:bodyPr rtlCol="0" anchor="ctr"/>
+          <a:lstStyle/>
+          <a:p>
+            <a:pPr algn="ctr"/>
+            <a:r>
+              <a:rPr lang="en-US" sz="1600" b="1" dirty="0" err="1" smtClean="0"/>
+              <a:t>BackDoorLogic</a:t>
+            </a:r>
+            <a:endParaRPr lang="en-SG" sz="1600" b="1" dirty="0"/>
+          </a:p>
+        </p:txBody>
+      </p:sp>
+      <p:sp>
+        <p:nvSpPr>
+          <p:cNvPr id="52" name="Rectangle 51"/>
+          <p:cNvSpPr/>
+          <p:nvPr/>
+        </p:nvSpPr>
+        <p:spPr>
+          <a:xfrm>
+            <a:off x="3538200" y="6287889"/>
+            <a:ext cx="1872000" cy="360000"/>
+          </a:xfrm>
+          <a:prstGeom prst="rect">
+            <a:avLst/>
+          </a:prstGeom>
+        </p:spPr>
+        <p:style>
+          <a:lnRef idx="2">
+            <a:schemeClr val="accent3">
+              <a:shade val="50000"/>
+            </a:schemeClr>
+          </a:lnRef>
+          <a:fillRef idx="1">
+            <a:schemeClr val="accent3"/>
+          </a:fillRef>
+          <a:effectRef idx="0">
+            <a:schemeClr val="accent3"/>
+          </a:effectRef>
+          <a:fontRef idx="minor">
+            <a:schemeClr val="lt1"/>
+          </a:fontRef>
+        </p:style>
+        <p:txBody>
+          <a:bodyPr rtlCol="0" anchor="ctr"/>
+          <a:lstStyle/>
+          <a:p>
+            <a:pPr algn="ctr"/>
+            <a:r>
+              <a:rPr lang="en-US" sz="1600" b="1" dirty="0" err="1"/>
+              <a:t>BackDoorServlet</a:t>
+            </a:r>
+            <a:endParaRPr lang="en-SG" sz="1600" b="1" dirty="0"/>
+          </a:p>
+        </p:txBody>
+      </p:sp>
+      <p:sp>
+        <p:nvSpPr>
+          <p:cNvPr id="53" name="Isosceles Triangle 52"/>
+          <p:cNvSpPr/>
+          <p:nvPr/>
+        </p:nvSpPr>
+        <p:spPr>
+          <a:xfrm>
+            <a:off x="4366200" y="5110149"/>
+            <a:ext cx="216000" cy="216000"/>
+          </a:xfrm>
+          <a:prstGeom prst="triangle">
+            <a:avLst/>
+          </a:prstGeom>
+        </p:spPr>
+        <p:style>
+          <a:lnRef idx="2">
+            <a:schemeClr val="accent2">
+              <a:shade val="50000"/>
+            </a:schemeClr>
+          </a:lnRef>
+          <a:fillRef idx="1">
+            <a:schemeClr val="accent2"/>
+          </a:fillRef>
+          <a:effectRef idx="0">
+            <a:schemeClr val="accent2"/>
+          </a:effectRef>
+          <a:fontRef idx="minor">
+            <a:schemeClr val="lt1"/>
+          </a:fontRef>
+        </p:style>
+        <p:txBody>
+          <a:bodyPr rtlCol="0" anchor="ctr"/>
+          <a:lstStyle/>
+          <a:p>
+            <a:pPr algn="ctr"/>
+            <a:endParaRPr lang="en-SG"/>
+          </a:p>
+        </p:txBody>
+      </p:sp>
+      <p:cxnSp>
+        <p:nvCxnSpPr>
+          <p:cNvPr id="54" name="Elbow Connector 53"/>
+          <p:cNvCxnSpPr>
+            <a:stCxn id="53" idx="3"/>
+            <a:endCxn id="51" idx="0"/>
+          </p:cNvCxnSpPr>
+          <p:nvPr/>
+        </p:nvCxnSpPr>
+        <p:spPr>
+          <a:xfrm rot="16200000" flipH="1">
+            <a:off x="5063246" y="4737103"/>
+            <a:ext cx="961740" cy="2139832"/>
+          </a:xfrm>
+          <a:prstGeom prst="bentConnector3">
+            <a:avLst>
+              <a:gd name="adj1" fmla="val 80618"/>
+            </a:avLst>
+          </a:prstGeom>
+          <a:ln w="28575">
+            <a:headEnd type="none" w="med" len="med"/>
+            <a:tailEnd type="none" w="med" len="med"/>
+          </a:ln>
+        </p:spPr>
+        <p:style>
+          <a:lnRef idx="2">
+            <a:schemeClr val="accent2">
+              <a:shade val="50000"/>
+            </a:schemeClr>
+          </a:lnRef>
+          <a:fillRef idx="1">
+            <a:schemeClr val="accent2"/>
+          </a:fillRef>
+          <a:effectRef idx="0">
+            <a:schemeClr val="accent2"/>
+          </a:effectRef>
+          <a:fontRef idx="minor">
+            <a:schemeClr val="lt1"/>
+          </a:fontRef>
+        </p:style>
+      </p:cxnSp>
+      <p:sp>
+        <p:nvSpPr>
+          <p:cNvPr id="62" name="TextBox 61"/>
+          <p:cNvSpPr txBox="1"/>
+          <p:nvPr/>
+        </p:nvSpPr>
+        <p:spPr>
+          <a:xfrm>
+            <a:off x="248659" y="4360969"/>
+            <a:ext cx="609600" cy="426720"/>
+          </a:xfrm>
+          <a:prstGeom prst="rect">
+            <a:avLst/>
+          </a:prstGeom>
+          <a:grpFill/>
+          <a:ln>
+            <a:noFill/>
+          </a:ln>
+        </p:spPr>
+        <p:style>
+          <a:lnRef idx="2">
+            <a:schemeClr val="accent1">
+              <a:shade val="50000"/>
+            </a:schemeClr>
+          </a:lnRef>
+          <a:fillRef idx="1">
+            <a:schemeClr val="accent1"/>
+          </a:fillRef>
+          <a:effectRef idx="0">
+            <a:schemeClr val="accent1"/>
+          </a:effectRef>
+          <a:fontRef idx="minor">
+            <a:schemeClr val="lt1"/>
+          </a:fontRef>
+        </p:style>
+        <p:txBody>
+          <a:bodyPr rtlCol="0" anchor="ctr" anchorCtr="0"/>
+          <a:lstStyle>
+            <a:defPPr>
+              <a:defRPr lang="en-US"/>
+            </a:defPPr>
+            <a:lvl1pPr>
+              <a:defRPr sz="1400" b="1">
+                <a:solidFill>
+                  <a:srgbClr val="7030A0"/>
+                </a:solidFill>
+              </a:defRPr>
+            </a:lvl1pPr>
+            <a:lvl2pPr>
+              <a:defRPr>
+                <a:solidFill>
+                  <a:schemeClr val="lt1"/>
+                </a:solidFill>
+              </a:defRPr>
+            </a:lvl2pPr>
+            <a:lvl3pPr>
+              <a:defRPr>
+                <a:solidFill>
+                  <a:schemeClr val="lt1"/>
+                </a:solidFill>
+              </a:defRPr>
+            </a:lvl3pPr>
+            <a:lvl4pPr>
+              <a:defRPr>
+                <a:solidFill>
+                  <a:schemeClr val="lt1"/>
+                </a:solidFill>
+              </a:defRPr>
+            </a:lvl4pPr>
+            <a:lvl5pPr>
+              <a:defRPr>
+                <a:solidFill>
+                  <a:schemeClr val="lt1"/>
+                </a:solidFill>
+              </a:defRPr>
+            </a:lvl5pPr>
+            <a:lvl6pPr>
+              <a:defRPr>
+                <a:solidFill>
+                  <a:schemeClr val="lt1"/>
+                </a:solidFill>
+              </a:defRPr>
+            </a:lvl6pPr>
+            <a:lvl7pPr>
+              <a:defRPr>
+                <a:solidFill>
+                  <a:schemeClr val="lt1"/>
+                </a:solidFill>
+              </a:defRPr>
+            </a:lvl7pPr>
+            <a:lvl8pPr>
+              <a:defRPr>
+                <a:solidFill>
+                  <a:schemeClr val="lt1"/>
+                </a:solidFill>
+              </a:defRPr>
+            </a:lvl8pPr>
+            <a:lvl9pPr>
+              <a:defRPr>
+                <a:solidFill>
+                  <a:schemeClr val="lt1"/>
+                </a:solidFill>
+              </a:defRPr>
+            </a:lvl9pPr>
+          </a:lstStyle>
+          <a:p>
+            <a:pPr algn="r"/>
+            <a:r>
+              <a:rPr lang="en-US" sz="1600" dirty="0">
+                <a:solidFill>
+                  <a:schemeClr val="tx1"/>
+                </a:solidFill>
+              </a:rPr>
+              <a:t>UI</a:t>
+            </a:r>
+            <a:endParaRPr lang="en-SG" sz="1600" dirty="0">
+              <a:solidFill>
+                <a:schemeClr val="tx1"/>
+              </a:solidFill>
+            </a:endParaRPr>
+          </a:p>
+        </p:txBody>
+      </p:sp>
+      <p:sp>
+        <p:nvSpPr>
+          <p:cNvPr id="68" name="Rectangle 67"/>
+          <p:cNvSpPr/>
+          <p:nvPr/>
+        </p:nvSpPr>
+        <p:spPr>
+          <a:xfrm>
+            <a:off x="5071200" y="1650610"/>
+            <a:ext cx="2304000" cy="274320"/>
+          </a:xfrm>
+          <a:prstGeom prst="rect">
+            <a:avLst/>
+          </a:prstGeom>
         </p:spPr>
         <p:style>
           <a:lnRef idx="2">
@@ -4648,8 +4813,8 @@
           <a:p>
             <a:pPr algn="ctr"/>
             <a:r>
-              <a:rPr lang="en-US" sz="1600" b="1" dirty="0" err="1" smtClean="0"/>
-              <a:t>TeamEvalResult</a:t>
+              <a:rPr lang="en-US" sz="1600" b="1" dirty="0" err="1"/>
+              <a:t>InstructorsLogic</a:t>
             </a:r>
             <a:endParaRPr lang="en-SG" sz="1600" b="1" dirty="0"/>
           </a:p>
@@ -4657,36 +4822,30 @@
       </p:sp>
       <p:sp>
         <p:nvSpPr>
-          <p:cNvPr id="51" name="Rectangle 50"/>
+          <p:cNvPr id="69" name="Rectangle 68"/>
           <p:cNvSpPr/>
           <p:nvPr/>
         </p:nvSpPr>
         <p:spPr>
           <a:xfrm>
-            <a:off x="2533528" y="4114800"/>
-            <a:ext cx="1676400" cy="396000"/>
-          </a:xfrm>
-          <a:prstGeom prst="rect">
-            <a:avLst/>
-          </a:prstGeom>
-          <a:solidFill>
-            <a:schemeClr val="accent2">
-              <a:lumMod val="60000"/>
-              <a:lumOff val="40000"/>
-            </a:schemeClr>
-          </a:solidFill>
+            <a:off x="5071200" y="2040041"/>
+            <a:ext cx="2304000" cy="274320"/>
+          </a:xfrm>
+          <a:prstGeom prst="rect">
+            <a:avLst/>
+          </a:prstGeom>
         </p:spPr>
         <p:style>
           <a:lnRef idx="2">
-            <a:schemeClr val="accent2">
+            <a:schemeClr val="accent4">
               <a:shade val="50000"/>
             </a:schemeClr>
           </a:lnRef>
           <a:fillRef idx="1">
-            <a:schemeClr val="accent2"/>
+            <a:schemeClr val="accent4"/>
           </a:fillRef>
           <a:effectRef idx="0">
-            <a:schemeClr val="accent2"/>
+            <a:schemeClr val="accent4"/>
           </a:effectRef>
           <a:fontRef idx="minor">
             <a:schemeClr val="lt1"/>
@@ -4698,8 +4857,8 @@
           <a:p>
             <a:pPr algn="ctr"/>
             <a:r>
-              <a:rPr lang="en-US" sz="1600" b="1" dirty="0" err="1" smtClean="0"/>
-              <a:t>BackDoorLogic</a:t>
+              <a:rPr lang="en-US" sz="1600" b="1" dirty="0" err="1"/>
+              <a:t>StudentsLogic</a:t>
             </a:r>
             <a:endParaRPr lang="en-SG" sz="1600" b="1" dirty="0"/>
           </a:p>
@@ -4707,36 +4866,30 @@
       </p:sp>
       <p:sp>
         <p:nvSpPr>
-          <p:cNvPr id="52" name="Rectangle 51"/>
+          <p:cNvPr id="70" name="Rectangle 69"/>
           <p:cNvSpPr/>
           <p:nvPr/>
         </p:nvSpPr>
         <p:spPr>
           <a:xfrm>
-            <a:off x="1516275" y="3581400"/>
-            <a:ext cx="1645397" cy="396000"/>
-          </a:xfrm>
-          <a:prstGeom prst="rect">
-            <a:avLst/>
-          </a:prstGeom>
-          <a:solidFill>
-            <a:schemeClr val="accent2">
-              <a:lumMod val="60000"/>
-              <a:lumOff val="40000"/>
-            </a:schemeClr>
-          </a:solidFill>
+            <a:off x="5071200" y="2824522"/>
+            <a:ext cx="2304000" cy="274320"/>
+          </a:xfrm>
+          <a:prstGeom prst="rect">
+            <a:avLst/>
+          </a:prstGeom>
         </p:spPr>
         <p:style>
           <a:lnRef idx="2">
-            <a:schemeClr val="accent2">
+            <a:schemeClr val="accent4">
               <a:shade val="50000"/>
             </a:schemeClr>
           </a:lnRef>
           <a:fillRef idx="1">
-            <a:schemeClr val="accent2"/>
+            <a:schemeClr val="accent4"/>
           </a:fillRef>
           <a:effectRef idx="0">
-            <a:schemeClr val="accent2"/>
+            <a:schemeClr val="accent4"/>
           </a:effectRef>
           <a:fontRef idx="minor">
             <a:schemeClr val="lt1"/>
@@ -4749,38 +4902,120 @@
             <a:pPr algn="ctr"/>
             <a:r>
               <a:rPr lang="en-US" sz="1600" b="1" dirty="0" err="1"/>
-              <a:t>BackDoorServlet</a:t>
+              <a:t>FeedbackSessionsLogic</a:t>
             </a:r>
             <a:endParaRPr lang="en-SG" sz="1600" b="1" dirty="0"/>
           </a:p>
         </p:txBody>
       </p:sp>
-      <p:sp>
-        <p:nvSpPr>
-          <p:cNvPr id="53" name="Isosceles Triangle 52"/>
+      <p:cxnSp>
+        <p:nvCxnSpPr>
+          <p:cNvPr id="71" name="Straight Arrow Connector 70"/>
+          <p:cNvCxnSpPr>
+            <a:stCxn id="69" idx="3"/>
+          </p:cNvCxnSpPr>
+          <p:nvPr/>
+        </p:nvCxnSpPr>
+        <p:spPr>
+          <a:xfrm>
+            <a:off x="7375200" y="2177201"/>
+            <a:ext cx="666000" cy="0"/>
+          </a:xfrm>
+          <a:prstGeom prst="straightConnector1">
+            <a:avLst/>
+          </a:prstGeom>
+          <a:ln w="38100">
+            <a:solidFill>
+              <a:schemeClr val="accent4">
+                <a:lumMod val="75000"/>
+              </a:schemeClr>
+            </a:solidFill>
+            <a:prstDash val="sysDash"/>
+            <a:tailEnd type="arrow"/>
+          </a:ln>
+        </p:spPr>
+        <p:style>
+          <a:lnRef idx="1">
+            <a:schemeClr val="accent1"/>
+          </a:lnRef>
+          <a:fillRef idx="0">
+            <a:schemeClr val="accent1"/>
+          </a:fillRef>
+          <a:effectRef idx="0">
+            <a:schemeClr val="accent1"/>
+          </a:effectRef>
+          <a:fontRef idx="minor">
+            <a:schemeClr val="tx1"/>
+          </a:fontRef>
+        </p:style>
+      </p:cxnSp>
+      <p:cxnSp>
+        <p:nvCxnSpPr>
+          <p:cNvPr id="72" name="Straight Arrow Connector 71"/>
+          <p:cNvCxnSpPr>
+            <a:stCxn id="68" idx="3"/>
+          </p:cNvCxnSpPr>
+          <p:nvPr/>
+        </p:nvCxnSpPr>
+        <p:spPr>
+          <a:xfrm>
+            <a:off x="7375200" y="1787770"/>
+            <a:ext cx="666000" cy="0"/>
+          </a:xfrm>
+          <a:prstGeom prst="straightConnector1">
+            <a:avLst/>
+          </a:prstGeom>
+          <a:ln w="38100">
+            <a:solidFill>
+              <a:schemeClr val="accent4">
+                <a:lumMod val="75000"/>
+              </a:schemeClr>
+            </a:solidFill>
+            <a:prstDash val="sysDash"/>
+            <a:tailEnd type="arrow"/>
+          </a:ln>
+        </p:spPr>
+        <p:style>
+          <a:lnRef idx="1">
+            <a:schemeClr val="accent1"/>
+          </a:lnRef>
+          <a:fillRef idx="0">
+            <a:schemeClr val="accent1"/>
+          </a:fillRef>
+          <a:effectRef idx="0">
+            <a:schemeClr val="accent1"/>
+          </a:effectRef>
+          <a:fontRef idx="minor">
+            <a:schemeClr val="tx1"/>
+          </a:fontRef>
+        </p:style>
+      </p:cxnSp>
+      <p:sp>
+        <p:nvSpPr>
+          <p:cNvPr id="74" name="Rectangle 73"/>
           <p:cNvSpPr/>
           <p:nvPr/>
         </p:nvSpPr>
         <p:spPr>
           <a:xfrm>
-            <a:off x="3231684" y="2910599"/>
-            <a:ext cx="276225" cy="228600"/>
-          </a:xfrm>
-          <a:prstGeom prst="triangle">
+            <a:off x="5071200" y="1259889"/>
+            <a:ext cx="2304000" cy="274320"/>
+          </a:xfrm>
+          <a:prstGeom prst="rect">
             <a:avLst/>
           </a:prstGeom>
         </p:spPr>
         <p:style>
           <a:lnRef idx="2">
-            <a:schemeClr val="accent2">
+            <a:schemeClr val="accent4">
               <a:shade val="50000"/>
             </a:schemeClr>
           </a:lnRef>
           <a:fillRef idx="1">
-            <a:schemeClr val="accent2"/>
+            <a:schemeClr val="accent4"/>
           </a:fillRef>
           <a:effectRef idx="0">
-            <a:schemeClr val="accent2"/>
+            <a:schemeClr val="accent4"/>
           </a:effectRef>
           <a:fontRef idx="minor">
             <a:schemeClr val="lt1"/>
@@ -4791,23 +5026,360 @@
           <a:lstStyle/>
           <a:p>
             <a:pPr algn="ctr"/>
-            <a:endParaRPr lang="en-SG"/>
+            <a:r>
+              <a:rPr lang="en-US" sz="1600" b="1" dirty="0" err="1"/>
+              <a:t>AccountsLogic</a:t>
+            </a:r>
+            <a:endParaRPr lang="en-SG" sz="1600" b="1" dirty="0"/>
+          </a:p>
+        </p:txBody>
+      </p:sp>
+      <p:sp>
+        <p:nvSpPr>
+          <p:cNvPr id="75" name="Rectangle 74"/>
+          <p:cNvSpPr/>
+          <p:nvPr/>
+        </p:nvSpPr>
+        <p:spPr>
+          <a:xfrm>
+            <a:off x="5071200" y="2433297"/>
+            <a:ext cx="2304000" cy="274320"/>
+          </a:xfrm>
+          <a:prstGeom prst="rect">
+            <a:avLst/>
+          </a:prstGeom>
+        </p:spPr>
+        <p:style>
+          <a:lnRef idx="2">
+            <a:schemeClr val="accent4">
+              <a:shade val="50000"/>
+            </a:schemeClr>
+          </a:lnRef>
+          <a:fillRef idx="1">
+            <a:schemeClr val="accent4"/>
+          </a:fillRef>
+          <a:effectRef idx="0">
+            <a:schemeClr val="accent4"/>
+          </a:effectRef>
+          <a:fontRef idx="minor">
+            <a:schemeClr val="lt1"/>
+          </a:fontRef>
+        </p:style>
+        <p:txBody>
+          <a:bodyPr rtlCol="0" anchor="ctr"/>
+          <a:lstStyle/>
+          <a:p>
+            <a:pPr algn="ctr"/>
+            <a:r>
+              <a:rPr lang="en-US" sz="1600" b="1" dirty="0" err="1"/>
+              <a:t>CoursesLogic</a:t>
+            </a:r>
+            <a:endParaRPr lang="en-SG" sz="1600" b="1" dirty="0"/>
           </a:p>
         </p:txBody>
       </p:sp>
       <p:cxnSp>
         <p:nvCxnSpPr>
-          <p:cNvPr id="54" name="Elbow Connector 53"/>
+          <p:cNvPr id="76" name="Straight Arrow Connector 75"/>
           <p:cNvCxnSpPr>
-            <a:stCxn id="53" idx="3"/>
-            <a:endCxn id="51" idx="0"/>
+            <a:stCxn id="74" idx="3"/>
           </p:cNvCxnSpPr>
           <p:nvPr/>
         </p:nvCxnSpPr>
         <p:spPr>
-          <a:xfrm rot="16200000" flipH="1">
-            <a:off x="2882962" y="3626033"/>
-            <a:ext cx="975601" cy="1931"/>
+          <a:xfrm>
+            <a:off x="7375200" y="1397049"/>
+            <a:ext cx="666000" cy="0"/>
+          </a:xfrm>
+          <a:prstGeom prst="straightConnector1">
+            <a:avLst/>
+          </a:prstGeom>
+          <a:ln w="38100">
+            <a:solidFill>
+              <a:schemeClr val="accent4">
+                <a:lumMod val="75000"/>
+              </a:schemeClr>
+            </a:solidFill>
+            <a:prstDash val="sysDash"/>
+            <a:tailEnd type="arrow"/>
+          </a:ln>
+        </p:spPr>
+        <p:style>
+          <a:lnRef idx="1">
+            <a:schemeClr val="accent1"/>
+          </a:lnRef>
+          <a:fillRef idx="0">
+            <a:schemeClr val="accent1"/>
+          </a:fillRef>
+          <a:effectRef idx="0">
+            <a:schemeClr val="accent1"/>
+          </a:effectRef>
+          <a:fontRef idx="minor">
+            <a:schemeClr val="tx1"/>
+          </a:fontRef>
+        </p:style>
+      </p:cxnSp>
+      <p:cxnSp>
+        <p:nvCxnSpPr>
+          <p:cNvPr id="77" name="Straight Arrow Connector 76"/>
+          <p:cNvCxnSpPr>
+            <a:stCxn id="75" idx="3"/>
+          </p:cNvCxnSpPr>
+          <p:nvPr/>
+        </p:nvCxnSpPr>
+        <p:spPr>
+          <a:xfrm>
+            <a:off x="7375200" y="2570457"/>
+            <a:ext cx="666000" cy="0"/>
+          </a:xfrm>
+          <a:prstGeom prst="straightConnector1">
+            <a:avLst/>
+          </a:prstGeom>
+          <a:ln w="38100">
+            <a:solidFill>
+              <a:schemeClr val="accent4">
+                <a:lumMod val="75000"/>
+              </a:schemeClr>
+            </a:solidFill>
+            <a:prstDash val="sysDash"/>
+            <a:tailEnd type="arrow"/>
+          </a:ln>
+        </p:spPr>
+        <p:style>
+          <a:lnRef idx="1">
+            <a:schemeClr val="accent1"/>
+          </a:lnRef>
+          <a:fillRef idx="0">
+            <a:schemeClr val="accent1"/>
+          </a:fillRef>
+          <a:effectRef idx="0">
+            <a:schemeClr val="accent1"/>
+          </a:effectRef>
+          <a:fontRef idx="minor">
+            <a:schemeClr val="tx1"/>
+          </a:fontRef>
+        </p:style>
+      </p:cxnSp>
+      <p:cxnSp>
+        <p:nvCxnSpPr>
+          <p:cNvPr id="78" name="Straight Arrow Connector 77"/>
+          <p:cNvCxnSpPr>
+            <a:stCxn id="70" idx="3"/>
+          </p:cNvCxnSpPr>
+          <p:nvPr/>
+        </p:nvCxnSpPr>
+        <p:spPr>
+          <a:xfrm>
+            <a:off x="7375200" y="2961682"/>
+            <a:ext cx="666000" cy="0"/>
+          </a:xfrm>
+          <a:prstGeom prst="straightConnector1">
+            <a:avLst/>
+          </a:prstGeom>
+          <a:ln w="38100">
+            <a:solidFill>
+              <a:schemeClr val="accent4">
+                <a:lumMod val="75000"/>
+              </a:schemeClr>
+            </a:solidFill>
+            <a:prstDash val="sysDash"/>
+            <a:tailEnd type="arrow"/>
+          </a:ln>
+        </p:spPr>
+        <p:style>
+          <a:lnRef idx="1">
+            <a:schemeClr val="accent1"/>
+          </a:lnRef>
+          <a:fillRef idx="0">
+            <a:schemeClr val="accent1"/>
+          </a:fillRef>
+          <a:effectRef idx="0">
+            <a:schemeClr val="accent1"/>
+          </a:effectRef>
+          <a:fontRef idx="minor">
+            <a:schemeClr val="tx1"/>
+          </a:fontRef>
+        </p:style>
+      </p:cxnSp>
+      <p:sp>
+        <p:nvSpPr>
+          <p:cNvPr id="82" name="Rectangle 81"/>
+          <p:cNvSpPr/>
+          <p:nvPr/>
+        </p:nvSpPr>
+        <p:spPr>
+          <a:xfrm>
+            <a:off x="5071200" y="3214693"/>
+            <a:ext cx="2304000" cy="274320"/>
+          </a:xfrm>
+          <a:prstGeom prst="rect">
+            <a:avLst/>
+          </a:prstGeom>
+        </p:spPr>
+        <p:style>
+          <a:lnRef idx="2">
+            <a:schemeClr val="accent4">
+              <a:shade val="50000"/>
+            </a:schemeClr>
+          </a:lnRef>
+          <a:fillRef idx="1">
+            <a:schemeClr val="accent4"/>
+          </a:fillRef>
+          <a:effectRef idx="0">
+            <a:schemeClr val="accent4"/>
+          </a:effectRef>
+          <a:fontRef idx="minor">
+            <a:schemeClr val="lt1"/>
+          </a:fontRef>
+        </p:style>
+        <p:txBody>
+          <a:bodyPr rtlCol="0" anchor="ctr"/>
+          <a:lstStyle/>
+          <a:p>
+            <a:pPr algn="ctr"/>
+            <a:r>
+              <a:rPr lang="en-US" sz="1600" b="1" dirty="0"/>
+              <a:t>*Logic</a:t>
+            </a:r>
+            <a:endParaRPr lang="en-SG" sz="1600" b="1" dirty="0"/>
+          </a:p>
+        </p:txBody>
+      </p:sp>
+      <p:cxnSp>
+        <p:nvCxnSpPr>
+          <p:cNvPr id="83" name="Straight Arrow Connector 82"/>
+          <p:cNvCxnSpPr>
+            <a:stCxn id="82" idx="3"/>
+          </p:cNvCxnSpPr>
+          <p:nvPr/>
+        </p:nvCxnSpPr>
+        <p:spPr>
+          <a:xfrm>
+            <a:off x="7375200" y="3351853"/>
+            <a:ext cx="666000" cy="0"/>
+          </a:xfrm>
+          <a:prstGeom prst="straightConnector1">
+            <a:avLst/>
+          </a:prstGeom>
+          <a:ln w="38100">
+            <a:solidFill>
+              <a:schemeClr val="accent4">
+                <a:lumMod val="75000"/>
+              </a:schemeClr>
+            </a:solidFill>
+            <a:prstDash val="sysDash"/>
+            <a:tailEnd type="arrow"/>
+          </a:ln>
+        </p:spPr>
+        <p:style>
+          <a:lnRef idx="1">
+            <a:schemeClr val="accent1"/>
+          </a:lnRef>
+          <a:fillRef idx="0">
+            <a:schemeClr val="accent1"/>
+          </a:fillRef>
+          <a:effectRef idx="0">
+            <a:schemeClr val="accent1"/>
+          </a:effectRef>
+          <a:fontRef idx="minor">
+            <a:schemeClr val="tx1"/>
+          </a:fontRef>
+        </p:style>
+      </p:cxnSp>
+      <p:sp>
+        <p:nvSpPr>
+          <p:cNvPr id="112" name="Rectangle 111"/>
+          <p:cNvSpPr/>
+          <p:nvPr/>
+        </p:nvSpPr>
+        <p:spPr>
+          <a:xfrm>
+            <a:off x="1379192" y="6287889"/>
+            <a:ext cx="1872000" cy="360000"/>
+          </a:xfrm>
+          <a:prstGeom prst="rect">
+            <a:avLst/>
+          </a:prstGeom>
+        </p:spPr>
+        <p:style>
+          <a:lnRef idx="2">
+            <a:schemeClr val="accent3">
+              <a:shade val="50000"/>
+            </a:schemeClr>
+          </a:lnRef>
+          <a:fillRef idx="1">
+            <a:schemeClr val="accent3"/>
+          </a:fillRef>
+          <a:effectRef idx="0">
+            <a:schemeClr val="accent3"/>
+          </a:effectRef>
+          <a:fontRef idx="minor">
+            <a:schemeClr val="lt1"/>
+          </a:fontRef>
+        </p:style>
+        <p:txBody>
+          <a:bodyPr rtlCol="0" anchor="ctr"/>
+          <a:lstStyle/>
+          <a:p>
+            <a:pPr algn="ctr"/>
+            <a:r>
+              <a:rPr lang="en-US" sz="1600" b="1" dirty="0" err="1" smtClean="0"/>
+              <a:t>BackDoorOperation</a:t>
+            </a:r>
+            <a:endParaRPr lang="en-SG" sz="1600" b="1" dirty="0"/>
+          </a:p>
+        </p:txBody>
+      </p:sp>
+      <p:cxnSp>
+        <p:nvCxnSpPr>
+          <p:cNvPr id="114" name="Straight Arrow Connector 113"/>
+          <p:cNvCxnSpPr/>
+          <p:nvPr/>
+        </p:nvCxnSpPr>
+        <p:spPr>
+          <a:xfrm>
+            <a:off x="323761" y="4787689"/>
+            <a:ext cx="900000" cy="0"/>
+          </a:xfrm>
+          <a:prstGeom prst="straightConnector1">
+            <a:avLst/>
+          </a:prstGeom>
+          <a:ln w="38100">
+            <a:solidFill>
+              <a:schemeClr val="tx1"/>
+            </a:solidFill>
+            <a:prstDash val="sysDash"/>
+            <a:tailEnd type="arrow"/>
+          </a:ln>
+        </p:spPr>
+        <p:style>
+          <a:lnRef idx="1">
+            <a:schemeClr val="accent1"/>
+          </a:lnRef>
+          <a:fillRef idx="0">
+            <a:schemeClr val="accent1"/>
+          </a:fillRef>
+          <a:effectRef idx="0">
+            <a:schemeClr val="accent1"/>
+          </a:effectRef>
+          <a:fontRef idx="minor">
+            <a:schemeClr val="tx1"/>
+          </a:fontRef>
+        </p:style>
+      </p:cxnSp>
+      <p:cxnSp>
+        <p:nvCxnSpPr>
+          <p:cNvPr id="115" name="Elbow Connector 114"/>
+          <p:cNvCxnSpPr>
+            <a:stCxn id="52" idx="1"/>
+            <a:endCxn id="112" idx="3"/>
+          </p:cNvCxnSpPr>
+          <p:nvPr/>
+        </p:nvCxnSpPr>
+        <p:spPr>
+          <a:xfrm rot="10800000">
+            <a:off x="3251192" y="6480589"/>
+            <a:ext cx="287008" cy="0"/>
           </a:xfrm>
           <a:prstGeom prst="bentConnector3">
             <a:avLst>
@@ -4815,8 +5387,14 @@
             </a:avLst>
           </a:prstGeom>
           <a:ln w="28575">
+            <a:solidFill>
+              <a:schemeClr val="accent3">
+                <a:lumMod val="75000"/>
+              </a:schemeClr>
+            </a:solidFill>
+            <a:prstDash val="sysDot"/>
             <a:headEnd type="none" w="med" len="med"/>
-            <a:tailEnd type="none" w="med" len="med"/>
+            <a:tailEnd type="arrow" w="med" len="med"/>
           </a:ln>
         </p:spPr>
         <p:style>
@@ -4838,232 +5416,32 @@
       </p:cxnSp>
       <p:cxnSp>
         <p:nvCxnSpPr>
-          <p:cNvPr id="56" name="Straight Arrow Connector 55"/>
+          <p:cNvPr id="116" name="Elbow Connector 115"/>
           <p:cNvCxnSpPr>
-            <a:stCxn id="63" idx="3"/>
-            <a:endCxn id="52" idx="1"/>
+            <a:stCxn id="52" idx="3"/>
+            <a:endCxn id="51" idx="1"/>
           </p:cNvCxnSpPr>
           <p:nvPr/>
         </p:nvCxnSpPr>
         <p:spPr>
           <a:xfrm>
-            <a:off x="838200" y="3771900"/>
-            <a:ext cx="678075" cy="7500"/>
-          </a:xfrm>
-          <a:prstGeom prst="straightConnector1">
-            <a:avLst/>
-          </a:prstGeom>
-          <a:ln w="38100">
+            <a:off x="5410200" y="6467889"/>
+            <a:ext cx="267832" cy="0"/>
+          </a:xfrm>
+          <a:prstGeom prst="bentConnector3">
+            <a:avLst>
+              <a:gd name="adj1" fmla="val 50000"/>
+            </a:avLst>
+          </a:prstGeom>
+          <a:ln w="28575">
             <a:solidFill>
-              <a:schemeClr val="tx1"/>
+              <a:schemeClr val="accent3">
+                <a:lumMod val="75000"/>
+              </a:schemeClr>
             </a:solidFill>
-            <a:prstDash val="sysDash"/>
-            <a:tailEnd type="arrow"/>
-          </a:ln>
-        </p:spPr>
-        <p:style>
-          <a:lnRef idx="1">
-            <a:schemeClr val="accent1"/>
-          </a:lnRef>
-          <a:fillRef idx="0">
-            <a:schemeClr val="accent1"/>
-          </a:fillRef>
-          <a:effectRef idx="0">
-            <a:schemeClr val="accent1"/>
-          </a:effectRef>
-          <a:fontRef idx="minor">
-            <a:schemeClr val="tx1"/>
-          </a:fontRef>
-        </p:style>
-      </p:cxnSp>
-      <p:sp>
-        <p:nvSpPr>
-          <p:cNvPr id="57" name="Rectangle 56"/>
-          <p:cNvSpPr/>
-          <p:nvPr/>
-        </p:nvSpPr>
-        <p:spPr>
-          <a:xfrm>
-            <a:off x="5688316" y="5105400"/>
-            <a:ext cx="1574380" cy="533400"/>
-          </a:xfrm>
-          <a:prstGeom prst="rect">
-            <a:avLst/>
-          </a:prstGeom>
-        </p:spPr>
-        <p:style>
-          <a:lnRef idx="2">
-            <a:schemeClr val="accent6">
-              <a:shade val="50000"/>
-            </a:schemeClr>
-          </a:lnRef>
-          <a:fillRef idx="1">
-            <a:schemeClr val="accent6"/>
-          </a:fillRef>
-          <a:effectRef idx="0">
-            <a:schemeClr val="accent6"/>
-          </a:effectRef>
-          <a:fontRef idx="minor">
-            <a:schemeClr val="lt1"/>
-          </a:fontRef>
-        </p:style>
-        <p:txBody>
-          <a:bodyPr rtlCol="0" anchor="ctr"/>
-          <a:lstStyle/>
-          <a:p>
-            <a:pPr algn="ctr"/>
-            <a:r>
-              <a:rPr lang="en-US" sz="1600" b="1" dirty="0" err="1" smtClean="0"/>
-              <a:t>EmailAction</a:t>
-            </a:r>
-            <a:endParaRPr lang="en-SG" sz="1600" b="1" dirty="0"/>
-          </a:p>
-        </p:txBody>
-      </p:sp>
-      <p:sp>
-        <p:nvSpPr>
-          <p:cNvPr id="58" name="Rectangle 57"/>
-          <p:cNvSpPr/>
-          <p:nvPr/>
-        </p:nvSpPr>
-        <p:spPr>
-          <a:xfrm>
-            <a:off x="5702244" y="5928600"/>
-            <a:ext cx="1685065" cy="396000"/>
-          </a:xfrm>
-          <a:prstGeom prst="rect">
-            <a:avLst/>
-          </a:prstGeom>
-        </p:spPr>
-        <p:style>
-          <a:lnRef idx="2">
-            <a:schemeClr val="accent6">
-              <a:shade val="50000"/>
-            </a:schemeClr>
-          </a:lnRef>
-          <a:fillRef idx="1">
-            <a:schemeClr val="accent6"/>
-          </a:fillRef>
-          <a:effectRef idx="0">
-            <a:schemeClr val="accent6"/>
-          </a:effectRef>
-          <a:fontRef idx="minor">
-            <a:schemeClr val="lt1"/>
-          </a:fontRef>
-        </p:style>
-        <p:txBody>
-          <a:bodyPr rtlCol="0" anchor="ctr"/>
-          <a:lstStyle/>
-          <a:p>
-            <a:pPr algn="ctr"/>
-            <a:endParaRPr lang="en-SG" sz="1600" b="1" dirty="0"/>
-          </a:p>
-        </p:txBody>
-      </p:sp>
-      <p:cxnSp>
-        <p:nvCxnSpPr>
-          <p:cNvPr id="59" name="Straight Arrow Connector 58"/>
-          <p:cNvCxnSpPr/>
-          <p:nvPr/>
-        </p:nvCxnSpPr>
-        <p:spPr>
-          <a:xfrm flipV="1">
-            <a:off x="6247707" y="4561106"/>
-            <a:ext cx="0" cy="239494"/>
-          </a:xfrm>
-          <a:prstGeom prst="straightConnector1">
-            <a:avLst/>
-          </a:prstGeom>
-          <a:ln>
             <a:prstDash val="sysDot"/>
-            <a:tailEnd type="arrow"/>
-          </a:ln>
-        </p:spPr>
-        <p:style>
-          <a:lnRef idx="2">
-            <a:schemeClr val="accent5">
-              <a:shade val="50000"/>
-            </a:schemeClr>
-          </a:lnRef>
-          <a:fillRef idx="1">
-            <a:schemeClr val="accent5"/>
-          </a:fillRef>
-          <a:effectRef idx="0">
-            <a:schemeClr val="accent5"/>
-          </a:effectRef>
-          <a:fontRef idx="minor">
-            <a:schemeClr val="lt1"/>
-          </a:fontRef>
-        </p:style>
-      </p:cxnSp>
-      <p:sp>
-        <p:nvSpPr>
-          <p:cNvPr id="60" name="Rectangle 59"/>
-          <p:cNvSpPr/>
-          <p:nvPr/>
-        </p:nvSpPr>
-        <p:spPr>
-          <a:xfrm>
-            <a:off x="5618611" y="3593907"/>
-            <a:ext cx="1688863" cy="303312"/>
-          </a:xfrm>
-          <a:prstGeom prst="rect">
-            <a:avLst/>
-          </a:prstGeom>
-          <a:solidFill>
-            <a:schemeClr val="accent4">
-              <a:lumMod val="60000"/>
-              <a:lumOff val="40000"/>
-            </a:schemeClr>
-          </a:solidFill>
-        </p:spPr>
-        <p:style>
-          <a:lnRef idx="2">
-            <a:schemeClr val="accent4">
-              <a:shade val="50000"/>
-            </a:schemeClr>
-          </a:lnRef>
-          <a:fillRef idx="1">
-            <a:schemeClr val="accent4"/>
-          </a:fillRef>
-          <a:effectRef idx="0">
-            <a:schemeClr val="accent4"/>
-          </a:effectRef>
-          <a:fontRef idx="minor">
-            <a:schemeClr val="lt1"/>
-          </a:fontRef>
-        </p:style>
-        <p:txBody>
-          <a:bodyPr rtlCol="0" anchor="ctr"/>
-          <a:lstStyle/>
-          <a:p>
-            <a:pPr algn="ctr"/>
-            <a:r>
-              <a:rPr lang="en-US" sz="1600" b="1" dirty="0" smtClean="0"/>
-              <a:t>Emails</a:t>
-            </a:r>
-            <a:endParaRPr lang="en-SG" sz="1600" b="1" dirty="0"/>
-          </a:p>
-        </p:txBody>
-      </p:sp>
-      <p:cxnSp>
-        <p:nvCxnSpPr>
-          <p:cNvPr id="61" name="Straight Arrow Connector 60"/>
-          <p:cNvCxnSpPr/>
-          <p:nvPr/>
-        </p:nvCxnSpPr>
-        <p:spPr>
-          <a:xfrm flipH="1">
-            <a:off x="4525108" y="2667000"/>
-            <a:ext cx="420167" cy="0"/>
-          </a:xfrm>
-          <a:prstGeom prst="straightConnector1">
-            <a:avLst/>
-          </a:prstGeom>
-          <a:ln>
-            <a:prstDash val="sysDot"/>
-            <a:headEnd type="arrow" w="med" len="med"/>
-            <a:tailEnd type="none" w="med" len="med"/>
+            <a:headEnd type="none" w="med" len="med"/>
+            <a:tailEnd type="arrow" w="med" len="med"/>
           </a:ln>
         </p:spPr>
         <p:style>
@@ -5085,14 +5463,272 @@
       </p:cxnSp>
       <p:sp>
         <p:nvSpPr>
-          <p:cNvPr id="62" name="TextBox 61"/>
+          <p:cNvPr id="117" name="Rectangle 116"/>
+          <p:cNvSpPr/>
+          <p:nvPr/>
+        </p:nvSpPr>
+        <p:spPr>
+          <a:xfrm>
+            <a:off x="1598728" y="4409090"/>
+            <a:ext cx="1676400" cy="396000"/>
+          </a:xfrm>
+          <a:prstGeom prst="rect">
+            <a:avLst/>
+          </a:prstGeom>
+        </p:spPr>
+        <p:style>
+          <a:lnRef idx="2">
+            <a:schemeClr val="accent2">
+              <a:shade val="50000"/>
+            </a:schemeClr>
+          </a:lnRef>
+          <a:fillRef idx="1">
+            <a:schemeClr val="accent2"/>
+          </a:fillRef>
+          <a:effectRef idx="0">
+            <a:schemeClr val="accent2"/>
+          </a:effectRef>
+          <a:fontRef idx="minor">
+            <a:schemeClr val="lt1"/>
+          </a:fontRef>
+        </p:style>
+        <p:txBody>
+          <a:bodyPr rtlCol="0" anchor="ctr"/>
+          <a:lstStyle/>
+          <a:p>
+            <a:pPr algn="ctr"/>
+            <a:r>
+              <a:rPr lang="en-US" sz="1600" b="1" dirty="0" err="1" smtClean="0"/>
+              <a:t>EmailSender</a:t>
+            </a:r>
+            <a:endParaRPr lang="en-SG" sz="1600" b="1" dirty="0"/>
+          </a:p>
+        </p:txBody>
+      </p:sp>
+      <p:sp>
+        <p:nvSpPr>
+          <p:cNvPr id="118" name="Rectangle 117"/>
+          <p:cNvSpPr/>
+          <p:nvPr/>
+        </p:nvSpPr>
+        <p:spPr>
+          <a:xfrm>
+            <a:off x="1598728" y="4998013"/>
+            <a:ext cx="1676400" cy="396000"/>
+          </a:xfrm>
+          <a:prstGeom prst="rect">
+            <a:avLst/>
+          </a:prstGeom>
+        </p:spPr>
+        <p:style>
+          <a:lnRef idx="2">
+            <a:schemeClr val="accent2">
+              <a:shade val="50000"/>
+            </a:schemeClr>
+          </a:lnRef>
+          <a:fillRef idx="1">
+            <a:schemeClr val="accent2"/>
+          </a:fillRef>
+          <a:effectRef idx="0">
+            <a:schemeClr val="accent2"/>
+          </a:effectRef>
+          <a:fontRef idx="minor">
+            <a:schemeClr val="lt1"/>
+          </a:fontRef>
+        </p:style>
+        <p:txBody>
+          <a:bodyPr rtlCol="0" anchor="ctr"/>
+          <a:lstStyle/>
+          <a:p>
+            <a:pPr algn="ctr"/>
+            <a:r>
+              <a:rPr lang="en-US" sz="1600" b="1" dirty="0" err="1" smtClean="0"/>
+              <a:t>EmailGenerator</a:t>
+            </a:r>
+            <a:endParaRPr lang="en-SG" sz="1600" b="1" dirty="0"/>
+          </a:p>
+        </p:txBody>
+      </p:sp>
+      <p:sp>
+        <p:nvSpPr>
+          <p:cNvPr id="119" name="Rectangle 118"/>
+          <p:cNvSpPr/>
+          <p:nvPr/>
+        </p:nvSpPr>
+        <p:spPr>
+          <a:xfrm>
+            <a:off x="5716800" y="4404389"/>
+            <a:ext cx="1676400" cy="396000"/>
+          </a:xfrm>
+          <a:prstGeom prst="rect">
+            <a:avLst/>
+          </a:prstGeom>
+        </p:spPr>
+        <p:style>
+          <a:lnRef idx="2">
+            <a:schemeClr val="accent2">
+              <a:shade val="50000"/>
+            </a:schemeClr>
+          </a:lnRef>
+          <a:fillRef idx="1">
+            <a:schemeClr val="accent2"/>
+          </a:fillRef>
+          <a:effectRef idx="0">
+            <a:schemeClr val="accent2"/>
+          </a:effectRef>
+          <a:fontRef idx="minor">
+            <a:schemeClr val="lt1"/>
+          </a:fontRef>
+        </p:style>
+        <p:txBody>
+          <a:bodyPr rtlCol="0" anchor="ctr"/>
+          <a:lstStyle/>
+          <a:p>
+            <a:pPr algn="ctr"/>
+            <a:r>
+              <a:rPr lang="en-US" sz="1600" b="1" dirty="0" err="1" smtClean="0"/>
+              <a:t>TaskQueuer</a:t>
+            </a:r>
+            <a:endParaRPr lang="en-SG" sz="1600" b="1" dirty="0"/>
+          </a:p>
+        </p:txBody>
+      </p:sp>
+      <p:sp>
+        <p:nvSpPr>
+          <p:cNvPr id="120" name="Rectangle 119"/>
+          <p:cNvSpPr/>
+          <p:nvPr/>
+        </p:nvSpPr>
+        <p:spPr>
+          <a:xfrm>
+            <a:off x="5716800" y="4993312"/>
+            <a:ext cx="1676400" cy="396000"/>
+          </a:xfrm>
+          <a:prstGeom prst="rect">
+            <a:avLst/>
+          </a:prstGeom>
+        </p:spPr>
+        <p:style>
+          <a:lnRef idx="2">
+            <a:schemeClr val="accent2">
+              <a:shade val="50000"/>
+            </a:schemeClr>
+          </a:lnRef>
+          <a:fillRef idx="1">
+            <a:schemeClr val="accent2"/>
+          </a:fillRef>
+          <a:effectRef idx="0">
+            <a:schemeClr val="accent2"/>
+          </a:effectRef>
+          <a:fontRef idx="minor">
+            <a:schemeClr val="lt1"/>
+          </a:fontRef>
+        </p:style>
+        <p:txBody>
+          <a:bodyPr rtlCol="0" anchor="ctr"/>
+          <a:lstStyle/>
+          <a:p>
+            <a:pPr algn="ctr"/>
+            <a:r>
+              <a:rPr lang="en-US" sz="1600" b="1" dirty="0" err="1" smtClean="0"/>
+              <a:t>GateKeeper</a:t>
+            </a:r>
+            <a:endParaRPr lang="en-SG" sz="1600" b="1" dirty="0"/>
+          </a:p>
+        </p:txBody>
+      </p:sp>
+      <p:cxnSp>
+        <p:nvCxnSpPr>
+          <p:cNvPr id="121" name="Straight Arrow Connector 120"/>
+          <p:cNvCxnSpPr/>
+          <p:nvPr/>
+        </p:nvCxnSpPr>
+        <p:spPr>
+          <a:xfrm rot="16200000" flipH="1">
+            <a:off x="4296681" y="3812329"/>
+            <a:ext cx="420167" cy="0"/>
+          </a:xfrm>
+          <a:prstGeom prst="straightConnector1">
+            <a:avLst/>
+          </a:prstGeom>
+          <a:ln>
+            <a:solidFill>
+              <a:schemeClr val="accent4">
+                <a:lumMod val="75000"/>
+              </a:schemeClr>
+            </a:solidFill>
+            <a:prstDash val="sysDot"/>
+            <a:headEnd type="arrow" w="med" len="med"/>
+            <a:tailEnd type="none" w="med" len="med"/>
+          </a:ln>
+        </p:spPr>
+        <p:style>
+          <a:lnRef idx="2">
+            <a:schemeClr val="accent2">
+              <a:shade val="50000"/>
+            </a:schemeClr>
+          </a:lnRef>
+          <a:fillRef idx="1">
+            <a:schemeClr val="accent2"/>
+          </a:fillRef>
+          <a:effectRef idx="0">
+            <a:schemeClr val="accent2"/>
+          </a:effectRef>
+          <a:fontRef idx="minor">
+            <a:schemeClr val="lt1"/>
+          </a:fontRef>
+        </p:style>
+      </p:cxnSp>
+      <p:cxnSp>
+        <p:nvCxnSpPr>
+          <p:cNvPr id="122" name="Straight Arrow Connector 121"/>
+          <p:cNvCxnSpPr>
+            <a:stCxn id="123" idx="0"/>
+            <a:endCxn id="51" idx="2"/>
+          </p:cNvCxnSpPr>
+          <p:nvPr/>
+        </p:nvCxnSpPr>
+        <p:spPr>
+          <a:xfrm flipV="1">
+            <a:off x="6614032" y="6647889"/>
+            <a:ext cx="0" cy="529516"/>
+          </a:xfrm>
+          <a:prstGeom prst="straightConnector1">
+            <a:avLst/>
+          </a:prstGeom>
+          <a:ln w="38100">
+            <a:solidFill>
+              <a:schemeClr val="tx1"/>
+            </a:solidFill>
+            <a:prstDash val="sysDash"/>
+            <a:tailEnd type="arrow"/>
+          </a:ln>
+        </p:spPr>
+        <p:style>
+          <a:lnRef idx="1">
+            <a:schemeClr val="accent1"/>
+          </a:lnRef>
+          <a:fillRef idx="0">
+            <a:schemeClr val="accent1"/>
+          </a:fillRef>
+          <a:effectRef idx="0">
+            <a:schemeClr val="accent1"/>
+          </a:effectRef>
+          <a:fontRef idx="minor">
+            <a:schemeClr val="tx1"/>
+          </a:fontRef>
+        </p:style>
+      </p:cxnSp>
+      <p:sp>
+        <p:nvSpPr>
+          <p:cNvPr id="123" name="TextBox 122"/>
           <p:cNvSpPr txBox="1"/>
           <p:nvPr/>
         </p:nvSpPr>
         <p:spPr>
           <a:xfrm>
-            <a:off x="144675" y="2514600"/>
-            <a:ext cx="609600" cy="426720"/>
+            <a:off x="5500224" y="7177405"/>
+            <a:ext cx="2227616" cy="426720"/>
           </a:xfrm>
           <a:prstGeom prst="rect">
             <a:avLst/>
@@ -5191,14 +5827,14 @@
           <a:p>
             <a:pPr algn="r"/>
             <a:r>
-              <a:rPr lang="en-US" dirty="0">
+              <a:rPr lang="en-US" sz="1600" dirty="0">
                 <a:solidFill>
                   <a:schemeClr val="tx1"/>
                 </a:solidFill>
               </a:rPr>
-              <a:t>UI</a:t>
-            </a:r>
-            <a:endParaRPr lang="en-SG" dirty="0">
+              <a:t>Test driver, Client scripts</a:t>
+            </a:r>
+            <a:endParaRPr lang="en-SG" sz="1600" dirty="0">
               <a:solidFill>
                 <a:schemeClr val="tx1"/>
               </a:solidFill>
@@ -5208,14 +5844,14 @@
       </p:sp>
       <p:sp>
         <p:nvSpPr>
-          <p:cNvPr id="63" name="TextBox 62"/>
+          <p:cNvPr id="127" name="TextBox 126"/>
           <p:cNvSpPr txBox="1"/>
           <p:nvPr/>
         </p:nvSpPr>
         <p:spPr>
           <a:xfrm>
-            <a:off x="188090" y="3505200"/>
-            <a:ext cx="650110" cy="533400"/>
+            <a:off x="2590800" y="7176404"/>
+            <a:ext cx="1600200" cy="426720"/>
           </a:xfrm>
           <a:prstGeom prst="rect">
             <a:avLst/>
@@ -5242,7 +5878,7 @@
           </a:fontRef>
         </p:style>
         <p:txBody>
-          <a:bodyPr rtlCol="0" anchor="t" anchorCtr="0"/>
+          <a:bodyPr rtlCol="0" anchor="ctr" anchorCtr="0"/>
           <a:lstStyle>
             <a:defPPr>
               <a:defRPr lang="en-US"/>
@@ -5312,16 +5948,16 @@
             </a:lvl9pPr>
           </a:lstStyle>
           <a:p>
-            <a:pPr algn="r"/>
-            <a:r>
-              <a:rPr lang="en-US" dirty="0" smtClean="0">
+            <a:pPr algn="ctr"/>
+            <a:r>
+              <a:rPr lang="en-US" sz="1600" dirty="0" smtClean="0">
                 <a:solidFill>
                   <a:schemeClr val="tx1"/>
                 </a:solidFill>
               </a:rPr>
               <a:t>Test driver</a:t>
             </a:r>
-            <a:endParaRPr lang="en-SG" dirty="0">
+            <a:endParaRPr lang="en-SG" sz="1600" dirty="0">
               <a:solidFill>
                 <a:schemeClr val="tx1"/>
               </a:solidFill>
@@ -5329,23 +5965,528 @@
           </a:p>
         </p:txBody>
       </p:sp>
+      <p:sp>
+        <p:nvSpPr>
+          <p:cNvPr id="146" name="Rectangle 145"/>
+          <p:cNvSpPr/>
+          <p:nvPr/>
+        </p:nvSpPr>
+        <p:spPr>
+          <a:xfrm>
+            <a:off x="1580647" y="1378954"/>
+            <a:ext cx="2304000" cy="274384"/>
+          </a:xfrm>
+          <a:prstGeom prst="rect">
+            <a:avLst/>
+          </a:prstGeom>
+        </p:spPr>
+        <p:style>
+          <a:lnRef idx="2">
+            <a:schemeClr val="accent1">
+              <a:shade val="50000"/>
+            </a:schemeClr>
+          </a:lnRef>
+          <a:fillRef idx="1">
+            <a:schemeClr val="accent1"/>
+          </a:fillRef>
+          <a:effectRef idx="0">
+            <a:schemeClr val="accent1"/>
+          </a:effectRef>
+          <a:fontRef idx="minor">
+            <a:schemeClr val="lt1"/>
+          </a:fontRef>
+        </p:style>
+        <p:txBody>
+          <a:bodyPr rtlCol="0" anchor="ctr"/>
+          <a:lstStyle/>
+          <a:p>
+            <a:pPr algn="ctr"/>
+            <a:r>
+              <a:rPr lang="en-US" sz="1600" b="1" dirty="0" err="1" smtClean="0"/>
+              <a:t>JavamailService</a:t>
+            </a:r>
+            <a:endParaRPr lang="en-SG" sz="1600" b="1" dirty="0"/>
+          </a:p>
+        </p:txBody>
+      </p:sp>
+      <p:sp>
+        <p:nvSpPr>
+          <p:cNvPr id="147" name="Rectangle 146"/>
+          <p:cNvSpPr/>
+          <p:nvPr/>
+        </p:nvSpPr>
+        <p:spPr>
+          <a:xfrm>
+            <a:off x="1580647" y="1769675"/>
+            <a:ext cx="2304000" cy="274384"/>
+          </a:xfrm>
+          <a:prstGeom prst="rect">
+            <a:avLst/>
+          </a:prstGeom>
+        </p:spPr>
+        <p:style>
+          <a:lnRef idx="2">
+            <a:schemeClr val="accent1">
+              <a:shade val="50000"/>
+            </a:schemeClr>
+          </a:lnRef>
+          <a:fillRef idx="1">
+            <a:schemeClr val="accent1"/>
+          </a:fillRef>
+          <a:effectRef idx="0">
+            <a:schemeClr val="accent1"/>
+          </a:effectRef>
+          <a:fontRef idx="minor">
+            <a:schemeClr val="lt1"/>
+          </a:fontRef>
+        </p:style>
+        <p:txBody>
+          <a:bodyPr rtlCol="0" anchor="ctr"/>
+          <a:lstStyle/>
+          <a:p>
+            <a:pPr algn="ctr"/>
+            <a:r>
+              <a:rPr lang="en-US" sz="1600" b="1" dirty="0" err="1" smtClean="0"/>
+              <a:t>SendgridService</a:t>
+            </a:r>
+            <a:endParaRPr lang="en-SG" sz="1600" b="1" dirty="0"/>
+          </a:p>
+        </p:txBody>
+      </p:sp>
+      <p:sp>
+        <p:nvSpPr>
+          <p:cNvPr id="148" name="Rectangle 147"/>
+          <p:cNvSpPr/>
+          <p:nvPr/>
+        </p:nvSpPr>
+        <p:spPr>
+          <a:xfrm>
+            <a:off x="1580647" y="2147829"/>
+            <a:ext cx="2304000" cy="274384"/>
+          </a:xfrm>
+          <a:prstGeom prst="rect">
+            <a:avLst/>
+          </a:prstGeom>
+        </p:spPr>
+        <p:style>
+          <a:lnRef idx="2">
+            <a:schemeClr val="accent1">
+              <a:shade val="50000"/>
+            </a:schemeClr>
+          </a:lnRef>
+          <a:fillRef idx="1">
+            <a:schemeClr val="accent1"/>
+          </a:fillRef>
+          <a:effectRef idx="0">
+            <a:schemeClr val="accent1"/>
+          </a:effectRef>
+          <a:fontRef idx="minor">
+            <a:schemeClr val="lt1"/>
+          </a:fontRef>
+        </p:style>
+        <p:txBody>
+          <a:bodyPr rtlCol="0" anchor="ctr"/>
+          <a:lstStyle/>
+          <a:p>
+            <a:pPr algn="ctr"/>
+            <a:r>
+              <a:rPr lang="en-US" sz="1600" b="1" dirty="0" smtClean="0"/>
+              <a:t>*Service</a:t>
+            </a:r>
+            <a:endParaRPr lang="en-SG" sz="1600" b="1" dirty="0"/>
+          </a:p>
+        </p:txBody>
+      </p:sp>
+      <p:sp>
+        <p:nvSpPr>
+          <p:cNvPr id="149" name="Rectangle 148"/>
+          <p:cNvSpPr/>
+          <p:nvPr/>
+        </p:nvSpPr>
+        <p:spPr>
+          <a:xfrm>
+            <a:off x="1580647" y="3016573"/>
+            <a:ext cx="2304000" cy="274320"/>
+          </a:xfrm>
+          <a:prstGeom prst="rect">
+            <a:avLst/>
+          </a:prstGeom>
+        </p:spPr>
+        <p:style>
+          <a:lnRef idx="2">
+            <a:schemeClr val="accent4">
+              <a:shade val="50000"/>
+            </a:schemeClr>
+          </a:lnRef>
+          <a:fillRef idx="1">
+            <a:schemeClr val="accent4"/>
+          </a:fillRef>
+          <a:effectRef idx="0">
+            <a:schemeClr val="accent4"/>
+          </a:effectRef>
+          <a:fontRef idx="minor">
+            <a:schemeClr val="lt1"/>
+          </a:fontRef>
+        </p:style>
+        <p:txBody>
+          <a:bodyPr rtlCol="0" anchor="ctr"/>
+          <a:lstStyle/>
+          <a:p>
+            <a:pPr algn="ctr"/>
+            <a:r>
+              <a:rPr lang="en-US" sz="1600" b="1" dirty="0" err="1" smtClean="0"/>
+              <a:t>TaskQueuesLogic</a:t>
+            </a:r>
+            <a:endParaRPr lang="en-SG" sz="1600" b="1" dirty="0"/>
+          </a:p>
+        </p:txBody>
+      </p:sp>
       <p:cxnSp>
         <p:nvCxnSpPr>
-          <p:cNvPr id="64" name="Straight Arrow Connector 63"/>
-          <p:cNvCxnSpPr/>
+          <p:cNvPr id="150" name="Straight Arrow Connector 149"/>
+          <p:cNvCxnSpPr>
+            <a:stCxn id="149" idx="1"/>
+          </p:cNvCxnSpPr>
           <p:nvPr/>
         </p:nvCxnSpPr>
         <p:spPr>
-          <a:xfrm>
-            <a:off x="4217475" y="4419600"/>
-            <a:ext cx="3852000" cy="0"/>
+          <a:xfrm flipH="1">
+            <a:off x="858259" y="3153733"/>
+            <a:ext cx="722388" cy="0"/>
           </a:xfrm>
           <a:prstGeom prst="straightConnector1">
             <a:avLst/>
           </a:prstGeom>
           <a:ln w="38100">
             <a:solidFill>
-              <a:schemeClr val="tx1"/>
+              <a:schemeClr val="accent4">
+                <a:lumMod val="75000"/>
+              </a:schemeClr>
+            </a:solidFill>
+            <a:prstDash val="sysDash"/>
+            <a:tailEnd type="arrow"/>
+          </a:ln>
+        </p:spPr>
+        <p:style>
+          <a:lnRef idx="1">
+            <a:schemeClr val="accent1"/>
+          </a:lnRef>
+          <a:fillRef idx="0">
+            <a:schemeClr val="accent1"/>
+          </a:fillRef>
+          <a:effectRef idx="0">
+            <a:schemeClr val="accent1"/>
+          </a:effectRef>
+          <a:fontRef idx="minor">
+            <a:schemeClr val="tx1"/>
+          </a:fontRef>
+        </p:style>
+      </p:cxnSp>
+      <p:sp>
+        <p:nvSpPr>
+          <p:cNvPr id="156" name="TextBox 155"/>
+          <p:cNvSpPr txBox="1"/>
+          <p:nvPr/>
+        </p:nvSpPr>
+        <p:spPr>
+          <a:xfrm>
+            <a:off x="228600" y="2986093"/>
+            <a:ext cx="781800" cy="426720"/>
+          </a:xfrm>
+          <a:prstGeom prst="rect">
+            <a:avLst/>
+          </a:prstGeom>
+          <a:grpFill/>
+          <a:ln>
+            <a:noFill/>
+          </a:ln>
+        </p:spPr>
+        <p:style>
+          <a:lnRef idx="2">
+            <a:schemeClr val="accent1">
+              <a:shade val="50000"/>
+            </a:schemeClr>
+          </a:lnRef>
+          <a:fillRef idx="1">
+            <a:schemeClr val="accent1"/>
+          </a:fillRef>
+          <a:effectRef idx="0">
+            <a:schemeClr val="accent1"/>
+          </a:effectRef>
+          <a:fontRef idx="minor">
+            <a:schemeClr val="lt1"/>
+          </a:fontRef>
+        </p:style>
+        <p:txBody>
+          <a:bodyPr rtlCol="0" anchor="ctr" anchorCtr="0"/>
+          <a:lstStyle>
+            <a:defPPr>
+              <a:defRPr lang="en-US"/>
+            </a:defPPr>
+            <a:lvl1pPr>
+              <a:defRPr sz="1400" b="1">
+                <a:solidFill>
+                  <a:srgbClr val="7030A0"/>
+                </a:solidFill>
+              </a:defRPr>
+            </a:lvl1pPr>
+            <a:lvl2pPr>
+              <a:defRPr>
+                <a:solidFill>
+                  <a:schemeClr val="lt1"/>
+                </a:solidFill>
+              </a:defRPr>
+            </a:lvl2pPr>
+            <a:lvl3pPr>
+              <a:defRPr>
+                <a:solidFill>
+                  <a:schemeClr val="lt1"/>
+                </a:solidFill>
+              </a:defRPr>
+            </a:lvl3pPr>
+            <a:lvl4pPr>
+              <a:defRPr>
+                <a:solidFill>
+                  <a:schemeClr val="lt1"/>
+                </a:solidFill>
+              </a:defRPr>
+            </a:lvl4pPr>
+            <a:lvl5pPr>
+              <a:defRPr>
+                <a:solidFill>
+                  <a:schemeClr val="lt1"/>
+                </a:solidFill>
+              </a:defRPr>
+            </a:lvl5pPr>
+            <a:lvl6pPr>
+              <a:defRPr>
+                <a:solidFill>
+                  <a:schemeClr val="lt1"/>
+                </a:solidFill>
+              </a:defRPr>
+            </a:lvl6pPr>
+            <a:lvl7pPr>
+              <a:defRPr>
+                <a:solidFill>
+                  <a:schemeClr val="lt1"/>
+                </a:solidFill>
+              </a:defRPr>
+            </a:lvl7pPr>
+            <a:lvl8pPr>
+              <a:defRPr>
+                <a:solidFill>
+                  <a:schemeClr val="lt1"/>
+                </a:solidFill>
+              </a:defRPr>
+            </a:lvl8pPr>
+            <a:lvl9pPr>
+              <a:defRPr>
+                <a:solidFill>
+                  <a:schemeClr val="lt1"/>
+                </a:solidFill>
+              </a:defRPr>
+            </a:lvl9pPr>
+          </a:lstStyle>
+          <a:p>
+            <a:r>
+              <a:rPr lang="en-US" sz="1600" dirty="0" smtClean="0">
+                <a:solidFill>
+                  <a:schemeClr val="tx1"/>
+                </a:solidFill>
+              </a:rPr>
+              <a:t>GAE</a:t>
+            </a:r>
+          </a:p>
+          <a:p>
+            <a:r>
+              <a:rPr lang="en-US" sz="1600" dirty="0" smtClean="0">
+                <a:solidFill>
+                  <a:schemeClr val="tx1"/>
+                </a:solidFill>
+              </a:rPr>
+              <a:t>Task</a:t>
+            </a:r>
+          </a:p>
+          <a:p>
+            <a:r>
+              <a:rPr lang="en-US" sz="1600" dirty="0" smtClean="0">
+                <a:solidFill>
+                  <a:schemeClr val="tx1"/>
+                </a:solidFill>
+              </a:rPr>
+              <a:t>Queue</a:t>
+            </a:r>
+          </a:p>
+          <a:p>
+            <a:r>
+              <a:rPr lang="en-US" sz="1600" dirty="0" smtClean="0">
+                <a:solidFill>
+                  <a:schemeClr val="tx1"/>
+                </a:solidFill>
+              </a:rPr>
+              <a:t>API</a:t>
+            </a:r>
+            <a:endParaRPr lang="en-SG" sz="1600" dirty="0">
+              <a:solidFill>
+                <a:schemeClr val="tx1"/>
+              </a:solidFill>
+            </a:endParaRPr>
+          </a:p>
+        </p:txBody>
+      </p:sp>
+      <p:sp>
+        <p:nvSpPr>
+          <p:cNvPr id="157" name="TextBox 156"/>
+          <p:cNvSpPr txBox="1"/>
+          <p:nvPr/>
+        </p:nvSpPr>
+        <p:spPr>
+          <a:xfrm>
+            <a:off x="208800" y="1660525"/>
+            <a:ext cx="781800" cy="426720"/>
+          </a:xfrm>
+          <a:prstGeom prst="rect">
+            <a:avLst/>
+          </a:prstGeom>
+          <a:grpFill/>
+          <a:ln>
+            <a:noFill/>
+          </a:ln>
+        </p:spPr>
+        <p:style>
+          <a:lnRef idx="2">
+            <a:schemeClr val="accent1">
+              <a:shade val="50000"/>
+            </a:schemeClr>
+          </a:lnRef>
+          <a:fillRef idx="1">
+            <a:schemeClr val="accent1"/>
+          </a:fillRef>
+          <a:effectRef idx="0">
+            <a:schemeClr val="accent1"/>
+          </a:effectRef>
+          <a:fontRef idx="minor">
+            <a:schemeClr val="lt1"/>
+          </a:fontRef>
+        </p:style>
+        <p:txBody>
+          <a:bodyPr rtlCol="0" anchor="ctr" anchorCtr="0"/>
+          <a:lstStyle>
+            <a:defPPr>
+              <a:defRPr lang="en-US"/>
+            </a:defPPr>
+            <a:lvl1pPr>
+              <a:defRPr sz="1400" b="1">
+                <a:solidFill>
+                  <a:srgbClr val="7030A0"/>
+                </a:solidFill>
+              </a:defRPr>
+            </a:lvl1pPr>
+            <a:lvl2pPr>
+              <a:defRPr>
+                <a:solidFill>
+                  <a:schemeClr val="lt1"/>
+                </a:solidFill>
+              </a:defRPr>
+            </a:lvl2pPr>
+            <a:lvl3pPr>
+              <a:defRPr>
+                <a:solidFill>
+                  <a:schemeClr val="lt1"/>
+                </a:solidFill>
+              </a:defRPr>
+            </a:lvl3pPr>
+            <a:lvl4pPr>
+              <a:defRPr>
+                <a:solidFill>
+                  <a:schemeClr val="lt1"/>
+                </a:solidFill>
+              </a:defRPr>
+            </a:lvl4pPr>
+            <a:lvl5pPr>
+              <a:defRPr>
+                <a:solidFill>
+                  <a:schemeClr val="lt1"/>
+                </a:solidFill>
+              </a:defRPr>
+            </a:lvl5pPr>
+            <a:lvl6pPr>
+              <a:defRPr>
+                <a:solidFill>
+                  <a:schemeClr val="lt1"/>
+                </a:solidFill>
+              </a:defRPr>
+            </a:lvl6pPr>
+            <a:lvl7pPr>
+              <a:defRPr>
+                <a:solidFill>
+                  <a:schemeClr val="lt1"/>
+                </a:solidFill>
+              </a:defRPr>
+            </a:lvl7pPr>
+            <a:lvl8pPr>
+              <a:defRPr>
+                <a:solidFill>
+                  <a:schemeClr val="lt1"/>
+                </a:solidFill>
+              </a:defRPr>
+            </a:lvl8pPr>
+            <a:lvl9pPr>
+              <a:defRPr>
+                <a:solidFill>
+                  <a:schemeClr val="lt1"/>
+                </a:solidFill>
+              </a:defRPr>
+            </a:lvl9pPr>
+          </a:lstStyle>
+          <a:p>
+            <a:r>
+              <a:rPr lang="en-US" sz="1600" dirty="0" smtClean="0">
+                <a:solidFill>
+                  <a:schemeClr val="tx1"/>
+                </a:solidFill>
+              </a:rPr>
+              <a:t>Third-party Email</a:t>
+            </a:r>
+          </a:p>
+          <a:p>
+            <a:r>
+              <a:rPr lang="en-US" sz="1600" dirty="0" smtClean="0">
+                <a:solidFill>
+                  <a:schemeClr val="tx1"/>
+                </a:solidFill>
+              </a:rPr>
+              <a:t>APIs</a:t>
+            </a:r>
+            <a:endParaRPr lang="en-SG" sz="1600" dirty="0">
+              <a:solidFill>
+                <a:schemeClr val="tx1"/>
+              </a:solidFill>
+            </a:endParaRPr>
+          </a:p>
+        </p:txBody>
+      </p:sp>
+      <p:cxnSp>
+        <p:nvCxnSpPr>
+          <p:cNvPr id="158" name="Straight Arrow Connector 157"/>
+          <p:cNvCxnSpPr>
+            <a:stCxn id="146" idx="1"/>
+          </p:cNvCxnSpPr>
+          <p:nvPr/>
+        </p:nvCxnSpPr>
+        <p:spPr>
+          <a:xfrm flipH="1">
+            <a:off x="840190" y="1516146"/>
+            <a:ext cx="740457" cy="0"/>
+          </a:xfrm>
+          <a:prstGeom prst="straightConnector1">
+            <a:avLst/>
+          </a:prstGeom>
+          <a:ln w="38100">
+            <a:solidFill>
+              <a:schemeClr val="accent1">
+                <a:lumMod val="75000"/>
+              </a:schemeClr>
             </a:solidFill>
             <a:prstDash val="sysDash"/>
             <a:tailEnd type="arrow"/>
@@ -5368,329 +6509,25 @@
       </p:cxnSp>
       <p:cxnSp>
         <p:nvCxnSpPr>
-          <p:cNvPr id="65" name="Straight Arrow Connector 64"/>
-          <p:cNvCxnSpPr/>
+          <p:cNvPr id="159" name="Straight Arrow Connector 158"/>
+          <p:cNvCxnSpPr>
+            <a:stCxn id="147" idx="1"/>
+          </p:cNvCxnSpPr>
           <p:nvPr/>
         </p:nvCxnSpPr>
         <p:spPr>
-          <a:xfrm flipV="1">
-            <a:off x="4267105" y="6521244"/>
-            <a:ext cx="0" cy="381000"/>
+          <a:xfrm flipH="1">
+            <a:off x="838200" y="1906867"/>
+            <a:ext cx="742447" cy="0"/>
           </a:xfrm>
           <a:prstGeom prst="straightConnector1">
             <a:avLst/>
           </a:prstGeom>
           <a:ln w="38100">
             <a:solidFill>
-              <a:schemeClr val="tx1"/>
-            </a:solidFill>
-            <a:prstDash val="sysDash"/>
-            <a:tailEnd type="arrow"/>
-          </a:ln>
-        </p:spPr>
-        <p:style>
-          <a:lnRef idx="1">
-            <a:schemeClr val="accent1"/>
-          </a:lnRef>
-          <a:fillRef idx="0">
-            <a:schemeClr val="accent1"/>
-          </a:fillRef>
-          <a:effectRef idx="0">
-            <a:schemeClr val="accent1"/>
-          </a:effectRef>
-          <a:fontRef idx="minor">
-            <a:schemeClr val="tx1"/>
-          </a:fontRef>
-        </p:style>
-      </p:cxnSp>
-      <p:sp>
-        <p:nvSpPr>
-          <p:cNvPr id="66" name="TextBox 65"/>
-          <p:cNvSpPr txBox="1"/>
-          <p:nvPr/>
-        </p:nvSpPr>
-        <p:spPr>
-          <a:xfrm>
-            <a:off x="3369797" y="6823067"/>
-            <a:ext cx="1816337" cy="307777"/>
-          </a:xfrm>
-          <a:prstGeom prst="rect">
-            <a:avLst/>
-          </a:prstGeom>
-          <a:grpFill/>
-          <a:ln>
-            <a:noFill/>
-          </a:ln>
-        </p:spPr>
-        <p:style>
-          <a:lnRef idx="2">
-            <a:schemeClr val="accent1">
-              <a:shade val="50000"/>
-            </a:schemeClr>
-          </a:lnRef>
-          <a:fillRef idx="1">
-            <a:schemeClr val="accent1"/>
-          </a:fillRef>
-          <a:effectRef idx="0">
-            <a:schemeClr val="accent1"/>
-          </a:effectRef>
-          <a:fontRef idx="minor">
-            <a:schemeClr val="lt1"/>
-          </a:fontRef>
-        </p:style>
-        <p:txBody>
-          <a:bodyPr rtlCol="0" anchor="t" anchorCtr="0"/>
-          <a:lstStyle>
-            <a:defPPr>
-              <a:defRPr lang="en-US"/>
-            </a:defPPr>
-            <a:lvl1pPr>
-              <a:defRPr sz="1400" b="1">
-                <a:solidFill>
-                  <a:srgbClr val="7030A0"/>
-                </a:solidFill>
-              </a:defRPr>
-            </a:lvl1pPr>
-            <a:lvl2pPr>
-              <a:defRPr>
-                <a:solidFill>
-                  <a:schemeClr val="lt1"/>
-                </a:solidFill>
-              </a:defRPr>
-            </a:lvl2pPr>
-            <a:lvl3pPr>
-              <a:defRPr>
-                <a:solidFill>
-                  <a:schemeClr val="lt1"/>
-                </a:solidFill>
-              </a:defRPr>
-            </a:lvl3pPr>
-            <a:lvl4pPr>
-              <a:defRPr>
-                <a:solidFill>
-                  <a:schemeClr val="lt1"/>
-                </a:solidFill>
-              </a:defRPr>
-            </a:lvl4pPr>
-            <a:lvl5pPr>
-              <a:defRPr>
-                <a:solidFill>
-                  <a:schemeClr val="lt1"/>
-                </a:solidFill>
-              </a:defRPr>
-            </a:lvl5pPr>
-            <a:lvl6pPr>
-              <a:defRPr>
-                <a:solidFill>
-                  <a:schemeClr val="lt1"/>
-                </a:solidFill>
-              </a:defRPr>
-            </a:lvl6pPr>
-            <a:lvl7pPr>
-              <a:defRPr>
-                <a:solidFill>
-                  <a:schemeClr val="lt1"/>
-                </a:solidFill>
-              </a:defRPr>
-            </a:lvl7pPr>
-            <a:lvl8pPr>
-              <a:defRPr>
-                <a:solidFill>
-                  <a:schemeClr val="lt1"/>
-                </a:solidFill>
-              </a:defRPr>
-            </a:lvl8pPr>
-            <a:lvl9pPr>
-              <a:defRPr>
-                <a:solidFill>
-                  <a:schemeClr val="lt1"/>
-                </a:solidFill>
-              </a:defRPr>
-            </a:lvl9pPr>
-          </a:lstStyle>
-          <a:p>
-            <a:pPr algn="r"/>
-            <a:r>
-              <a:rPr lang="en-US" dirty="0" smtClean="0">
-                <a:solidFill>
-                  <a:schemeClr val="tx1"/>
-                </a:solidFill>
-              </a:rPr>
-              <a:t>App engine </a:t>
-            </a:r>
-            <a:r>
-              <a:rPr lang="en-US" dirty="0" err="1" smtClean="0">
-                <a:solidFill>
-                  <a:schemeClr val="tx1"/>
-                </a:solidFill>
-              </a:rPr>
-              <a:t>cron</a:t>
-            </a:r>
-            <a:r>
-              <a:rPr lang="en-US" dirty="0" smtClean="0">
-                <a:solidFill>
-                  <a:schemeClr val="tx1"/>
-                </a:solidFill>
-              </a:rPr>
-              <a:t> jobs</a:t>
-            </a:r>
-            <a:endParaRPr lang="en-SG" dirty="0">
-              <a:solidFill>
-                <a:schemeClr val="tx1"/>
-              </a:solidFill>
-            </a:endParaRPr>
-          </a:p>
-        </p:txBody>
-      </p:sp>
-      <p:sp>
-        <p:nvSpPr>
-          <p:cNvPr id="68" name="Rectangle 67"/>
-          <p:cNvSpPr/>
-          <p:nvPr/>
-        </p:nvSpPr>
-        <p:spPr>
-          <a:xfrm>
-            <a:off x="5097675" y="942972"/>
-            <a:ext cx="2304000" cy="274320"/>
-          </a:xfrm>
-          <a:prstGeom prst="rect">
-            <a:avLst/>
-          </a:prstGeom>
-        </p:spPr>
-        <p:style>
-          <a:lnRef idx="2">
-            <a:schemeClr val="accent4">
-              <a:shade val="50000"/>
-            </a:schemeClr>
-          </a:lnRef>
-          <a:fillRef idx="1">
-            <a:schemeClr val="accent4"/>
-          </a:fillRef>
-          <a:effectRef idx="0">
-            <a:schemeClr val="accent4"/>
-          </a:effectRef>
-          <a:fontRef idx="minor">
-            <a:schemeClr val="lt1"/>
-          </a:fontRef>
-        </p:style>
-        <p:txBody>
-          <a:bodyPr rtlCol="0" anchor="ctr"/>
-          <a:lstStyle/>
-          <a:p>
-            <a:pPr algn="ctr"/>
-            <a:r>
-              <a:rPr lang="en-US" sz="1600" b="1" dirty="0" err="1" smtClean="0"/>
-              <a:t>InstructorsLogic</a:t>
-            </a:r>
-            <a:endParaRPr lang="en-SG" sz="1600" b="1" dirty="0"/>
-          </a:p>
-        </p:txBody>
-      </p:sp>
-      <p:sp>
-        <p:nvSpPr>
-          <p:cNvPr id="69" name="Rectangle 68"/>
-          <p:cNvSpPr/>
-          <p:nvPr/>
-        </p:nvSpPr>
-        <p:spPr>
-          <a:xfrm>
-            <a:off x="5097675" y="1288938"/>
-            <a:ext cx="2304000" cy="274320"/>
-          </a:xfrm>
-          <a:prstGeom prst="rect">
-            <a:avLst/>
-          </a:prstGeom>
-        </p:spPr>
-        <p:style>
-          <a:lnRef idx="2">
-            <a:schemeClr val="accent4">
-              <a:shade val="50000"/>
-            </a:schemeClr>
-          </a:lnRef>
-          <a:fillRef idx="1">
-            <a:schemeClr val="accent4"/>
-          </a:fillRef>
-          <a:effectRef idx="0">
-            <a:schemeClr val="accent4"/>
-          </a:effectRef>
-          <a:fontRef idx="minor">
-            <a:schemeClr val="lt1"/>
-          </a:fontRef>
-        </p:style>
-        <p:txBody>
-          <a:bodyPr rtlCol="0" anchor="ctr"/>
-          <a:lstStyle/>
-          <a:p>
-            <a:pPr algn="ctr"/>
-            <a:r>
-              <a:rPr lang="en-US" sz="1600" b="1" dirty="0" err="1" smtClean="0"/>
-              <a:t>StudentsLogic</a:t>
-            </a:r>
-            <a:endParaRPr lang="en-SG" sz="1600" b="1" dirty="0"/>
-          </a:p>
-        </p:txBody>
-      </p:sp>
-      <p:sp>
-        <p:nvSpPr>
-          <p:cNvPr id="70" name="Rectangle 69"/>
-          <p:cNvSpPr/>
-          <p:nvPr/>
-        </p:nvSpPr>
-        <p:spPr>
-          <a:xfrm>
-            <a:off x="5097675" y="1981200"/>
-            <a:ext cx="2304000" cy="274320"/>
-          </a:xfrm>
-          <a:prstGeom prst="rect">
-            <a:avLst/>
-          </a:prstGeom>
-        </p:spPr>
-        <p:style>
-          <a:lnRef idx="2">
-            <a:schemeClr val="accent4">
-              <a:shade val="50000"/>
-            </a:schemeClr>
-          </a:lnRef>
-          <a:fillRef idx="1">
-            <a:schemeClr val="accent4"/>
-          </a:fillRef>
-          <a:effectRef idx="0">
-            <a:schemeClr val="accent4"/>
-          </a:effectRef>
-          <a:fontRef idx="minor">
-            <a:schemeClr val="lt1"/>
-          </a:fontRef>
-        </p:style>
-        <p:txBody>
-          <a:bodyPr rtlCol="0" anchor="ctr"/>
-          <a:lstStyle/>
-          <a:p>
-            <a:pPr algn="ctr"/>
-            <a:r>
-              <a:rPr lang="en-US" sz="1600" b="1" dirty="0" err="1" smtClean="0"/>
-              <a:t>FeedbackSessionsLogic</a:t>
-            </a:r>
-            <a:endParaRPr lang="en-SG" sz="1600" b="1" dirty="0"/>
-          </a:p>
-        </p:txBody>
-      </p:sp>
-      <p:cxnSp>
-        <p:nvCxnSpPr>
-          <p:cNvPr id="71" name="Straight Arrow Connector 70"/>
-          <p:cNvCxnSpPr/>
-          <p:nvPr/>
-        </p:nvCxnSpPr>
-        <p:spPr>
-          <a:xfrm>
-            <a:off x="7383675" y="1412768"/>
-            <a:ext cx="684000" cy="0"/>
-          </a:xfrm>
-          <a:prstGeom prst="straightConnector1">
-            <a:avLst/>
-          </a:prstGeom>
-          <a:ln w="38100">
-            <a:solidFill>
-              <a:schemeClr val="tx1"/>
+              <a:schemeClr val="accent1">
+                <a:lumMod val="75000"/>
+              </a:schemeClr>
             </a:solidFill>
             <a:prstDash val="sysDash"/>
             <a:tailEnd type="arrow"/>
@@ -5713,197 +6550,25 @@
       </p:cxnSp>
       <p:cxnSp>
         <p:nvCxnSpPr>
-          <p:cNvPr id="72" name="Straight Arrow Connector 71"/>
-          <p:cNvCxnSpPr/>
+          <p:cNvPr id="160" name="Straight Arrow Connector 159"/>
+          <p:cNvCxnSpPr>
+            <a:stCxn id="148" idx="1"/>
+          </p:cNvCxnSpPr>
           <p:nvPr/>
         </p:nvCxnSpPr>
         <p:spPr>
-          <a:xfrm>
-            <a:off x="7393200" y="1046413"/>
-            <a:ext cx="684000" cy="0"/>
+          <a:xfrm flipH="1">
+            <a:off x="838200" y="2285021"/>
+            <a:ext cx="742447" cy="0"/>
           </a:xfrm>
           <a:prstGeom prst="straightConnector1">
             <a:avLst/>
           </a:prstGeom>
           <a:ln w="38100">
             <a:solidFill>
-              <a:schemeClr val="tx1"/>
-            </a:solidFill>
-            <a:prstDash val="sysDash"/>
-            <a:tailEnd type="arrow"/>
-          </a:ln>
-        </p:spPr>
-        <p:style>
-          <a:lnRef idx="1">
-            <a:schemeClr val="accent1"/>
-          </a:lnRef>
-          <a:fillRef idx="0">
-            <a:schemeClr val="accent1"/>
-          </a:fillRef>
-          <a:effectRef idx="0">
-            <a:schemeClr val="accent1"/>
-          </a:effectRef>
-          <a:fontRef idx="minor">
-            <a:schemeClr val="tx1"/>
-          </a:fontRef>
-        </p:style>
-      </p:cxnSp>
-      <p:sp>
-        <p:nvSpPr>
-          <p:cNvPr id="73" name="Rounded Rectangle 72"/>
-          <p:cNvSpPr/>
-          <p:nvPr/>
-        </p:nvSpPr>
-        <p:spPr>
-          <a:xfrm>
-            <a:off x="4970294" y="4267200"/>
-            <a:ext cx="2576734" cy="233974"/>
-          </a:xfrm>
-          <a:prstGeom prst="roundRect">
-            <a:avLst/>
-          </a:prstGeom>
-          <a:solidFill>
-            <a:schemeClr val="bg1">
-              <a:alpha val="81000"/>
-            </a:schemeClr>
-          </a:solidFill>
-          <a:ln>
-            <a:noFill/>
-          </a:ln>
-          <a:effectLst>
-            <a:softEdge rad="31750"/>
-          </a:effectLst>
-        </p:spPr>
-        <p:style>
-          <a:lnRef idx="2">
-            <a:schemeClr val="accent1">
-              <a:shade val="50000"/>
-            </a:schemeClr>
-          </a:lnRef>
-          <a:fillRef idx="1">
-            <a:schemeClr val="accent1"/>
-          </a:fillRef>
-          <a:effectRef idx="0">
-            <a:schemeClr val="accent1"/>
-          </a:effectRef>
-          <a:fontRef idx="minor">
-            <a:schemeClr val="lt1"/>
-          </a:fontRef>
-        </p:style>
-        <p:txBody>
-          <a:bodyPr rtlCol="0" anchor="ctr"/>
-          <a:lstStyle/>
-          <a:p>
-            <a:pPr algn="ctr"/>
-            <a:endParaRPr lang="en-SG"/>
-          </a:p>
-        </p:txBody>
-      </p:sp>
-      <p:sp>
-        <p:nvSpPr>
-          <p:cNvPr id="74" name="Rectangle 73"/>
-          <p:cNvSpPr/>
-          <p:nvPr/>
-        </p:nvSpPr>
-        <p:spPr>
-          <a:xfrm>
-            <a:off x="5097675" y="598581"/>
-            <a:ext cx="2304000" cy="274320"/>
-          </a:xfrm>
-          <a:prstGeom prst="rect">
-            <a:avLst/>
-          </a:prstGeom>
-        </p:spPr>
-        <p:style>
-          <a:lnRef idx="2">
-            <a:schemeClr val="accent4">
-              <a:shade val="50000"/>
-            </a:schemeClr>
-          </a:lnRef>
-          <a:fillRef idx="1">
-            <a:schemeClr val="accent4"/>
-          </a:fillRef>
-          <a:effectRef idx="0">
-            <a:schemeClr val="accent4"/>
-          </a:effectRef>
-          <a:fontRef idx="minor">
-            <a:schemeClr val="lt1"/>
-          </a:fontRef>
-        </p:style>
-        <p:txBody>
-          <a:bodyPr rtlCol="0" anchor="ctr"/>
-          <a:lstStyle/>
-          <a:p>
-            <a:pPr algn="ctr"/>
-            <a:r>
-              <a:rPr lang="en-US" sz="1600" b="1" dirty="0" err="1" smtClean="0"/>
-              <a:t>AccountsLogic</a:t>
-            </a:r>
-            <a:endParaRPr lang="en-SG" sz="1600" b="1" dirty="0"/>
-          </a:p>
-        </p:txBody>
-      </p:sp>
-      <p:sp>
-        <p:nvSpPr>
-          <p:cNvPr id="75" name="Rectangle 74"/>
-          <p:cNvSpPr/>
-          <p:nvPr/>
-        </p:nvSpPr>
-        <p:spPr>
-          <a:xfrm>
-            <a:off x="5097675" y="1634904"/>
-            <a:ext cx="2304000" cy="274320"/>
-          </a:xfrm>
-          <a:prstGeom prst="rect">
-            <a:avLst/>
-          </a:prstGeom>
-        </p:spPr>
-        <p:style>
-          <a:lnRef idx="2">
-            <a:schemeClr val="accent4">
-              <a:shade val="50000"/>
-            </a:schemeClr>
-          </a:lnRef>
-          <a:fillRef idx="1">
-            <a:schemeClr val="accent4"/>
-          </a:fillRef>
-          <a:effectRef idx="0">
-            <a:schemeClr val="accent4"/>
-          </a:effectRef>
-          <a:fontRef idx="minor">
-            <a:schemeClr val="lt1"/>
-          </a:fontRef>
-        </p:style>
-        <p:txBody>
-          <a:bodyPr rtlCol="0" anchor="ctr"/>
-          <a:lstStyle/>
-          <a:p>
-            <a:pPr algn="ctr"/>
-            <a:r>
-              <a:rPr lang="en-US" sz="1600" b="1" dirty="0" err="1" smtClean="0"/>
-              <a:t>CoursesLogic</a:t>
-            </a:r>
-            <a:endParaRPr lang="en-SG" sz="1600" b="1" dirty="0"/>
-          </a:p>
-        </p:txBody>
-      </p:sp>
-      <p:cxnSp>
-        <p:nvCxnSpPr>
-          <p:cNvPr id="76" name="Straight Arrow Connector 75"/>
-          <p:cNvCxnSpPr/>
-          <p:nvPr/>
-        </p:nvCxnSpPr>
-        <p:spPr>
-          <a:xfrm>
-            <a:off x="7383675" y="734679"/>
-            <a:ext cx="684000" cy="0"/>
-          </a:xfrm>
-          <a:prstGeom prst="straightConnector1">
-            <a:avLst/>
-          </a:prstGeom>
-          <a:ln w="38100">
-            <a:solidFill>
-              <a:schemeClr val="tx1"/>
+              <a:schemeClr val="accent1">
+                <a:lumMod val="75000"/>
+              </a:schemeClr>
             </a:solidFill>
             <a:prstDash val="sysDash"/>
             <a:tailEnd type="arrow"/>
@@ -5926,21 +6591,25 @@
       </p:cxnSp>
       <p:cxnSp>
         <p:nvCxnSpPr>
-          <p:cNvPr id="77" name="Straight Arrow Connector 76"/>
-          <p:cNvCxnSpPr/>
+          <p:cNvPr id="168" name="Straight Arrow Connector 167"/>
+          <p:cNvCxnSpPr>
+            <a:stCxn id="51" idx="3"/>
+          </p:cNvCxnSpPr>
           <p:nvPr/>
         </p:nvCxnSpPr>
         <p:spPr>
           <a:xfrm>
-            <a:off x="7383675" y="1752600"/>
-            <a:ext cx="684000" cy="0"/>
+            <a:off x="7550032" y="6467889"/>
+            <a:ext cx="540000" cy="0"/>
           </a:xfrm>
           <a:prstGeom prst="straightConnector1">
             <a:avLst/>
           </a:prstGeom>
           <a:ln w="38100">
             <a:solidFill>
-              <a:schemeClr val="tx1"/>
+              <a:schemeClr val="accent3">
+                <a:lumMod val="75000"/>
+              </a:schemeClr>
             </a:solidFill>
             <a:prstDash val="sysDash"/>
             <a:tailEnd type="arrow"/>
@@ -5963,16 +6632,19 @@
       </p:cxnSp>
       <p:cxnSp>
         <p:nvCxnSpPr>
-          <p:cNvPr id="78" name="Straight Arrow Connector 77"/>
-          <p:cNvCxnSpPr/>
+          <p:cNvPr id="3" name="Elbow Connector 2"/>
+          <p:cNvCxnSpPr>
+            <a:stCxn id="127" idx="1"/>
+            <a:endCxn id="112" idx="2"/>
+          </p:cNvCxnSpPr>
           <p:nvPr/>
         </p:nvCxnSpPr>
         <p:spPr>
-          <a:xfrm flipV="1">
-            <a:off x="7385475" y="2129058"/>
-            <a:ext cx="684000" cy="4542"/>
-          </a:xfrm>
-          <a:prstGeom prst="straightConnector1">
+          <a:xfrm rot="10800000">
+            <a:off x="2315192" y="6647890"/>
+            <a:ext cx="275608" cy="741875"/>
+          </a:xfrm>
+          <a:prstGeom prst="bentConnector2">
             <a:avLst/>
           </a:prstGeom>
           <a:ln w="38100">
@@ -5980,7 +6652,8 @@
               <a:schemeClr val="tx1"/>
             </a:solidFill>
             <a:prstDash val="sysDash"/>
-            <a:tailEnd type="arrow"/>
+            <a:headEnd type="none" w="med" len="med"/>
+            <a:tailEnd type="arrow" w="med" len="med"/>
           </a:ln>
         </p:spPr>
         <p:style>
@@ -5998,62 +6671,21 @@
           </a:fontRef>
         </p:style>
       </p:cxnSp>
-      <p:sp>
-        <p:nvSpPr>
-          <p:cNvPr id="79" name="Rectangle 78"/>
-          <p:cNvSpPr/>
-          <p:nvPr/>
-        </p:nvSpPr>
-        <p:spPr>
-          <a:xfrm>
-            <a:off x="5097675" y="2316480"/>
-            <a:ext cx="2304000" cy="274320"/>
-          </a:xfrm>
-          <a:prstGeom prst="rect">
-            <a:avLst/>
-          </a:prstGeom>
-        </p:spPr>
-        <p:style>
-          <a:lnRef idx="2">
-            <a:schemeClr val="accent4">
-              <a:shade val="50000"/>
-            </a:schemeClr>
-          </a:lnRef>
-          <a:fillRef idx="1">
-            <a:schemeClr val="accent4"/>
-          </a:fillRef>
-          <a:effectRef idx="0">
-            <a:schemeClr val="accent4"/>
-          </a:effectRef>
-          <a:fontRef idx="minor">
-            <a:schemeClr val="lt1"/>
-          </a:fontRef>
-        </p:style>
-        <p:txBody>
-          <a:bodyPr rtlCol="0" anchor="ctr"/>
-          <a:lstStyle/>
-          <a:p>
-            <a:pPr algn="ctr"/>
-            <a:r>
-              <a:rPr lang="en-US" sz="1600" b="1" dirty="0" err="1" smtClean="0"/>
-              <a:t>FeedbackResponsesLogic</a:t>
-            </a:r>
-            <a:endParaRPr lang="en-SG" sz="1600" b="1" dirty="0"/>
-          </a:p>
-        </p:txBody>
-      </p:sp>
       <p:cxnSp>
         <p:nvCxnSpPr>
-          <p:cNvPr id="80" name="Straight Arrow Connector 79"/>
-          <p:cNvCxnSpPr/>
+          <p:cNvPr id="5" name="Elbow Connector 4"/>
+          <p:cNvCxnSpPr>
+            <a:stCxn id="127" idx="3"/>
+            <a:endCxn id="52" idx="2"/>
+          </p:cNvCxnSpPr>
           <p:nvPr/>
         </p:nvCxnSpPr>
         <p:spPr>
           <a:xfrm flipV="1">
-            <a:off x="7383675" y="2438400"/>
-            <a:ext cx="684000" cy="4542"/>
-          </a:xfrm>
-          <a:prstGeom prst="straightConnector1">
+            <a:off x="4191000" y="6647889"/>
+            <a:ext cx="283200" cy="741875"/>
+          </a:xfrm>
+          <a:prstGeom prst="bentConnector2">
             <a:avLst/>
           </a:prstGeom>
           <a:ln w="38100">
@@ -6061,7 +6693,8 @@
               <a:schemeClr val="tx1"/>
             </a:solidFill>
             <a:prstDash val="sysDash"/>
-            <a:tailEnd type="arrow"/>
+            <a:headEnd type="none" w="med" len="med"/>
+            <a:tailEnd type="arrow" w="med" len="med"/>
           </a:ln>
         </p:spPr>
         <p:style>
@@ -6079,1476 +6712,6 @@
           </a:fontRef>
         </p:style>
       </p:cxnSp>
-      <p:sp>
-        <p:nvSpPr>
-          <p:cNvPr id="81" name="Rectangle 80"/>
-          <p:cNvSpPr/>
-          <p:nvPr/>
-        </p:nvSpPr>
-        <p:spPr>
-          <a:xfrm>
-            <a:off x="2533528" y="1981200"/>
-            <a:ext cx="1676400" cy="396000"/>
-          </a:xfrm>
-          <a:prstGeom prst="rect">
-            <a:avLst/>
-          </a:prstGeom>
-        </p:spPr>
-        <p:style>
-          <a:lnRef idx="2">
-            <a:schemeClr val="accent2">
-              <a:shade val="50000"/>
-            </a:schemeClr>
-          </a:lnRef>
-          <a:fillRef idx="1">
-            <a:schemeClr val="accent2"/>
-          </a:fillRef>
-          <a:effectRef idx="0">
-            <a:schemeClr val="accent2"/>
-          </a:effectRef>
-          <a:fontRef idx="minor">
-            <a:schemeClr val="lt1"/>
-          </a:fontRef>
-        </p:style>
-        <p:txBody>
-          <a:bodyPr rtlCol="0" anchor="ctr"/>
-          <a:lstStyle/>
-          <a:p>
-            <a:pPr algn="ctr"/>
-            <a:r>
-              <a:rPr lang="en-US" sz="1600" b="1" dirty="0" err="1" smtClean="0"/>
-              <a:t>GateKeeper</a:t>
-            </a:r>
-            <a:endParaRPr lang="en-SG" sz="1600" b="1" dirty="0"/>
-          </a:p>
-        </p:txBody>
-      </p:sp>
-      <p:sp>
-        <p:nvSpPr>
-          <p:cNvPr id="82" name="Rectangle 81"/>
-          <p:cNvSpPr/>
-          <p:nvPr/>
-        </p:nvSpPr>
-        <p:spPr>
-          <a:xfrm>
-            <a:off x="5079675" y="2667000"/>
-            <a:ext cx="2304000" cy="274320"/>
-          </a:xfrm>
-          <a:prstGeom prst="rect">
-            <a:avLst/>
-          </a:prstGeom>
-        </p:spPr>
-        <p:style>
-          <a:lnRef idx="2">
-            <a:schemeClr val="accent4">
-              <a:shade val="50000"/>
-            </a:schemeClr>
-          </a:lnRef>
-          <a:fillRef idx="1">
-            <a:schemeClr val="accent4"/>
-          </a:fillRef>
-          <a:effectRef idx="0">
-            <a:schemeClr val="accent4"/>
-          </a:effectRef>
-          <a:fontRef idx="minor">
-            <a:schemeClr val="lt1"/>
-          </a:fontRef>
-        </p:style>
-        <p:txBody>
-          <a:bodyPr rtlCol="0" anchor="ctr"/>
-          <a:lstStyle/>
-          <a:p>
-            <a:pPr algn="ctr"/>
-            <a:r>
-              <a:rPr lang="en-US" sz="1600" b="1" dirty="0"/>
-              <a:t>*</a:t>
-            </a:r>
-            <a:r>
-              <a:rPr lang="en-US" sz="1600" b="1" dirty="0" smtClean="0"/>
-              <a:t>Logic</a:t>
-            </a:r>
-            <a:endParaRPr lang="en-SG" sz="1600" b="1" dirty="0"/>
-          </a:p>
-        </p:txBody>
-      </p:sp>
-      <p:cxnSp>
-        <p:nvCxnSpPr>
-          <p:cNvPr id="83" name="Straight Arrow Connector 82"/>
-          <p:cNvCxnSpPr/>
-          <p:nvPr/>
-        </p:nvCxnSpPr>
-        <p:spPr>
-          <a:xfrm flipV="1">
-            <a:off x="7385475" y="2814858"/>
-            <a:ext cx="684000" cy="4542"/>
-          </a:xfrm>
-          <a:prstGeom prst="straightConnector1">
-            <a:avLst/>
-          </a:prstGeom>
-          <a:ln w="38100">
-            <a:solidFill>
-              <a:schemeClr val="tx1"/>
-            </a:solidFill>
-            <a:prstDash val="sysDash"/>
-            <a:tailEnd type="arrow"/>
-          </a:ln>
-        </p:spPr>
-        <p:style>
-          <a:lnRef idx="1">
-            <a:schemeClr val="accent1"/>
-          </a:lnRef>
-          <a:fillRef idx="0">
-            <a:schemeClr val="accent1"/>
-          </a:fillRef>
-          <a:effectRef idx="0">
-            <a:schemeClr val="accent1"/>
-          </a:effectRef>
-          <a:fontRef idx="minor">
-            <a:schemeClr val="tx1"/>
-          </a:fontRef>
-        </p:style>
-      </p:cxnSp>
-      <p:sp>
-        <p:nvSpPr>
-          <p:cNvPr id="84" name="Rectangle 83"/>
-          <p:cNvSpPr/>
-          <p:nvPr/>
-        </p:nvSpPr>
-        <p:spPr>
-          <a:xfrm>
-            <a:off x="5632974" y="6004800"/>
-            <a:ext cx="1685065" cy="396000"/>
-          </a:xfrm>
-          <a:prstGeom prst="rect">
-            <a:avLst/>
-          </a:prstGeom>
-        </p:spPr>
-        <p:style>
-          <a:lnRef idx="2">
-            <a:schemeClr val="accent6">
-              <a:shade val="50000"/>
-            </a:schemeClr>
-          </a:lnRef>
-          <a:fillRef idx="1">
-            <a:schemeClr val="accent6"/>
-          </a:fillRef>
-          <a:effectRef idx="0">
-            <a:schemeClr val="accent6"/>
-          </a:effectRef>
-          <a:fontRef idx="minor">
-            <a:schemeClr val="lt1"/>
-          </a:fontRef>
-        </p:style>
-        <p:txBody>
-          <a:bodyPr rtlCol="0" anchor="ctr"/>
-          <a:lstStyle/>
-          <a:p>
-            <a:pPr algn="ctr"/>
-            <a:endParaRPr lang="en-SG" sz="1600" b="1" dirty="0"/>
-          </a:p>
-        </p:txBody>
-      </p:sp>
-      <p:sp>
-        <p:nvSpPr>
-          <p:cNvPr id="85" name="Rectangle 84"/>
-          <p:cNvSpPr/>
-          <p:nvPr/>
-        </p:nvSpPr>
-        <p:spPr>
-          <a:xfrm>
-            <a:off x="5563704" y="6096000"/>
-            <a:ext cx="1685065" cy="396000"/>
-          </a:xfrm>
-          <a:prstGeom prst="rect">
-            <a:avLst/>
-          </a:prstGeom>
-        </p:spPr>
-        <p:style>
-          <a:lnRef idx="2">
-            <a:schemeClr val="accent6">
-              <a:shade val="50000"/>
-            </a:schemeClr>
-          </a:lnRef>
-          <a:fillRef idx="1">
-            <a:schemeClr val="accent6"/>
-          </a:fillRef>
-          <a:effectRef idx="0">
-            <a:schemeClr val="accent6"/>
-          </a:effectRef>
-          <a:fontRef idx="minor">
-            <a:schemeClr val="lt1"/>
-          </a:fontRef>
-        </p:style>
-        <p:txBody>
-          <a:bodyPr rtlCol="0" anchor="ctr"/>
-          <a:lstStyle/>
-          <a:p>
-            <a:pPr algn="ctr"/>
-            <a:r>
-              <a:rPr lang="en-US" sz="1600" b="1" dirty="0"/>
-              <a:t>*</a:t>
-            </a:r>
-            <a:r>
-              <a:rPr lang="en-US" sz="1600" b="1" dirty="0" err="1" smtClean="0"/>
-              <a:t>MailAction</a:t>
-            </a:r>
-            <a:endParaRPr lang="en-SG" sz="1600" b="1" dirty="0"/>
-          </a:p>
-        </p:txBody>
-      </p:sp>
-      <p:sp>
-        <p:nvSpPr>
-          <p:cNvPr id="86" name="Isosceles Triangle 85"/>
-          <p:cNvSpPr/>
-          <p:nvPr/>
-        </p:nvSpPr>
-        <p:spPr>
-          <a:xfrm>
-            <a:off x="6268123" y="5638800"/>
-            <a:ext cx="276225" cy="228600"/>
-          </a:xfrm>
-          <a:prstGeom prst="triangle">
-            <a:avLst/>
-          </a:prstGeom>
-        </p:spPr>
-        <p:style>
-          <a:lnRef idx="2">
-            <a:schemeClr val="accent6">
-              <a:shade val="50000"/>
-            </a:schemeClr>
-          </a:lnRef>
-          <a:fillRef idx="1">
-            <a:schemeClr val="accent6"/>
-          </a:fillRef>
-          <a:effectRef idx="0">
-            <a:schemeClr val="accent6"/>
-          </a:effectRef>
-          <a:fontRef idx="minor">
-            <a:schemeClr val="lt1"/>
-          </a:fontRef>
-        </p:style>
-        <p:txBody>
-          <a:bodyPr rtlCol="0" anchor="ctr"/>
-          <a:lstStyle/>
-          <a:p>
-            <a:pPr algn="ctr"/>
-            <a:endParaRPr lang="en-SG" sz="1600" b="1"/>
-          </a:p>
-        </p:txBody>
-      </p:sp>
-      <p:cxnSp>
-        <p:nvCxnSpPr>
-          <p:cNvPr id="87" name="Straight Connector 86"/>
-          <p:cNvCxnSpPr>
-            <a:stCxn id="86" idx="3"/>
-            <a:endCxn id="85" idx="0"/>
-          </p:cNvCxnSpPr>
-          <p:nvPr/>
-        </p:nvCxnSpPr>
-        <p:spPr>
-          <a:xfrm>
-            <a:off x="6406236" y="5867400"/>
-            <a:ext cx="1" cy="228600"/>
-          </a:xfrm>
-          <a:prstGeom prst="line">
-            <a:avLst/>
-          </a:prstGeom>
-        </p:spPr>
-        <p:style>
-          <a:lnRef idx="2">
-            <a:schemeClr val="accent6">
-              <a:shade val="50000"/>
-            </a:schemeClr>
-          </a:lnRef>
-          <a:fillRef idx="1">
-            <a:schemeClr val="accent6"/>
-          </a:fillRef>
-          <a:effectRef idx="0">
-            <a:schemeClr val="accent6"/>
-          </a:effectRef>
-          <a:fontRef idx="minor">
-            <a:schemeClr val="lt1"/>
-          </a:fontRef>
-        </p:style>
-      </p:cxnSp>
-      <p:sp>
-        <p:nvSpPr>
-          <p:cNvPr id="90" name="Rectangle 89"/>
-          <p:cNvSpPr/>
-          <p:nvPr/>
-        </p:nvSpPr>
-        <p:spPr>
-          <a:xfrm>
-            <a:off x="3314408" y="5105400"/>
-            <a:ext cx="1905000" cy="533400"/>
-          </a:xfrm>
-          <a:prstGeom prst="rect">
-            <a:avLst/>
-          </a:prstGeom>
-        </p:spPr>
-        <p:style>
-          <a:lnRef idx="2">
-            <a:schemeClr val="accent5">
-              <a:shade val="50000"/>
-            </a:schemeClr>
-          </a:lnRef>
-          <a:fillRef idx="1">
-            <a:schemeClr val="accent5"/>
-          </a:fillRef>
-          <a:effectRef idx="0">
-            <a:schemeClr val="accent5"/>
-          </a:effectRef>
-          <a:fontRef idx="minor">
-            <a:schemeClr val="lt1"/>
-          </a:fontRef>
-        </p:style>
-        <p:txBody>
-          <a:bodyPr rtlCol="0" anchor="ctr"/>
-          <a:lstStyle/>
-          <a:p>
-            <a:pPr algn="ctr"/>
-            <a:r>
-              <a:rPr lang="en-US" sz="1600" b="1" dirty="0" smtClean="0"/>
-              <a:t>Automated</a:t>
-            </a:r>
-            <a:br>
-              <a:rPr lang="en-US" sz="1600" b="1" dirty="0" smtClean="0"/>
-            </a:br>
-            <a:r>
-              <a:rPr lang="en-US" sz="1600" b="1" dirty="0" err="1" smtClean="0"/>
-              <a:t>RemindersServlet</a:t>
-            </a:r>
-            <a:endParaRPr lang="en-SG" sz="1600" b="1" dirty="0"/>
-          </a:p>
-        </p:txBody>
-      </p:sp>
-      <p:sp>
-        <p:nvSpPr>
-          <p:cNvPr id="91" name="Rectangle 90"/>
-          <p:cNvSpPr/>
-          <p:nvPr/>
-        </p:nvSpPr>
-        <p:spPr>
-          <a:xfrm>
-            <a:off x="3396504" y="5928600"/>
-            <a:ext cx="1853571" cy="396000"/>
-          </a:xfrm>
-          <a:prstGeom prst="rect">
-            <a:avLst/>
-          </a:prstGeom>
-        </p:spPr>
-        <p:style>
-          <a:lnRef idx="2">
-            <a:schemeClr val="accent5">
-              <a:shade val="50000"/>
-            </a:schemeClr>
-          </a:lnRef>
-          <a:fillRef idx="1">
-            <a:schemeClr val="accent5"/>
-          </a:fillRef>
-          <a:effectRef idx="0">
-            <a:schemeClr val="accent5"/>
-          </a:effectRef>
-          <a:fontRef idx="minor">
-            <a:schemeClr val="lt1"/>
-          </a:fontRef>
-        </p:style>
-        <p:txBody>
-          <a:bodyPr rtlCol="0" anchor="ctr"/>
-          <a:lstStyle/>
-          <a:p>
-            <a:pPr algn="ctr"/>
-            <a:endParaRPr lang="en-SG" sz="1600" b="1" dirty="0"/>
-          </a:p>
-        </p:txBody>
-      </p:sp>
-      <p:sp>
-        <p:nvSpPr>
-          <p:cNvPr id="92" name="Rectangle 91"/>
-          <p:cNvSpPr/>
-          <p:nvPr/>
-        </p:nvSpPr>
-        <p:spPr>
-          <a:xfrm>
-            <a:off x="3340123" y="6004800"/>
-            <a:ext cx="1853571" cy="396000"/>
-          </a:xfrm>
-          <a:prstGeom prst="rect">
-            <a:avLst/>
-          </a:prstGeom>
-        </p:spPr>
-        <p:style>
-          <a:lnRef idx="2">
-            <a:schemeClr val="accent5">
-              <a:shade val="50000"/>
-            </a:schemeClr>
-          </a:lnRef>
-          <a:fillRef idx="1">
-            <a:schemeClr val="accent5"/>
-          </a:fillRef>
-          <a:effectRef idx="0">
-            <a:schemeClr val="accent5"/>
-          </a:effectRef>
-          <a:fontRef idx="minor">
-            <a:schemeClr val="lt1"/>
-          </a:fontRef>
-        </p:style>
-        <p:txBody>
-          <a:bodyPr rtlCol="0" anchor="ctr"/>
-          <a:lstStyle/>
-          <a:p>
-            <a:pPr algn="ctr"/>
-            <a:endParaRPr lang="en-SG" sz="1600" b="1" dirty="0"/>
-          </a:p>
-        </p:txBody>
-      </p:sp>
-      <p:sp>
-        <p:nvSpPr>
-          <p:cNvPr id="93" name="Rectangle 92"/>
-          <p:cNvSpPr/>
-          <p:nvPr/>
-        </p:nvSpPr>
-        <p:spPr>
-          <a:xfrm>
-            <a:off x="3270853" y="6096000"/>
-            <a:ext cx="1853571" cy="396000"/>
-          </a:xfrm>
-          <a:prstGeom prst="rect">
-            <a:avLst/>
-          </a:prstGeom>
-        </p:spPr>
-        <p:style>
-          <a:lnRef idx="2">
-            <a:schemeClr val="accent5">
-              <a:shade val="50000"/>
-            </a:schemeClr>
-          </a:lnRef>
-          <a:fillRef idx="1">
-            <a:schemeClr val="accent5"/>
-          </a:fillRef>
-          <a:effectRef idx="0">
-            <a:schemeClr val="accent5"/>
-          </a:effectRef>
-          <a:fontRef idx="minor">
-            <a:schemeClr val="lt1"/>
-          </a:fontRef>
-        </p:style>
-        <p:txBody>
-          <a:bodyPr rtlCol="0" anchor="ctr"/>
-          <a:lstStyle/>
-          <a:p>
-            <a:pPr algn="ctr"/>
-            <a:r>
-              <a:rPr lang="en-US" sz="1600" b="1" dirty="0" smtClean="0"/>
-              <a:t>*</a:t>
-            </a:r>
-            <a:r>
-              <a:rPr lang="en-US" sz="1600" b="1" dirty="0" err="1" smtClean="0"/>
-              <a:t>RemindersServlet</a:t>
-            </a:r>
-            <a:endParaRPr lang="en-SG" sz="1600" b="1" dirty="0"/>
-          </a:p>
-        </p:txBody>
-      </p:sp>
-      <p:sp>
-        <p:nvSpPr>
-          <p:cNvPr id="94" name="Isosceles Triangle 93"/>
-          <p:cNvSpPr/>
-          <p:nvPr/>
-        </p:nvSpPr>
-        <p:spPr>
-          <a:xfrm>
-            <a:off x="4059525" y="5638800"/>
-            <a:ext cx="276225" cy="228600"/>
-          </a:xfrm>
-          <a:prstGeom prst="triangle">
-            <a:avLst/>
-          </a:prstGeom>
-        </p:spPr>
-        <p:style>
-          <a:lnRef idx="2">
-            <a:schemeClr val="accent5">
-              <a:shade val="50000"/>
-            </a:schemeClr>
-          </a:lnRef>
-          <a:fillRef idx="1">
-            <a:schemeClr val="accent5"/>
-          </a:fillRef>
-          <a:effectRef idx="0">
-            <a:schemeClr val="accent5"/>
-          </a:effectRef>
-          <a:fontRef idx="minor">
-            <a:schemeClr val="lt1"/>
-          </a:fontRef>
-        </p:style>
-        <p:txBody>
-          <a:bodyPr rtlCol="0" anchor="ctr"/>
-          <a:lstStyle/>
-          <a:p>
-            <a:pPr algn="ctr"/>
-            <a:endParaRPr lang="en-SG" sz="1600" b="1"/>
-          </a:p>
-        </p:txBody>
-      </p:sp>
-      <p:cxnSp>
-        <p:nvCxnSpPr>
-          <p:cNvPr id="95" name="Straight Connector 94"/>
-          <p:cNvCxnSpPr>
-            <a:stCxn id="94" idx="3"/>
-            <a:endCxn id="93" idx="0"/>
-          </p:cNvCxnSpPr>
-          <p:nvPr/>
-        </p:nvCxnSpPr>
-        <p:spPr>
-          <a:xfrm>
-            <a:off x="4197638" y="5867400"/>
-            <a:ext cx="1" cy="228600"/>
-          </a:xfrm>
-          <a:prstGeom prst="line">
-            <a:avLst/>
-          </a:prstGeom>
-        </p:spPr>
-        <p:style>
-          <a:lnRef idx="2">
-            <a:schemeClr val="accent5">
-              <a:shade val="50000"/>
-            </a:schemeClr>
-          </a:lnRef>
-          <a:fillRef idx="1">
-            <a:schemeClr val="accent5"/>
-          </a:fillRef>
-          <a:effectRef idx="0">
-            <a:schemeClr val="accent5"/>
-          </a:effectRef>
-          <a:fontRef idx="minor">
-            <a:schemeClr val="lt1"/>
-          </a:fontRef>
-        </p:style>
-      </p:cxnSp>
-      <p:cxnSp>
-        <p:nvCxnSpPr>
-          <p:cNvPr id="96" name="Straight Arrow Connector 95"/>
-          <p:cNvCxnSpPr/>
-          <p:nvPr/>
-        </p:nvCxnSpPr>
-        <p:spPr>
-          <a:xfrm flipV="1">
-            <a:off x="6464645" y="6521244"/>
-            <a:ext cx="0" cy="381000"/>
-          </a:xfrm>
-          <a:prstGeom prst="straightConnector1">
-            <a:avLst/>
-          </a:prstGeom>
-          <a:ln w="38100">
-            <a:solidFill>
-              <a:schemeClr val="tx1"/>
-            </a:solidFill>
-            <a:prstDash val="sysDash"/>
-            <a:tailEnd type="arrow"/>
-          </a:ln>
-        </p:spPr>
-        <p:style>
-          <a:lnRef idx="1">
-            <a:schemeClr val="accent1"/>
-          </a:lnRef>
-          <a:fillRef idx="0">
-            <a:schemeClr val="accent1"/>
-          </a:fillRef>
-          <a:effectRef idx="0">
-            <a:schemeClr val="accent1"/>
-          </a:effectRef>
-          <a:fontRef idx="minor">
-            <a:schemeClr val="tx1"/>
-          </a:fontRef>
-        </p:style>
-      </p:cxnSp>
-      <p:sp>
-        <p:nvSpPr>
-          <p:cNvPr id="97" name="TextBox 96"/>
-          <p:cNvSpPr txBox="1"/>
-          <p:nvPr/>
-        </p:nvSpPr>
-        <p:spPr>
-          <a:xfrm>
-            <a:off x="5234372" y="6823067"/>
-            <a:ext cx="2149303" cy="307777"/>
-          </a:xfrm>
-          <a:prstGeom prst="rect">
-            <a:avLst/>
-          </a:prstGeom>
-          <a:grpFill/>
-          <a:ln>
-            <a:noFill/>
-          </a:ln>
-        </p:spPr>
-        <p:style>
-          <a:lnRef idx="2">
-            <a:schemeClr val="accent1">
-              <a:shade val="50000"/>
-            </a:schemeClr>
-          </a:lnRef>
-          <a:fillRef idx="1">
-            <a:schemeClr val="accent1"/>
-          </a:fillRef>
-          <a:effectRef idx="0">
-            <a:schemeClr val="accent1"/>
-          </a:effectRef>
-          <a:fontRef idx="minor">
-            <a:schemeClr val="lt1"/>
-          </a:fontRef>
-        </p:style>
-        <p:txBody>
-          <a:bodyPr rtlCol="0" anchor="t" anchorCtr="0"/>
-          <a:lstStyle>
-            <a:defPPr>
-              <a:defRPr lang="en-US"/>
-            </a:defPPr>
-            <a:lvl1pPr>
-              <a:defRPr sz="1400" b="1">
-                <a:solidFill>
-                  <a:srgbClr val="7030A0"/>
-                </a:solidFill>
-              </a:defRPr>
-            </a:lvl1pPr>
-            <a:lvl2pPr>
-              <a:defRPr>
-                <a:solidFill>
-                  <a:schemeClr val="lt1"/>
-                </a:solidFill>
-              </a:defRPr>
-            </a:lvl2pPr>
-            <a:lvl3pPr>
-              <a:defRPr>
-                <a:solidFill>
-                  <a:schemeClr val="lt1"/>
-                </a:solidFill>
-              </a:defRPr>
-            </a:lvl3pPr>
-            <a:lvl4pPr>
-              <a:defRPr>
-                <a:solidFill>
-                  <a:schemeClr val="lt1"/>
-                </a:solidFill>
-              </a:defRPr>
-            </a:lvl4pPr>
-            <a:lvl5pPr>
-              <a:defRPr>
-                <a:solidFill>
-                  <a:schemeClr val="lt1"/>
-                </a:solidFill>
-              </a:defRPr>
-            </a:lvl5pPr>
-            <a:lvl6pPr>
-              <a:defRPr>
-                <a:solidFill>
-                  <a:schemeClr val="lt1"/>
-                </a:solidFill>
-              </a:defRPr>
-            </a:lvl6pPr>
-            <a:lvl7pPr>
-              <a:defRPr>
-                <a:solidFill>
-                  <a:schemeClr val="lt1"/>
-                </a:solidFill>
-              </a:defRPr>
-            </a:lvl7pPr>
-            <a:lvl8pPr>
-              <a:defRPr>
-                <a:solidFill>
-                  <a:schemeClr val="lt1"/>
-                </a:solidFill>
-              </a:defRPr>
-            </a:lvl8pPr>
-            <a:lvl9pPr>
-              <a:defRPr>
-                <a:solidFill>
-                  <a:schemeClr val="lt1"/>
-                </a:solidFill>
-              </a:defRPr>
-            </a:lvl9pPr>
-          </a:lstStyle>
-          <a:p>
-            <a:pPr algn="r"/>
-            <a:r>
-              <a:rPr lang="en-US" dirty="0" smtClean="0">
-                <a:solidFill>
-                  <a:schemeClr val="tx1"/>
-                </a:solidFill>
-              </a:rPr>
-              <a:t>App engine task queues</a:t>
-            </a:r>
-            <a:endParaRPr lang="en-SG" dirty="0">
-              <a:solidFill>
-                <a:schemeClr val="tx1"/>
-              </a:solidFill>
-            </a:endParaRPr>
-          </a:p>
-        </p:txBody>
-      </p:sp>
-      <p:cxnSp>
-        <p:nvCxnSpPr>
-          <p:cNvPr id="98" name="Straight Arrow Connector 97"/>
-          <p:cNvCxnSpPr>
-            <a:stCxn id="90" idx="3"/>
-            <a:endCxn id="57" idx="1"/>
-          </p:cNvCxnSpPr>
-          <p:nvPr/>
-        </p:nvCxnSpPr>
-        <p:spPr>
-          <a:xfrm>
-            <a:off x="5219408" y="5372100"/>
-            <a:ext cx="468908" cy="0"/>
-          </a:xfrm>
-          <a:prstGeom prst="straightConnector1">
-            <a:avLst/>
-          </a:prstGeom>
-          <a:ln>
-            <a:solidFill>
-              <a:schemeClr val="accent5">
-                <a:lumMod val="75000"/>
-              </a:schemeClr>
-            </a:solidFill>
-            <a:prstDash val="sysDash"/>
-            <a:headEnd type="none" w="med" len="med"/>
-            <a:tailEnd type="arrow" w="med" len="med"/>
-          </a:ln>
-        </p:spPr>
-        <p:style>
-          <a:lnRef idx="2">
-            <a:schemeClr val="accent2">
-              <a:shade val="50000"/>
-            </a:schemeClr>
-          </a:lnRef>
-          <a:fillRef idx="1">
-            <a:schemeClr val="accent2"/>
-          </a:fillRef>
-          <a:effectRef idx="0">
-            <a:schemeClr val="accent2"/>
-          </a:effectRef>
-          <a:fontRef idx="minor">
-            <a:schemeClr val="lt1"/>
-          </a:fontRef>
-        </p:style>
-      </p:cxnSp>
-      <p:sp>
-        <p:nvSpPr>
-          <p:cNvPr id="88" name="Rectangle 87"/>
-          <p:cNvSpPr/>
-          <p:nvPr/>
-        </p:nvSpPr>
-        <p:spPr>
-          <a:xfrm>
-            <a:off x="1456620" y="5105400"/>
-            <a:ext cx="1431255" cy="464670"/>
-          </a:xfrm>
-          <a:prstGeom prst="rect">
-            <a:avLst/>
-          </a:prstGeom>
-        </p:spPr>
-        <p:style>
-          <a:lnRef idx="2">
-            <a:schemeClr val="accent3">
-              <a:shade val="50000"/>
-            </a:schemeClr>
-          </a:lnRef>
-          <a:fillRef idx="1">
-            <a:schemeClr val="accent3"/>
-          </a:fillRef>
-          <a:effectRef idx="0">
-            <a:schemeClr val="accent3"/>
-          </a:effectRef>
-          <a:fontRef idx="minor">
-            <a:schemeClr val="lt1"/>
-          </a:fontRef>
-        </p:style>
-        <p:txBody>
-          <a:bodyPr rtlCol="0" anchor="ctr"/>
-          <a:lstStyle/>
-          <a:p>
-            <a:pPr algn="ctr"/>
-            <a:r>
-              <a:rPr lang="en-US" sz="1600" b="1" dirty="0" err="1" smtClean="0"/>
-              <a:t>WorkerServlet</a:t>
-            </a:r>
-            <a:endParaRPr lang="en-SG" sz="1600" b="1" dirty="0"/>
-          </a:p>
-        </p:txBody>
-      </p:sp>
-      <p:sp>
-        <p:nvSpPr>
-          <p:cNvPr id="89" name="Rectangle 88"/>
-          <p:cNvSpPr/>
-          <p:nvPr/>
-        </p:nvSpPr>
-        <p:spPr>
-          <a:xfrm>
-            <a:off x="1508398" y="5928600"/>
-            <a:ext cx="1531877" cy="396000"/>
-          </a:xfrm>
-          <a:prstGeom prst="rect">
-            <a:avLst/>
-          </a:prstGeom>
-        </p:spPr>
-        <p:style>
-          <a:lnRef idx="2">
-            <a:schemeClr val="accent3">
-              <a:shade val="50000"/>
-            </a:schemeClr>
-          </a:lnRef>
-          <a:fillRef idx="1">
-            <a:schemeClr val="accent3"/>
-          </a:fillRef>
-          <a:effectRef idx="0">
-            <a:schemeClr val="accent3"/>
-          </a:effectRef>
-          <a:fontRef idx="minor">
-            <a:schemeClr val="lt1"/>
-          </a:fontRef>
-        </p:style>
-        <p:txBody>
-          <a:bodyPr rtlCol="0" anchor="ctr"/>
-          <a:lstStyle/>
-          <a:p>
-            <a:pPr algn="ctr"/>
-            <a:endParaRPr lang="en-SG" sz="1600" b="1" dirty="0"/>
-          </a:p>
-        </p:txBody>
-      </p:sp>
-      <p:sp>
-        <p:nvSpPr>
-          <p:cNvPr id="99" name="Rectangle 98"/>
-          <p:cNvSpPr/>
-          <p:nvPr/>
-        </p:nvSpPr>
-        <p:spPr>
-          <a:xfrm>
-            <a:off x="1432198" y="6004800"/>
-            <a:ext cx="1531877" cy="396000"/>
-          </a:xfrm>
-          <a:prstGeom prst="rect">
-            <a:avLst/>
-          </a:prstGeom>
-        </p:spPr>
-        <p:style>
-          <a:lnRef idx="2">
-            <a:schemeClr val="accent3">
-              <a:shade val="50000"/>
-            </a:schemeClr>
-          </a:lnRef>
-          <a:fillRef idx="1">
-            <a:schemeClr val="accent3"/>
-          </a:fillRef>
-          <a:effectRef idx="0">
-            <a:schemeClr val="accent3"/>
-          </a:effectRef>
-          <a:fontRef idx="minor">
-            <a:schemeClr val="lt1"/>
-          </a:fontRef>
-        </p:style>
-        <p:txBody>
-          <a:bodyPr rtlCol="0" anchor="ctr"/>
-          <a:lstStyle/>
-          <a:p>
-            <a:pPr algn="ctr"/>
-            <a:endParaRPr lang="en-SG" sz="1600" b="1" dirty="0"/>
-          </a:p>
-        </p:txBody>
-      </p:sp>
-      <p:sp>
-        <p:nvSpPr>
-          <p:cNvPr id="100" name="Rectangle 99"/>
-          <p:cNvSpPr/>
-          <p:nvPr/>
-        </p:nvSpPr>
-        <p:spPr>
-          <a:xfrm>
-            <a:off x="1360144" y="6096000"/>
-            <a:ext cx="1531877" cy="396000"/>
-          </a:xfrm>
-          <a:prstGeom prst="rect">
-            <a:avLst/>
-          </a:prstGeom>
-        </p:spPr>
-        <p:style>
-          <a:lnRef idx="2">
-            <a:schemeClr val="accent3">
-              <a:shade val="50000"/>
-            </a:schemeClr>
-          </a:lnRef>
-          <a:fillRef idx="1">
-            <a:schemeClr val="accent3"/>
-          </a:fillRef>
-          <a:effectRef idx="0">
-            <a:schemeClr val="accent3"/>
-          </a:effectRef>
-          <a:fontRef idx="minor">
-            <a:schemeClr val="lt1"/>
-          </a:fontRef>
-        </p:style>
-        <p:txBody>
-          <a:bodyPr rtlCol="0" anchor="ctr"/>
-          <a:lstStyle/>
-          <a:p>
-            <a:pPr algn="ctr"/>
-            <a:r>
-              <a:rPr lang="en-US" sz="1600" b="1" dirty="0" smtClean="0"/>
-              <a:t>*</a:t>
-            </a:r>
-            <a:r>
-              <a:rPr lang="en-US" sz="1600" b="1" dirty="0" err="1" smtClean="0"/>
-              <a:t>WorkerServlet</a:t>
-            </a:r>
-            <a:endParaRPr lang="en-SG" sz="1600" b="1" dirty="0"/>
-          </a:p>
-        </p:txBody>
-      </p:sp>
-      <p:sp>
-        <p:nvSpPr>
-          <p:cNvPr id="101" name="Isosceles Triangle 100"/>
-          <p:cNvSpPr/>
-          <p:nvPr/>
-        </p:nvSpPr>
-        <p:spPr>
-          <a:xfrm>
-            <a:off x="1973475" y="5562600"/>
-            <a:ext cx="276225" cy="228600"/>
-          </a:xfrm>
-          <a:prstGeom prst="triangle">
-            <a:avLst/>
-          </a:prstGeom>
-        </p:spPr>
-        <p:style>
-          <a:lnRef idx="2">
-            <a:schemeClr val="accent3">
-              <a:shade val="50000"/>
-            </a:schemeClr>
-          </a:lnRef>
-          <a:fillRef idx="1">
-            <a:schemeClr val="accent3"/>
-          </a:fillRef>
-          <a:effectRef idx="0">
-            <a:schemeClr val="accent3"/>
-          </a:effectRef>
-          <a:fontRef idx="minor">
-            <a:schemeClr val="lt1"/>
-          </a:fontRef>
-        </p:style>
-        <p:txBody>
-          <a:bodyPr rtlCol="0" anchor="ctr"/>
-          <a:lstStyle/>
-          <a:p>
-            <a:pPr algn="ctr"/>
-            <a:endParaRPr lang="en-SG" sz="1600" b="1"/>
-          </a:p>
-        </p:txBody>
-      </p:sp>
-      <p:cxnSp>
-        <p:nvCxnSpPr>
-          <p:cNvPr id="102" name="Straight Connector 101"/>
-          <p:cNvCxnSpPr/>
-          <p:nvPr/>
-        </p:nvCxnSpPr>
-        <p:spPr>
-          <a:xfrm>
-            <a:off x="2125875" y="5791200"/>
-            <a:ext cx="14495" cy="304800"/>
-          </a:xfrm>
-          <a:prstGeom prst="line">
-            <a:avLst/>
-          </a:prstGeom>
-        </p:spPr>
-        <p:style>
-          <a:lnRef idx="2">
-            <a:schemeClr val="accent3">
-              <a:shade val="50000"/>
-            </a:schemeClr>
-          </a:lnRef>
-          <a:fillRef idx="1">
-            <a:schemeClr val="accent3"/>
-          </a:fillRef>
-          <a:effectRef idx="0">
-            <a:schemeClr val="accent3"/>
-          </a:effectRef>
-          <a:fontRef idx="minor">
-            <a:schemeClr val="lt1"/>
-          </a:fontRef>
-        </p:style>
-      </p:cxnSp>
-      <p:sp>
-        <p:nvSpPr>
-          <p:cNvPr id="103" name="Rectangle 102"/>
-          <p:cNvSpPr/>
-          <p:nvPr/>
-        </p:nvSpPr>
-        <p:spPr>
-          <a:xfrm>
-            <a:off x="1363875" y="855000"/>
-            <a:ext cx="2566316" cy="288000"/>
-          </a:xfrm>
-          <a:prstGeom prst="rect">
-            <a:avLst/>
-          </a:prstGeom>
-        </p:spPr>
-        <p:style>
-          <a:lnRef idx="2">
-            <a:schemeClr val="accent5">
-              <a:shade val="50000"/>
-            </a:schemeClr>
-          </a:lnRef>
-          <a:fillRef idx="1">
-            <a:schemeClr val="accent5"/>
-          </a:fillRef>
-          <a:effectRef idx="0">
-            <a:schemeClr val="accent5"/>
-          </a:effectRef>
-          <a:fontRef idx="minor">
-            <a:schemeClr val="lt1"/>
-          </a:fontRef>
-        </p:style>
-        <p:txBody>
-          <a:bodyPr rtlCol="0" anchor="ctr"/>
-          <a:lstStyle/>
-          <a:p>
-            <a:pPr algn="ctr"/>
-            <a:r>
-              <a:rPr lang="en-US" sz="1600" b="1" dirty="0" err="1" smtClean="0"/>
-              <a:t>PublicResourcesServlet</a:t>
-            </a:r>
-            <a:endParaRPr lang="en-SG" sz="1600" b="1" dirty="0"/>
-          </a:p>
-        </p:txBody>
-      </p:sp>
-      <p:cxnSp>
-        <p:nvCxnSpPr>
-          <p:cNvPr id="104" name="Elbow Connector 103"/>
-          <p:cNvCxnSpPr>
-            <a:stCxn id="52" idx="2"/>
-            <a:endCxn id="51" idx="1"/>
-          </p:cNvCxnSpPr>
-          <p:nvPr/>
-        </p:nvCxnSpPr>
-        <p:spPr>
-          <a:xfrm rot="16200000" flipH="1">
-            <a:off x="2268551" y="4047823"/>
-            <a:ext cx="335400" cy="194554"/>
-          </a:xfrm>
-          <a:prstGeom prst="bentConnector2">
-            <a:avLst/>
-          </a:prstGeom>
-          <a:ln w="28575">
-            <a:headEnd type="none" w="med" len="med"/>
-            <a:tailEnd type="arrow" w="med" len="med"/>
-          </a:ln>
-        </p:spPr>
-        <p:style>
-          <a:lnRef idx="2">
-            <a:schemeClr val="accent2">
-              <a:shade val="50000"/>
-            </a:schemeClr>
-          </a:lnRef>
-          <a:fillRef idx="1">
-            <a:schemeClr val="accent2"/>
-          </a:fillRef>
-          <a:effectRef idx="0">
-            <a:schemeClr val="accent2"/>
-          </a:effectRef>
-          <a:fontRef idx="minor">
-            <a:schemeClr val="lt1"/>
-          </a:fontRef>
-        </p:style>
-      </p:cxnSp>
-      <p:sp>
-        <p:nvSpPr>
-          <p:cNvPr id="106" name="Isosceles Triangle 105"/>
-          <p:cNvSpPr/>
-          <p:nvPr/>
-        </p:nvSpPr>
-        <p:spPr>
-          <a:xfrm rot="16200000" flipH="1">
-            <a:off x="3954675" y="914400"/>
-            <a:ext cx="180000" cy="180000"/>
-          </a:xfrm>
-          <a:prstGeom prst="triangle">
-            <a:avLst/>
-          </a:prstGeom>
-        </p:spPr>
-        <p:style>
-          <a:lnRef idx="2">
-            <a:schemeClr val="accent5">
-              <a:shade val="50000"/>
-            </a:schemeClr>
-          </a:lnRef>
-          <a:fillRef idx="1">
-            <a:schemeClr val="accent5"/>
-          </a:fillRef>
-          <a:effectRef idx="0">
-            <a:schemeClr val="accent5"/>
-          </a:effectRef>
-          <a:fontRef idx="minor">
-            <a:schemeClr val="lt1"/>
-          </a:fontRef>
-        </p:style>
-        <p:txBody>
-          <a:bodyPr rtlCol="0" anchor="ctr"/>
-          <a:lstStyle/>
-          <a:p>
-            <a:pPr algn="ctr"/>
-            <a:endParaRPr lang="en-SG" sz="1600" b="1"/>
-          </a:p>
-        </p:txBody>
-      </p:sp>
-      <p:cxnSp>
-        <p:nvCxnSpPr>
-          <p:cNvPr id="108" name="Elbow Connector 107"/>
-          <p:cNvCxnSpPr>
-            <a:stCxn id="106" idx="3"/>
-            <a:endCxn id="105" idx="3"/>
-          </p:cNvCxnSpPr>
-          <p:nvPr/>
-        </p:nvCxnSpPr>
-        <p:spPr>
-          <a:xfrm flipH="1">
-            <a:off x="3886200" y="1004400"/>
-            <a:ext cx="248475" cy="375600"/>
-          </a:xfrm>
-          <a:prstGeom prst="bentConnector3">
-            <a:avLst>
-              <a:gd name="adj1" fmla="val -92001"/>
-            </a:avLst>
-          </a:prstGeom>
-          <a:ln w="25400">
-            <a:headEnd type="none" w="med" len="med"/>
-            <a:tailEnd type="none" w="med" len="med"/>
-          </a:ln>
-        </p:spPr>
-        <p:style>
-          <a:lnRef idx="1">
-            <a:schemeClr val="accent5"/>
-          </a:lnRef>
-          <a:fillRef idx="0">
-            <a:schemeClr val="accent5"/>
-          </a:fillRef>
-          <a:effectRef idx="0">
-            <a:schemeClr val="accent5"/>
-          </a:effectRef>
-          <a:fontRef idx="minor">
-            <a:schemeClr val="tx1"/>
-          </a:fontRef>
-        </p:style>
-      </p:cxnSp>
-      <p:cxnSp>
-        <p:nvCxnSpPr>
-          <p:cNvPr id="109" name="Straight Arrow Connector 108"/>
-          <p:cNvCxnSpPr/>
-          <p:nvPr/>
-        </p:nvCxnSpPr>
-        <p:spPr>
-          <a:xfrm flipV="1">
-            <a:off x="727391" y="999000"/>
-            <a:ext cx="612000" cy="4"/>
-          </a:xfrm>
-          <a:prstGeom prst="straightConnector1">
-            <a:avLst/>
-          </a:prstGeom>
-          <a:ln w="38100">
-            <a:solidFill>
-              <a:schemeClr val="tx1"/>
-            </a:solidFill>
-            <a:prstDash val="sysDash"/>
-            <a:tailEnd type="arrow"/>
-          </a:ln>
-        </p:spPr>
-        <p:style>
-          <a:lnRef idx="1">
-            <a:schemeClr val="accent1"/>
-          </a:lnRef>
-          <a:fillRef idx="0">
-            <a:schemeClr val="accent1"/>
-          </a:fillRef>
-          <a:effectRef idx="0">
-            <a:schemeClr val="accent1"/>
-          </a:effectRef>
-          <a:fontRef idx="minor">
-            <a:schemeClr val="tx1"/>
-          </a:fontRef>
-        </p:style>
-      </p:cxnSp>
-      <p:sp>
-        <p:nvSpPr>
-          <p:cNvPr id="110" name="TextBox 109"/>
-          <p:cNvSpPr txBox="1"/>
-          <p:nvPr/>
-        </p:nvSpPr>
-        <p:spPr>
-          <a:xfrm>
-            <a:off x="76200" y="749778"/>
-            <a:ext cx="1083191" cy="1034911"/>
-          </a:xfrm>
-          <a:prstGeom prst="rect">
-            <a:avLst/>
-          </a:prstGeom>
-          <a:grpFill/>
-          <a:ln>
-            <a:noFill/>
-          </a:ln>
-        </p:spPr>
-        <p:style>
-          <a:lnRef idx="2">
-            <a:schemeClr val="accent1">
-              <a:shade val="50000"/>
-            </a:schemeClr>
-          </a:lnRef>
-          <a:fillRef idx="1">
-            <a:schemeClr val="accent1"/>
-          </a:fillRef>
-          <a:effectRef idx="0">
-            <a:schemeClr val="accent1"/>
-          </a:effectRef>
-          <a:fontRef idx="minor">
-            <a:schemeClr val="lt1"/>
-          </a:fontRef>
-        </p:style>
-        <p:txBody>
-          <a:bodyPr rtlCol="0" anchor="t" anchorCtr="0"/>
-          <a:lstStyle>
-            <a:defPPr>
-              <a:defRPr lang="en-US"/>
-            </a:defPPr>
-            <a:lvl1pPr>
-              <a:defRPr sz="1400" b="1">
-                <a:solidFill>
-                  <a:srgbClr val="7030A0"/>
-                </a:solidFill>
-              </a:defRPr>
-            </a:lvl1pPr>
-            <a:lvl2pPr>
-              <a:defRPr>
-                <a:solidFill>
-                  <a:schemeClr val="lt1"/>
-                </a:solidFill>
-              </a:defRPr>
-            </a:lvl2pPr>
-            <a:lvl3pPr>
-              <a:defRPr>
-                <a:solidFill>
-                  <a:schemeClr val="lt1"/>
-                </a:solidFill>
-              </a:defRPr>
-            </a:lvl3pPr>
-            <a:lvl4pPr>
-              <a:defRPr>
-                <a:solidFill>
-                  <a:schemeClr val="lt1"/>
-                </a:solidFill>
-              </a:defRPr>
-            </a:lvl4pPr>
-            <a:lvl5pPr>
-              <a:defRPr>
-                <a:solidFill>
-                  <a:schemeClr val="lt1"/>
-                </a:solidFill>
-              </a:defRPr>
-            </a:lvl5pPr>
-            <a:lvl6pPr>
-              <a:defRPr>
-                <a:solidFill>
-                  <a:schemeClr val="lt1"/>
-                </a:solidFill>
-              </a:defRPr>
-            </a:lvl6pPr>
-            <a:lvl7pPr>
-              <a:defRPr>
-                <a:solidFill>
-                  <a:schemeClr val="lt1"/>
-                </a:solidFill>
-              </a:defRPr>
-            </a:lvl7pPr>
-            <a:lvl8pPr>
-              <a:defRPr>
-                <a:solidFill>
-                  <a:schemeClr val="lt1"/>
-                </a:solidFill>
-              </a:defRPr>
-            </a:lvl8pPr>
-            <a:lvl9pPr>
-              <a:defRPr>
-                <a:solidFill>
-                  <a:schemeClr val="lt1"/>
-                </a:solidFill>
-              </a:defRPr>
-            </a:lvl9pPr>
-          </a:lstStyle>
-          <a:p>
-            <a:r>
-              <a:rPr lang="en-US" dirty="0" smtClean="0">
-                <a:solidFill>
-                  <a:schemeClr val="tx1"/>
-                </a:solidFill>
-              </a:rPr>
-              <a:t>Public</a:t>
-            </a:r>
-          </a:p>
-          <a:p>
-            <a:r>
-              <a:rPr lang="en-US" dirty="0" smtClean="0">
-                <a:solidFill>
-                  <a:schemeClr val="tx1"/>
-                </a:solidFill>
-              </a:rPr>
-              <a:t>access</a:t>
-            </a:r>
-          </a:p>
-          <a:p>
-            <a:r>
-              <a:rPr lang="en-US" dirty="0" smtClean="0">
-                <a:solidFill>
-                  <a:schemeClr val="tx1"/>
-                </a:solidFill>
-              </a:rPr>
-              <a:t>(not access- controlled)</a:t>
-            </a:r>
-            <a:endParaRPr lang="en-SG" dirty="0">
-              <a:solidFill>
-                <a:schemeClr val="tx1"/>
-              </a:solidFill>
-            </a:endParaRPr>
-          </a:p>
-        </p:txBody>
-      </p:sp>
-      <p:sp>
-        <p:nvSpPr>
-          <p:cNvPr id="111" name="Rectangle 110"/>
-          <p:cNvSpPr/>
-          <p:nvPr/>
-        </p:nvSpPr>
-        <p:spPr>
-          <a:xfrm>
-            <a:off x="1911853" y="1295400"/>
-            <a:ext cx="1898147" cy="288000"/>
-          </a:xfrm>
-          <a:prstGeom prst="rect">
-            <a:avLst/>
-          </a:prstGeom>
-        </p:spPr>
-        <p:style>
-          <a:lnRef idx="2">
-            <a:schemeClr val="accent5">
-              <a:shade val="50000"/>
-            </a:schemeClr>
-          </a:lnRef>
-          <a:fillRef idx="1">
-            <a:schemeClr val="accent5"/>
-          </a:fillRef>
-          <a:effectRef idx="0">
-            <a:schemeClr val="accent5"/>
-          </a:effectRef>
-          <a:fontRef idx="minor">
-            <a:schemeClr val="lt1"/>
-          </a:fontRef>
-        </p:style>
-        <p:txBody>
-          <a:bodyPr rtlCol="0" anchor="ctr"/>
-          <a:lstStyle/>
-          <a:p>
-            <a:pPr algn="ctr"/>
-            <a:endParaRPr lang="en-SG" sz="1600" b="1" dirty="0"/>
-          </a:p>
-        </p:txBody>
-      </p:sp>
-      <p:sp>
-        <p:nvSpPr>
-          <p:cNvPr id="105" name="Rectangle 104"/>
-          <p:cNvSpPr/>
-          <p:nvPr/>
-        </p:nvSpPr>
-        <p:spPr>
-          <a:xfrm>
-            <a:off x="1988053" y="1236000"/>
-            <a:ext cx="1898147" cy="288000"/>
-          </a:xfrm>
-          <a:prstGeom prst="rect">
-            <a:avLst/>
-          </a:prstGeom>
-        </p:spPr>
-        <p:style>
-          <a:lnRef idx="2">
-            <a:schemeClr val="accent5">
-              <a:shade val="50000"/>
-            </a:schemeClr>
-          </a:lnRef>
-          <a:fillRef idx="1">
-            <a:schemeClr val="accent5"/>
-          </a:fillRef>
-          <a:effectRef idx="0">
-            <a:schemeClr val="accent5"/>
-          </a:effectRef>
-          <a:fontRef idx="minor">
-            <a:schemeClr val="lt1"/>
-          </a:fontRef>
-        </p:style>
-        <p:txBody>
-          <a:bodyPr rtlCol="0" anchor="ctr"/>
-          <a:lstStyle/>
-          <a:p>
-            <a:pPr algn="ctr"/>
-            <a:r>
-              <a:rPr lang="en-US" sz="1600" b="1" dirty="0" smtClean="0"/>
-              <a:t>Public*Servlet</a:t>
-            </a:r>
-            <a:endParaRPr lang="en-SG" sz="1600" b="1" dirty="0"/>
-          </a:p>
-        </p:txBody>
-      </p:sp>
-      <p:sp>
-        <p:nvSpPr>
-          <p:cNvPr id="107" name="Rectangle 106"/>
-          <p:cNvSpPr/>
-          <p:nvPr/>
-        </p:nvSpPr>
-        <p:spPr>
-          <a:xfrm>
-            <a:off x="5618610" y="3978144"/>
-            <a:ext cx="1688863" cy="303312"/>
-          </a:xfrm>
-          <a:prstGeom prst="rect">
-            <a:avLst/>
-          </a:prstGeom>
-          <a:solidFill>
-            <a:schemeClr val="accent4">
-              <a:lumMod val="60000"/>
-              <a:lumOff val="40000"/>
-            </a:schemeClr>
-          </a:solidFill>
-        </p:spPr>
-        <p:style>
-          <a:lnRef idx="2">
-            <a:schemeClr val="accent4">
-              <a:shade val="50000"/>
-            </a:schemeClr>
-          </a:lnRef>
-          <a:fillRef idx="1">
-            <a:schemeClr val="accent4"/>
-          </a:fillRef>
-          <a:effectRef idx="0">
-            <a:schemeClr val="accent4"/>
-          </a:effectRef>
-          <a:fontRef idx="minor">
-            <a:schemeClr val="lt1"/>
-          </a:fontRef>
-        </p:style>
-        <p:txBody>
-          <a:bodyPr rtlCol="0" anchor="ctr"/>
-          <a:lstStyle/>
-          <a:p>
-            <a:pPr algn="ctr"/>
-            <a:r>
-              <a:rPr lang="en-US" sz="1600" b="1" dirty="0" err="1" smtClean="0"/>
-              <a:t>Sendgrid</a:t>
-            </a:r>
-            <a:endParaRPr lang="en-SG" sz="1600" b="1" dirty="0"/>
-          </a:p>
-        </p:txBody>
-      </p:sp>
     </p:spTree>
     <p:extLst>
       <p:ext uri="{BB962C8B-B14F-4D97-AF65-F5344CB8AC3E}">
@@ -8135,4 +7298,265 @@
   <a:objectDefaults/>
   <a:extraClrSchemeLst/>
 </a:theme>
+</file>
+
+<file path=ppt/theme/theme3.xml><?xml version="1.0" encoding="utf-8"?>
+<a:theme xmlns:a="http://schemas.openxmlformats.org/drawingml/2006/main" name="Office Theme">
+  <a:themeElements>
+    <a:clrScheme name="Office">
+      <a:dk1>
+        <a:sysClr val="windowText" lastClr="000000"/>
+      </a:dk1>
+      <a:lt1>
+        <a:sysClr val="window" lastClr="FFFFFF"/>
+      </a:lt1>
+      <a:dk2>
+        <a:srgbClr val="44546A"/>
+      </a:dk2>
+      <a:lt2>
+        <a:srgbClr val="E7E6E6"/>
+      </a:lt2>
+      <a:accent1>
+        <a:srgbClr val="5B9BD5"/>
+      </a:accent1>
+      <a:accent2>
+        <a:srgbClr val="ED7D31"/>
+      </a:accent2>
+      <a:accent3>
+        <a:srgbClr val="A5A5A5"/>
+      </a:accent3>
+      <a:accent4>
+        <a:srgbClr val="FFC000"/>
+      </a:accent4>
+      <a:accent5>
+        <a:srgbClr val="4472C4"/>
+      </a:accent5>
+      <a:accent6>
+        <a:srgbClr val="70AD47"/>
+      </a:accent6>
+      <a:hlink>
+        <a:srgbClr val="0563C1"/>
+      </a:hlink>
+      <a:folHlink>
+        <a:srgbClr val="954F72"/>
+      </a:folHlink>
+    </a:clrScheme>
+    <a:fontScheme name="Office">
+      <a:majorFont>
+        <a:latin typeface="Calibri Light" panose="020F0302020204030204"/>
+        <a:ea typeface=""/>
+        <a:cs typeface=""/>
+        <a:font script="Jpan" typeface="ＭＳ Ｐゴシック"/>
+        <a:font script="Hang" typeface="맑은 고딕"/>
+        <a:font script="Hans" typeface="宋体"/>
+        <a:font script="Hant" typeface="新細明體"/>
+        <a:font script="Arab" typeface="Times New Roman"/>
+        <a:font script="Hebr" typeface="Times New Roman"/>
+        <a:font script="Thai" typeface="Angsana New"/>
+        <a:font script="Ethi" typeface="Nyala"/>
+        <a:font script="Beng" typeface="Vrinda"/>
+        <a:font script="Gujr" typeface="Shruti"/>
+        <a:font script="Khmr" typeface="MoolBoran"/>
+        <a:font script="Knda" typeface="Tunga"/>
+        <a:font script="Guru" typeface="Raavi"/>
+        <a:font script="Cans" typeface="Euphemia"/>
+        <a:font script="Cher" typeface="Plantagenet Cherokee"/>
+        <a:font script="Yiii" typeface="Microsoft Yi Baiti"/>
+        <a:font script="Tibt" typeface="Microsoft Himalaya"/>
+        <a:font script="Thaa" typeface="MV Boli"/>
+        <a:font script="Deva" typeface="Mangal"/>
+        <a:font script="Telu" typeface="Gautami"/>
+        <a:font script="Taml" typeface="Latha"/>
+        <a:font script="Syrc" typeface="Estrangelo Edessa"/>
+        <a:font script="Orya" typeface="Kalinga"/>
+        <a:font script="Mlym" typeface="Kartika"/>
+        <a:font script="Laoo" typeface="DokChampa"/>
+        <a:font script="Sinh" typeface="Iskoola Pota"/>
+        <a:font script="Mong" typeface="Mongolian Baiti"/>
+        <a:font script="Viet" typeface="Times New Roman"/>
+        <a:font script="Uigh" typeface="Microsoft Uighur"/>
+        <a:font script="Geor" typeface="Sylfaen"/>
+      </a:majorFont>
+      <a:minorFont>
+        <a:latin typeface="Calibri" panose="020F0502020204030204"/>
+        <a:ea typeface=""/>
+        <a:cs typeface=""/>
+        <a:font script="Jpan" typeface="ＭＳ Ｐゴシック"/>
+        <a:font script="Hang" typeface="맑은 고딕"/>
+        <a:font script="Hans" typeface="宋体"/>
+        <a:font script="Hant" typeface="新細明體"/>
+        <a:font script="Arab" typeface="Arial"/>
+        <a:font script="Hebr" typeface="Arial"/>
+        <a:font script="Thai" typeface="Cordia New"/>
+        <a:font script="Ethi" typeface="Nyala"/>
+        <a:font script="Beng" typeface="Vrinda"/>
+        <a:font script="Gujr" typeface="Shruti"/>
+        <a:font script="Khmr" typeface="DaunPenh"/>
+        <a:font script="Knda" typeface="Tunga"/>
+        <a:font script="Guru" typeface="Raavi"/>
+        <a:font script="Cans" typeface="Euphemia"/>
+        <a:font script="Cher" typeface="Plantagenet Cherokee"/>
+        <a:font script="Yiii" typeface="Microsoft Yi Baiti"/>
+        <a:font script="Tibt" typeface="Microsoft Himalaya"/>
+        <a:font script="Thaa" typeface="MV Boli"/>
+        <a:font script="Deva" typeface="Mangal"/>
+        <a:font script="Telu" typeface="Gautami"/>
+        <a:font script="Taml" typeface="Latha"/>
+        <a:font script="Syrc" typeface="Estrangelo Edessa"/>
+        <a:font script="Orya" typeface="Kalinga"/>
+        <a:font script="Mlym" typeface="Kartika"/>
+        <a:font script="Laoo" typeface="DokChampa"/>
+        <a:font script="Sinh" typeface="Iskoola Pota"/>
+        <a:font script="Mong" typeface="Mongolian Baiti"/>
+        <a:font script="Viet" typeface="Arial"/>
+        <a:font script="Uigh" typeface="Microsoft Uighur"/>
+        <a:font script="Geor" typeface="Sylfaen"/>
+      </a:minorFont>
+    </a:fontScheme>
+    <a:fmtScheme name="Office">
+      <a:fillStyleLst>
+        <a:solidFill>
+          <a:schemeClr val="phClr"/>
+        </a:solidFill>
+        <a:gradFill rotWithShape="1">
+          <a:gsLst>
+            <a:gs pos="0">
+              <a:schemeClr val="phClr">
+                <a:lumMod val="110000"/>
+                <a:satMod val="105000"/>
+                <a:tint val="67000"/>
+              </a:schemeClr>
+            </a:gs>
+            <a:gs pos="50000">
+              <a:schemeClr val="phClr">
+                <a:lumMod val="105000"/>
+                <a:satMod val="103000"/>
+                <a:tint val="73000"/>
+              </a:schemeClr>
+            </a:gs>
+            <a:gs pos="100000">
+              <a:schemeClr val="phClr">
+                <a:lumMod val="105000"/>
+                <a:satMod val="109000"/>
+                <a:tint val="81000"/>
+              </a:schemeClr>
+            </a:gs>
+          </a:gsLst>
+          <a:lin ang="5400000" scaled="0"/>
+        </a:gradFill>
+        <a:gradFill rotWithShape="1">
+          <a:gsLst>
+            <a:gs pos="0">
+              <a:schemeClr val="phClr">
+                <a:satMod val="103000"/>
+                <a:lumMod val="102000"/>
+                <a:tint val="94000"/>
+              </a:schemeClr>
+            </a:gs>
+            <a:gs pos="50000">
+              <a:schemeClr val="phClr">
+                <a:satMod val="110000"/>
+                <a:lumMod val="100000"/>
+                <a:shade val="100000"/>
+              </a:schemeClr>
+            </a:gs>
+            <a:gs pos="100000">
+              <a:schemeClr val="phClr">
+                <a:lumMod val="99000"/>
+                <a:satMod val="120000"/>
+                <a:shade val="78000"/>
+              </a:schemeClr>
+            </a:gs>
+          </a:gsLst>
+          <a:lin ang="5400000" scaled="0"/>
+        </a:gradFill>
+      </a:fillStyleLst>
+      <a:lnStyleLst>
+        <a:ln w="6350" cap="flat" cmpd="sng" algn="ctr">
+          <a:solidFill>
+            <a:schemeClr val="phClr"/>
+          </a:solidFill>
+          <a:prstDash val="solid"/>
+          <a:miter lim="800000"/>
+        </a:ln>
+        <a:ln w="12700" cap="flat" cmpd="sng" algn="ctr">
+          <a:solidFill>
+            <a:schemeClr val="phClr"/>
+          </a:solidFill>
+          <a:prstDash val="solid"/>
+          <a:miter lim="800000"/>
+        </a:ln>
+        <a:ln w="19050" cap="flat" cmpd="sng" algn="ctr">
+          <a:solidFill>
+            <a:schemeClr val="phClr"/>
+          </a:solidFill>
+          <a:prstDash val="solid"/>
+          <a:miter lim="800000"/>
+        </a:ln>
+      </a:lnStyleLst>
+      <a:effectStyleLst>
+        <a:effectStyle>
+          <a:effectLst/>
+        </a:effectStyle>
+        <a:effectStyle>
+          <a:effectLst/>
+        </a:effectStyle>
+        <a:effectStyle>
+          <a:effectLst>
+            <a:outerShdw blurRad="57150" dist="19050" dir="5400000" algn="ctr" rotWithShape="0">
+              <a:srgbClr val="000000">
+                <a:alpha val="63000"/>
+              </a:srgbClr>
+            </a:outerShdw>
+          </a:effectLst>
+        </a:effectStyle>
+      </a:effectStyleLst>
+      <a:bgFillStyleLst>
+        <a:solidFill>
+          <a:schemeClr val="phClr"/>
+        </a:solidFill>
+        <a:solidFill>
+          <a:schemeClr val="phClr">
+            <a:tint val="95000"/>
+            <a:satMod val="170000"/>
+          </a:schemeClr>
+        </a:solidFill>
+        <a:gradFill rotWithShape="1">
+          <a:gsLst>
+            <a:gs pos="0">
+              <a:schemeClr val="phClr">
+                <a:tint val="93000"/>
+                <a:satMod val="150000"/>
+                <a:shade val="98000"/>
+                <a:lumMod val="102000"/>
+              </a:schemeClr>
+            </a:gs>
+            <a:gs pos="50000">
+              <a:schemeClr val="phClr">
+                <a:tint val="98000"/>
+                <a:satMod val="130000"/>
+                <a:shade val="90000"/>
+                <a:lumMod val="103000"/>
+              </a:schemeClr>
+            </a:gs>
+            <a:gs pos="100000">
+              <a:schemeClr val="phClr">
+                <a:shade val="63000"/>
+                <a:satMod val="120000"/>
+              </a:schemeClr>
+            </a:gs>
+          </a:gsLst>
+          <a:lin ang="5400000" scaled="0"/>
+        </a:gradFill>
+      </a:bgFillStyleLst>
+    </a:fmtScheme>
+  </a:themeElements>
+  <a:objectDefaults/>
+  <a:extraClrSchemeLst/>
+  <a:extLst>
+    <a:ext uri="{05A4C25C-085E-4340-85A3-A5531E510DB2}">
+      <thm15:themeFamily xmlns:thm15="http://schemas.microsoft.com/office/thememl/2012/main" name="Office Theme" id="{62F939B6-93AF-4DB8-9C6B-D6C7DFDC589F}" vid="{4A3C46E8-61CC-4603-A589-7422A47A8E4A}"/>
+    </a:ext>
+  </a:extLst>
+</a:theme>
 </file>
--- a/docs/images/LogicComponent.pptx
+++ b/docs/images/LogicComponent.pptx
@@ -13,7 +13,7 @@
   <p:sldIdLst>
     <p:sldId id="256" r:id="rId2"/>
   </p:sldIdLst>
-  <p:sldSz cx="9144000" cy="6300788"/>
+  <p:sldSz cx="9144000" cy="7740650"/>
   <p:notesSz cx="6858000" cy="9144000"/>
   <p:defaultTextStyle>
     <a:defPPr>
@@ -113,7 +113,7 @@
   <p:extLst>
     <p:ext uri="{EFAFB233-063F-42B5-8137-9DF3F51BA10A}">
       <p15:sldGuideLst xmlns:p15="http://schemas.microsoft.com/office/powerpoint/2012/main">
-        <p15:guide id="1" orient="horz" pos="1985" userDrawn="1">
+        <p15:guide id="1" orient="horz" pos="2438" userDrawn="1">
           <p15:clr>
             <a:srgbClr val="A4A3A4"/>
           </p15:clr>
@@ -214,7 +214,7 @@
           <a:p>
             <a:fld id="{AC0A4F7A-2FF6-4B0C-9CFC-82AE92BD66AF}" type="datetimeFigureOut">
               <a:rPr lang="en-AU" smtClean="0"/>
-              <a:t>17/09/2018</a:t>
+              <a:t>28/01/2017</a:t>
             </a:fld>
             <a:endParaRPr lang="en-AU"/>
           </a:p>
@@ -380,7 +380,7 @@
             <a:fld id="{AF301891-4E62-472A-98E9-95DBD40531A4}" type="datetimeFigureOut">
               <a:rPr lang="en-SG" smtClean="0"/>
               <a:pPr/>
-              <a:t>17/9/2018</a:t>
+              <a:t>28/1/2017</a:t>
             </a:fld>
             <a:endParaRPr lang="en-SG"/>
           </a:p>
@@ -398,8 +398,8 @@
         </p:nvSpPr>
         <p:spPr>
           <a:xfrm>
-            <a:off x="941388" y="685800"/>
-            <a:ext cx="4975225" cy="3429000"/>
+            <a:off x="1403350" y="685800"/>
+            <a:ext cx="4051300" cy="3429000"/>
           </a:xfrm>
           <a:prstGeom prst="rect">
             <a:avLst/>
@@ -678,8 +678,8 @@
         </p:nvSpPr>
         <p:spPr>
           <a:xfrm>
-            <a:off x="941388" y="685800"/>
-            <a:ext cx="4975225" cy="3429000"/>
+            <a:off x="1403350" y="685800"/>
+            <a:ext cx="4051300" cy="3429000"/>
           </a:xfrm>
         </p:spPr>
       </p:sp>
@@ -768,8 +768,8 @@
         </p:nvSpPr>
         <p:spPr>
           <a:xfrm>
-            <a:off x="685800" y="1957332"/>
-            <a:ext cx="7772400" cy="1350586"/>
+            <a:off x="685800" y="2404621"/>
+            <a:ext cx="7772400" cy="1659223"/>
           </a:xfrm>
           <a:prstGeom prst="rect">
             <a:avLst/>
@@ -799,8 +799,8 @@
         </p:nvSpPr>
         <p:spPr>
           <a:xfrm>
-            <a:off x="1371600" y="3570447"/>
-            <a:ext cx="6400800" cy="1610201"/>
+            <a:off x="1371600" y="4386369"/>
+            <a:ext cx="6400800" cy="1978166"/>
           </a:xfrm>
           <a:prstGeom prst="rect">
             <a:avLst/>
@@ -839,7 +839,7 @@
                 </a:solidFill>
               </a:defRPr>
             </a:lvl3pPr>
-            <a:lvl4pPr marL="1371598" indent="0" algn="ctr">
+            <a:lvl4pPr marL="1371600" indent="0" algn="ctr">
               <a:buNone/>
               <a:defRPr>
                 <a:solidFill>
@@ -849,7 +849,7 @@
                 </a:solidFill>
               </a:defRPr>
             </a:lvl4pPr>
-            <a:lvl5pPr marL="1828798" indent="0" algn="ctr">
+            <a:lvl5pPr marL="1828800" indent="0" algn="ctr">
               <a:buNone/>
               <a:defRPr>
                 <a:solidFill>
@@ -859,7 +859,7 @@
                 </a:solidFill>
               </a:defRPr>
             </a:lvl5pPr>
-            <a:lvl6pPr marL="2285998" indent="0" algn="ctr">
+            <a:lvl6pPr marL="2286000" indent="0" algn="ctr">
               <a:buNone/>
               <a:defRPr>
                 <a:solidFill>
@@ -869,7 +869,7 @@
                 </a:solidFill>
               </a:defRPr>
             </a:lvl6pPr>
-            <a:lvl7pPr marL="2743198" indent="0" algn="ctr">
+            <a:lvl7pPr marL="2743200" indent="0" algn="ctr">
               <a:buNone/>
               <a:defRPr>
                 <a:solidFill>
@@ -879,7 +879,7 @@
                 </a:solidFill>
               </a:defRPr>
             </a:lvl7pPr>
-            <a:lvl8pPr marL="3200397" indent="0" algn="ctr">
+            <a:lvl8pPr marL="3200400" indent="0" algn="ctr">
               <a:buNone/>
               <a:defRPr>
                 <a:solidFill>
@@ -889,7 +889,7 @@
                 </a:solidFill>
               </a:defRPr>
             </a:lvl8pPr>
-            <a:lvl9pPr marL="3657596" indent="0" algn="ctr">
+            <a:lvl9pPr marL="3657600" indent="0" algn="ctr">
               <a:buNone/>
               <a:defRPr>
                 <a:solidFill>
@@ -921,8 +921,8 @@
         </p:nvSpPr>
         <p:spPr>
           <a:xfrm>
-            <a:off x="457200" y="5839899"/>
-            <a:ext cx="2133600" cy="335460"/>
+            <a:off x="457200" y="7174438"/>
+            <a:ext cx="2133600" cy="412118"/>
           </a:xfrm>
           <a:prstGeom prst="rect">
             <a:avLst/>
@@ -935,7 +935,7 @@
             <a:fld id="{1D8BD707-D9CF-40AE-B4C6-C98DA3205C09}" type="datetimeFigureOut">
               <a:rPr lang="en-US" smtClean="0"/>
               <a:pPr/>
-              <a:t>9/17/2018</a:t>
+              <a:t>1/28/2017</a:t>
             </a:fld>
             <a:endParaRPr lang="en-US"/>
           </a:p>
@@ -953,8 +953,8 @@
         </p:nvSpPr>
         <p:spPr>
           <a:xfrm>
-            <a:off x="3124200" y="5839899"/>
-            <a:ext cx="2895600" cy="335460"/>
+            <a:off x="3124200" y="7174438"/>
+            <a:ext cx="2895600" cy="412118"/>
           </a:xfrm>
           <a:prstGeom prst="rect">
             <a:avLst/>
@@ -980,8 +980,8 @@
         </p:nvSpPr>
         <p:spPr>
           <a:xfrm>
-            <a:off x="6553200" y="5839899"/>
-            <a:ext cx="2133600" cy="335460"/>
+            <a:off x="6553200" y="7174438"/>
+            <a:ext cx="2133600" cy="412118"/>
           </a:xfrm>
           <a:prstGeom prst="rect">
             <a:avLst/>
@@ -1044,8 +1044,8 @@
         </p:nvSpPr>
         <p:spPr>
           <a:xfrm>
-            <a:off x="457200" y="252325"/>
-            <a:ext cx="8229600" cy="1050132"/>
+            <a:off x="457200" y="309986"/>
+            <a:ext cx="8229600" cy="1290108"/>
           </a:xfrm>
           <a:prstGeom prst="rect">
             <a:avLst/>
@@ -1075,8 +1075,8 @@
         </p:nvSpPr>
         <p:spPr>
           <a:xfrm>
-            <a:off x="457200" y="1470188"/>
-            <a:ext cx="8229600" cy="4158229"/>
+            <a:off x="457200" y="1806152"/>
+            <a:ext cx="8229600" cy="5108471"/>
           </a:xfrm>
           <a:prstGeom prst="rect">
             <a:avLst/>
@@ -1135,8 +1135,8 @@
         </p:nvSpPr>
         <p:spPr>
           <a:xfrm>
-            <a:off x="457200" y="5839899"/>
-            <a:ext cx="2133600" cy="335460"/>
+            <a:off x="457200" y="7174438"/>
+            <a:ext cx="2133600" cy="412118"/>
           </a:xfrm>
           <a:prstGeom prst="rect">
             <a:avLst/>
@@ -1149,7 +1149,7 @@
             <a:fld id="{1D8BD707-D9CF-40AE-B4C6-C98DA3205C09}" type="datetimeFigureOut">
               <a:rPr lang="en-US" smtClean="0"/>
               <a:pPr/>
-              <a:t>9/17/2018</a:t>
+              <a:t>1/28/2017</a:t>
             </a:fld>
             <a:endParaRPr lang="en-US"/>
           </a:p>
@@ -1167,8 +1167,8 @@
         </p:nvSpPr>
         <p:spPr>
           <a:xfrm>
-            <a:off x="3124200" y="5839899"/>
-            <a:ext cx="2895600" cy="335460"/>
+            <a:off x="3124200" y="7174438"/>
+            <a:ext cx="2895600" cy="412118"/>
           </a:xfrm>
           <a:prstGeom prst="rect">
             <a:avLst/>
@@ -1194,8 +1194,8 @@
         </p:nvSpPr>
         <p:spPr>
           <a:xfrm>
-            <a:off x="6553200" y="5839899"/>
-            <a:ext cx="2133600" cy="335460"/>
+            <a:off x="6553200" y="7174438"/>
+            <a:ext cx="2133600" cy="412118"/>
           </a:xfrm>
           <a:prstGeom prst="rect">
             <a:avLst/>
@@ -1251,8 +1251,8 @@
         </p:nvSpPr>
         <p:spPr>
           <a:xfrm>
-            <a:off x="6629400" y="252328"/>
-            <a:ext cx="2057400" cy="5376089"/>
+            <a:off x="6629400" y="309988"/>
+            <a:ext cx="2057400" cy="6604638"/>
           </a:xfrm>
           <a:prstGeom prst="rect">
             <a:avLst/>
@@ -1282,8 +1282,8 @@
         </p:nvSpPr>
         <p:spPr>
           <a:xfrm>
-            <a:off x="457200" y="252328"/>
-            <a:ext cx="6019800" cy="5376089"/>
+            <a:off x="457200" y="309988"/>
+            <a:ext cx="6019800" cy="6604638"/>
           </a:xfrm>
           <a:prstGeom prst="rect">
             <a:avLst/>
@@ -1342,8 +1342,8 @@
         </p:nvSpPr>
         <p:spPr>
           <a:xfrm>
-            <a:off x="457200" y="5839899"/>
-            <a:ext cx="2133600" cy="335460"/>
+            <a:off x="457200" y="7174438"/>
+            <a:ext cx="2133600" cy="412118"/>
           </a:xfrm>
           <a:prstGeom prst="rect">
             <a:avLst/>
@@ -1356,7 +1356,7 @@
             <a:fld id="{1D8BD707-D9CF-40AE-B4C6-C98DA3205C09}" type="datetimeFigureOut">
               <a:rPr lang="en-US" smtClean="0"/>
               <a:pPr/>
-              <a:t>9/17/2018</a:t>
+              <a:t>1/28/2017</a:t>
             </a:fld>
             <a:endParaRPr lang="en-US"/>
           </a:p>
@@ -1374,8 +1374,8 @@
         </p:nvSpPr>
         <p:spPr>
           <a:xfrm>
-            <a:off x="3124200" y="5839899"/>
-            <a:ext cx="2895600" cy="335460"/>
+            <a:off x="3124200" y="7174438"/>
+            <a:ext cx="2895600" cy="412118"/>
           </a:xfrm>
           <a:prstGeom prst="rect">
             <a:avLst/>
@@ -1401,8 +1401,8 @@
         </p:nvSpPr>
         <p:spPr>
           <a:xfrm>
-            <a:off x="6553200" y="5839899"/>
-            <a:ext cx="2133600" cy="335460"/>
+            <a:off x="6553200" y="7174438"/>
+            <a:ext cx="2133600" cy="412118"/>
           </a:xfrm>
           <a:prstGeom prst="rect">
             <a:avLst/>
@@ -1458,8 +1458,8 @@
         </p:nvSpPr>
         <p:spPr>
           <a:xfrm>
-            <a:off x="457200" y="252325"/>
-            <a:ext cx="8229600" cy="1050132"/>
+            <a:off x="457200" y="309986"/>
+            <a:ext cx="8229600" cy="1290108"/>
           </a:xfrm>
           <a:prstGeom prst="rect">
             <a:avLst/>
@@ -1489,8 +1489,8 @@
         </p:nvSpPr>
         <p:spPr>
           <a:xfrm>
-            <a:off x="457200" y="1470188"/>
-            <a:ext cx="8229600" cy="4158229"/>
+            <a:off x="457200" y="1806152"/>
+            <a:ext cx="8229600" cy="5108471"/>
           </a:xfrm>
           <a:prstGeom prst="rect">
             <a:avLst/>
@@ -1549,8 +1549,8 @@
         </p:nvSpPr>
         <p:spPr>
           <a:xfrm>
-            <a:off x="457200" y="5839899"/>
-            <a:ext cx="2133600" cy="335460"/>
+            <a:off x="457200" y="7174438"/>
+            <a:ext cx="2133600" cy="412118"/>
           </a:xfrm>
           <a:prstGeom prst="rect">
             <a:avLst/>
@@ -1563,7 +1563,7 @@
             <a:fld id="{1D8BD707-D9CF-40AE-B4C6-C98DA3205C09}" type="datetimeFigureOut">
               <a:rPr lang="en-US" smtClean="0"/>
               <a:pPr/>
-              <a:t>9/17/2018</a:t>
+              <a:t>1/28/2017</a:t>
             </a:fld>
             <a:endParaRPr lang="en-US"/>
           </a:p>
@@ -1581,8 +1581,8 @@
         </p:nvSpPr>
         <p:spPr>
           <a:xfrm>
-            <a:off x="3124200" y="5839899"/>
-            <a:ext cx="2895600" cy="335460"/>
+            <a:off x="3124200" y="7174438"/>
+            <a:ext cx="2895600" cy="412118"/>
           </a:xfrm>
           <a:prstGeom prst="rect">
             <a:avLst/>
@@ -1608,8 +1608,8 @@
         </p:nvSpPr>
         <p:spPr>
           <a:xfrm>
-            <a:off x="6553200" y="5839899"/>
-            <a:ext cx="2133600" cy="335460"/>
+            <a:off x="6553200" y="7174438"/>
+            <a:ext cx="2133600" cy="412118"/>
           </a:xfrm>
           <a:prstGeom prst="rect">
             <a:avLst/>
@@ -1665,8 +1665,8 @@
         </p:nvSpPr>
         <p:spPr>
           <a:xfrm>
-            <a:off x="722313" y="4048842"/>
-            <a:ext cx="7772400" cy="1251407"/>
+            <a:off x="722313" y="4974086"/>
+            <a:ext cx="7772400" cy="1537379"/>
           </a:xfrm>
           <a:prstGeom prst="rect">
             <a:avLst/>
@@ -1700,8 +1700,8 @@
         </p:nvSpPr>
         <p:spPr>
           <a:xfrm>
-            <a:off x="722313" y="2670546"/>
-            <a:ext cx="7772400" cy="1378296"/>
+            <a:off x="722313" y="3280820"/>
+            <a:ext cx="7772400" cy="1693266"/>
           </a:xfrm>
           <a:prstGeom prst="rect">
             <a:avLst/>
@@ -1740,7 +1740,7 @@
                 </a:solidFill>
               </a:defRPr>
             </a:lvl3pPr>
-            <a:lvl4pPr marL="1371598" indent="0">
+            <a:lvl4pPr marL="1371600" indent="0">
               <a:buNone/>
               <a:defRPr sz="1400">
                 <a:solidFill>
@@ -1750,7 +1750,7 @@
                 </a:solidFill>
               </a:defRPr>
             </a:lvl4pPr>
-            <a:lvl5pPr marL="1828798" indent="0">
+            <a:lvl5pPr marL="1828800" indent="0">
               <a:buNone/>
               <a:defRPr sz="1400">
                 <a:solidFill>
@@ -1760,7 +1760,7 @@
                 </a:solidFill>
               </a:defRPr>
             </a:lvl5pPr>
-            <a:lvl6pPr marL="2285998" indent="0">
+            <a:lvl6pPr marL="2286000" indent="0">
               <a:buNone/>
               <a:defRPr sz="1400">
                 <a:solidFill>
@@ -1770,7 +1770,7 @@
                 </a:solidFill>
               </a:defRPr>
             </a:lvl6pPr>
-            <a:lvl7pPr marL="2743198" indent="0">
+            <a:lvl7pPr marL="2743200" indent="0">
               <a:buNone/>
               <a:defRPr sz="1400">
                 <a:solidFill>
@@ -1780,7 +1780,7 @@
                 </a:solidFill>
               </a:defRPr>
             </a:lvl7pPr>
-            <a:lvl8pPr marL="3200397" indent="0">
+            <a:lvl8pPr marL="3200400" indent="0">
               <a:buNone/>
               <a:defRPr sz="1400">
                 <a:solidFill>
@@ -1790,7 +1790,7 @@
                 </a:solidFill>
               </a:defRPr>
             </a:lvl8pPr>
-            <a:lvl9pPr marL="3657596" indent="0">
+            <a:lvl9pPr marL="3657600" indent="0">
               <a:buNone/>
               <a:defRPr sz="1400">
                 <a:solidFill>
@@ -1822,8 +1822,8 @@
         </p:nvSpPr>
         <p:spPr>
           <a:xfrm>
-            <a:off x="457200" y="5839899"/>
-            <a:ext cx="2133600" cy="335460"/>
+            <a:off x="457200" y="7174438"/>
+            <a:ext cx="2133600" cy="412118"/>
           </a:xfrm>
           <a:prstGeom prst="rect">
             <a:avLst/>
@@ -1836,7 +1836,7 @@
             <a:fld id="{1D8BD707-D9CF-40AE-B4C6-C98DA3205C09}" type="datetimeFigureOut">
               <a:rPr lang="en-US" smtClean="0"/>
               <a:pPr/>
-              <a:t>9/17/2018</a:t>
+              <a:t>1/28/2017</a:t>
             </a:fld>
             <a:endParaRPr lang="en-US"/>
           </a:p>
@@ -1854,8 +1854,8 @@
         </p:nvSpPr>
         <p:spPr>
           <a:xfrm>
-            <a:off x="3124200" y="5839899"/>
-            <a:ext cx="2895600" cy="335460"/>
+            <a:off x="3124200" y="7174438"/>
+            <a:ext cx="2895600" cy="412118"/>
           </a:xfrm>
           <a:prstGeom prst="rect">
             <a:avLst/>
@@ -1881,8 +1881,8 @@
         </p:nvSpPr>
         <p:spPr>
           <a:xfrm>
-            <a:off x="6553200" y="5839899"/>
-            <a:ext cx="2133600" cy="335460"/>
+            <a:off x="6553200" y="7174438"/>
+            <a:ext cx="2133600" cy="412118"/>
           </a:xfrm>
           <a:prstGeom prst="rect">
             <a:avLst/>
@@ -1938,8 +1938,8 @@
         </p:nvSpPr>
         <p:spPr>
           <a:xfrm>
-            <a:off x="457200" y="252325"/>
-            <a:ext cx="8229600" cy="1050132"/>
+            <a:off x="457200" y="309986"/>
+            <a:ext cx="8229600" cy="1290108"/>
           </a:xfrm>
           <a:prstGeom prst="rect">
             <a:avLst/>
@@ -1969,8 +1969,8 @@
         </p:nvSpPr>
         <p:spPr>
           <a:xfrm>
-            <a:off x="457200" y="1470188"/>
-            <a:ext cx="4038600" cy="4158229"/>
+            <a:off x="457200" y="1806152"/>
+            <a:ext cx="4038600" cy="5108471"/>
           </a:xfrm>
           <a:prstGeom prst="rect">
             <a:avLst/>
@@ -2057,8 +2057,8 @@
         </p:nvSpPr>
         <p:spPr>
           <a:xfrm>
-            <a:off x="4648200" y="1470188"/>
-            <a:ext cx="4038600" cy="4158229"/>
+            <a:off x="4648200" y="1806152"/>
+            <a:ext cx="4038600" cy="5108471"/>
           </a:xfrm>
           <a:prstGeom prst="rect">
             <a:avLst/>
@@ -2145,8 +2145,8 @@
         </p:nvSpPr>
         <p:spPr>
           <a:xfrm>
-            <a:off x="457200" y="5839899"/>
-            <a:ext cx="2133600" cy="335460"/>
+            <a:off x="457200" y="7174438"/>
+            <a:ext cx="2133600" cy="412118"/>
           </a:xfrm>
           <a:prstGeom prst="rect">
             <a:avLst/>
@@ -2159,7 +2159,7 @@
             <a:fld id="{1D8BD707-D9CF-40AE-B4C6-C98DA3205C09}" type="datetimeFigureOut">
               <a:rPr lang="en-US" smtClean="0"/>
               <a:pPr/>
-              <a:t>9/17/2018</a:t>
+              <a:t>1/28/2017</a:t>
             </a:fld>
             <a:endParaRPr lang="en-US"/>
           </a:p>
@@ -2177,8 +2177,8 @@
         </p:nvSpPr>
         <p:spPr>
           <a:xfrm>
-            <a:off x="3124200" y="5839899"/>
-            <a:ext cx="2895600" cy="335460"/>
+            <a:off x="3124200" y="7174438"/>
+            <a:ext cx="2895600" cy="412118"/>
           </a:xfrm>
           <a:prstGeom prst="rect">
             <a:avLst/>
@@ -2204,8 +2204,8 @@
         </p:nvSpPr>
         <p:spPr>
           <a:xfrm>
-            <a:off x="6553200" y="5839899"/>
-            <a:ext cx="2133600" cy="335460"/>
+            <a:off x="6553200" y="7174438"/>
+            <a:ext cx="2133600" cy="412118"/>
           </a:xfrm>
           <a:prstGeom prst="rect">
             <a:avLst/>
@@ -2261,8 +2261,8 @@
         </p:nvSpPr>
         <p:spPr>
           <a:xfrm>
-            <a:off x="457200" y="252325"/>
-            <a:ext cx="8229600" cy="1050132"/>
+            <a:off x="457200" y="309986"/>
+            <a:ext cx="8229600" cy="1290108"/>
           </a:xfrm>
           <a:prstGeom prst="rect">
             <a:avLst/>
@@ -2296,8 +2296,8 @@
         </p:nvSpPr>
         <p:spPr>
           <a:xfrm>
-            <a:off x="457200" y="1410389"/>
-            <a:ext cx="4040188" cy="587781"/>
+            <a:off x="457200" y="1732688"/>
+            <a:ext cx="4040188" cy="722102"/>
           </a:xfrm>
           <a:prstGeom prst="rect">
             <a:avLst/>
@@ -2318,27 +2318,27 @@
               <a:buNone/>
               <a:defRPr sz="1800" b="1"/>
             </a:lvl3pPr>
-            <a:lvl4pPr marL="1371598" indent="0">
+            <a:lvl4pPr marL="1371600" indent="0">
               <a:buNone/>
               <a:defRPr sz="1600" b="1"/>
             </a:lvl4pPr>
-            <a:lvl5pPr marL="1828798" indent="0">
+            <a:lvl5pPr marL="1828800" indent="0">
               <a:buNone/>
               <a:defRPr sz="1600" b="1"/>
             </a:lvl5pPr>
-            <a:lvl6pPr marL="2285998" indent="0">
+            <a:lvl6pPr marL="2286000" indent="0">
               <a:buNone/>
               <a:defRPr sz="1600" b="1"/>
             </a:lvl6pPr>
-            <a:lvl7pPr marL="2743198" indent="0">
+            <a:lvl7pPr marL="2743200" indent="0">
               <a:buNone/>
               <a:defRPr sz="1600" b="1"/>
             </a:lvl7pPr>
-            <a:lvl8pPr marL="3200397" indent="0">
+            <a:lvl8pPr marL="3200400" indent="0">
               <a:buNone/>
               <a:defRPr sz="1600" b="1"/>
             </a:lvl8pPr>
-            <a:lvl9pPr marL="3657596" indent="0">
+            <a:lvl9pPr marL="3657600" indent="0">
               <a:buNone/>
               <a:defRPr sz="1600" b="1"/>
             </a:lvl9pPr>
@@ -2364,8 +2364,8 @@
         </p:nvSpPr>
         <p:spPr>
           <a:xfrm>
-            <a:off x="457200" y="1998170"/>
-            <a:ext cx="4040188" cy="3630247"/>
+            <a:off x="457200" y="2454790"/>
+            <a:ext cx="4040188" cy="4459833"/>
           </a:xfrm>
           <a:prstGeom prst="rect">
             <a:avLst/>
@@ -2452,8 +2452,8 @@
         </p:nvSpPr>
         <p:spPr>
           <a:xfrm>
-            <a:off x="4645033" y="1410389"/>
-            <a:ext cx="4041775" cy="587781"/>
+            <a:off x="4645029" y="1732688"/>
+            <a:ext cx="4041775" cy="722102"/>
           </a:xfrm>
           <a:prstGeom prst="rect">
             <a:avLst/>
@@ -2474,27 +2474,27 @@
               <a:buNone/>
               <a:defRPr sz="1800" b="1"/>
             </a:lvl3pPr>
-            <a:lvl4pPr marL="1371598" indent="0">
+            <a:lvl4pPr marL="1371600" indent="0">
               <a:buNone/>
               <a:defRPr sz="1600" b="1"/>
             </a:lvl4pPr>
-            <a:lvl5pPr marL="1828798" indent="0">
+            <a:lvl5pPr marL="1828800" indent="0">
               <a:buNone/>
               <a:defRPr sz="1600" b="1"/>
             </a:lvl5pPr>
-            <a:lvl6pPr marL="2285998" indent="0">
+            <a:lvl6pPr marL="2286000" indent="0">
               <a:buNone/>
               <a:defRPr sz="1600" b="1"/>
             </a:lvl6pPr>
-            <a:lvl7pPr marL="2743198" indent="0">
+            <a:lvl7pPr marL="2743200" indent="0">
               <a:buNone/>
               <a:defRPr sz="1600" b="1"/>
             </a:lvl7pPr>
-            <a:lvl8pPr marL="3200397" indent="0">
+            <a:lvl8pPr marL="3200400" indent="0">
               <a:buNone/>
               <a:defRPr sz="1600" b="1"/>
             </a:lvl8pPr>
-            <a:lvl9pPr marL="3657596" indent="0">
+            <a:lvl9pPr marL="3657600" indent="0">
               <a:buNone/>
               <a:defRPr sz="1600" b="1"/>
             </a:lvl9pPr>
@@ -2520,8 +2520,8 @@
         </p:nvSpPr>
         <p:spPr>
           <a:xfrm>
-            <a:off x="4645033" y="1998170"/>
-            <a:ext cx="4041775" cy="3630247"/>
+            <a:off x="4645029" y="2454790"/>
+            <a:ext cx="4041775" cy="4459833"/>
           </a:xfrm>
           <a:prstGeom prst="rect">
             <a:avLst/>
@@ -2608,8 +2608,8 @@
         </p:nvSpPr>
         <p:spPr>
           <a:xfrm>
-            <a:off x="457200" y="5839899"/>
-            <a:ext cx="2133600" cy="335460"/>
+            <a:off x="457200" y="7174438"/>
+            <a:ext cx="2133600" cy="412118"/>
           </a:xfrm>
           <a:prstGeom prst="rect">
             <a:avLst/>
@@ -2622,7 +2622,7 @@
             <a:fld id="{1D8BD707-D9CF-40AE-B4C6-C98DA3205C09}" type="datetimeFigureOut">
               <a:rPr lang="en-US" smtClean="0"/>
               <a:pPr/>
-              <a:t>9/17/2018</a:t>
+              <a:t>1/28/2017</a:t>
             </a:fld>
             <a:endParaRPr lang="en-US"/>
           </a:p>
@@ -2640,8 +2640,8 @@
         </p:nvSpPr>
         <p:spPr>
           <a:xfrm>
-            <a:off x="3124200" y="5839899"/>
-            <a:ext cx="2895600" cy="335460"/>
+            <a:off x="3124200" y="7174438"/>
+            <a:ext cx="2895600" cy="412118"/>
           </a:xfrm>
           <a:prstGeom prst="rect">
             <a:avLst/>
@@ -2667,8 +2667,8 @@
         </p:nvSpPr>
         <p:spPr>
           <a:xfrm>
-            <a:off x="6553200" y="5839899"/>
-            <a:ext cx="2133600" cy="335460"/>
+            <a:off x="6553200" y="7174438"/>
+            <a:ext cx="2133600" cy="412118"/>
           </a:xfrm>
           <a:prstGeom prst="rect">
             <a:avLst/>
@@ -2724,8 +2724,8 @@
         </p:nvSpPr>
         <p:spPr>
           <a:xfrm>
-            <a:off x="457200" y="252325"/>
-            <a:ext cx="8229600" cy="1050132"/>
+            <a:off x="457200" y="309986"/>
+            <a:ext cx="8229600" cy="1290108"/>
           </a:xfrm>
           <a:prstGeom prst="rect">
             <a:avLst/>
@@ -2755,8 +2755,8 @@
         </p:nvSpPr>
         <p:spPr>
           <a:xfrm>
-            <a:off x="457200" y="5839899"/>
-            <a:ext cx="2133600" cy="335460"/>
+            <a:off x="457200" y="7174438"/>
+            <a:ext cx="2133600" cy="412118"/>
           </a:xfrm>
           <a:prstGeom prst="rect">
             <a:avLst/>
@@ -2769,7 +2769,7 @@
             <a:fld id="{1D8BD707-D9CF-40AE-B4C6-C98DA3205C09}" type="datetimeFigureOut">
               <a:rPr lang="en-US" smtClean="0"/>
               <a:pPr/>
-              <a:t>9/17/2018</a:t>
+              <a:t>1/28/2017</a:t>
             </a:fld>
             <a:endParaRPr lang="en-US"/>
           </a:p>
@@ -2787,8 +2787,8 @@
         </p:nvSpPr>
         <p:spPr>
           <a:xfrm>
-            <a:off x="3124200" y="5839899"/>
-            <a:ext cx="2895600" cy="335460"/>
+            <a:off x="3124200" y="7174438"/>
+            <a:ext cx="2895600" cy="412118"/>
           </a:xfrm>
           <a:prstGeom prst="rect">
             <a:avLst/>
@@ -2814,8 +2814,8 @@
         </p:nvSpPr>
         <p:spPr>
           <a:xfrm>
-            <a:off x="6553200" y="5839899"/>
-            <a:ext cx="2133600" cy="335460"/>
+            <a:off x="6553200" y="7174438"/>
+            <a:ext cx="2133600" cy="412118"/>
           </a:xfrm>
           <a:prstGeom prst="rect">
             <a:avLst/>
@@ -2871,8 +2871,8 @@
         </p:nvSpPr>
         <p:spPr>
           <a:xfrm>
-            <a:off x="457200" y="5839899"/>
-            <a:ext cx="2133600" cy="335460"/>
+            <a:off x="457200" y="7174438"/>
+            <a:ext cx="2133600" cy="412118"/>
           </a:xfrm>
           <a:prstGeom prst="rect">
             <a:avLst/>
@@ -2885,7 +2885,7 @@
             <a:fld id="{1D8BD707-D9CF-40AE-B4C6-C98DA3205C09}" type="datetimeFigureOut">
               <a:rPr lang="en-US" smtClean="0"/>
               <a:pPr/>
-              <a:t>9/17/2018</a:t>
+              <a:t>1/28/2017</a:t>
             </a:fld>
             <a:endParaRPr lang="en-US"/>
           </a:p>
@@ -2903,8 +2903,8 @@
         </p:nvSpPr>
         <p:spPr>
           <a:xfrm>
-            <a:off x="3124200" y="5839899"/>
-            <a:ext cx="2895600" cy="335460"/>
+            <a:off x="3124200" y="7174438"/>
+            <a:ext cx="2895600" cy="412118"/>
           </a:xfrm>
           <a:prstGeom prst="rect">
             <a:avLst/>
@@ -2930,8 +2930,8 @@
         </p:nvSpPr>
         <p:spPr>
           <a:xfrm>
-            <a:off x="6553200" y="5839899"/>
-            <a:ext cx="2133600" cy="335460"/>
+            <a:off x="6553200" y="7174438"/>
+            <a:ext cx="2133600" cy="412118"/>
           </a:xfrm>
           <a:prstGeom prst="rect">
             <a:avLst/>
@@ -2987,8 +2987,8 @@
         </p:nvSpPr>
         <p:spPr>
           <a:xfrm>
-            <a:off x="457210" y="250866"/>
-            <a:ext cx="3008313" cy="1067633"/>
+            <a:off x="457203" y="308192"/>
+            <a:ext cx="3008313" cy="1311610"/>
           </a:xfrm>
           <a:prstGeom prst="rect">
             <a:avLst/>
@@ -3022,8 +3022,8 @@
         </p:nvSpPr>
         <p:spPr>
           <a:xfrm>
-            <a:off x="3575050" y="250868"/>
-            <a:ext cx="5111750" cy="5377548"/>
+            <a:off x="3575050" y="308194"/>
+            <a:ext cx="5111750" cy="6606431"/>
           </a:xfrm>
           <a:prstGeom prst="rect">
             <a:avLst/>
@@ -3110,8 +3110,8 @@
         </p:nvSpPr>
         <p:spPr>
           <a:xfrm>
-            <a:off x="457210" y="1318503"/>
-            <a:ext cx="3008313" cy="4309915"/>
+            <a:off x="457203" y="1619804"/>
+            <a:ext cx="3008313" cy="5294821"/>
           </a:xfrm>
           <a:prstGeom prst="rect">
             <a:avLst/>
@@ -3132,27 +3132,27 @@
               <a:buNone/>
               <a:defRPr sz="1000"/>
             </a:lvl3pPr>
-            <a:lvl4pPr marL="1371598" indent="0">
+            <a:lvl4pPr marL="1371600" indent="0">
               <a:buNone/>
               <a:defRPr sz="900"/>
             </a:lvl4pPr>
-            <a:lvl5pPr marL="1828798" indent="0">
+            <a:lvl5pPr marL="1828800" indent="0">
               <a:buNone/>
               <a:defRPr sz="900"/>
             </a:lvl5pPr>
-            <a:lvl6pPr marL="2285998" indent="0">
+            <a:lvl6pPr marL="2286000" indent="0">
               <a:buNone/>
               <a:defRPr sz="900"/>
             </a:lvl6pPr>
-            <a:lvl7pPr marL="2743198" indent="0">
+            <a:lvl7pPr marL="2743200" indent="0">
               <a:buNone/>
               <a:defRPr sz="900"/>
             </a:lvl7pPr>
-            <a:lvl8pPr marL="3200397" indent="0">
+            <a:lvl8pPr marL="3200400" indent="0">
               <a:buNone/>
               <a:defRPr sz="900"/>
             </a:lvl8pPr>
-            <a:lvl9pPr marL="3657596" indent="0">
+            <a:lvl9pPr marL="3657600" indent="0">
               <a:buNone/>
               <a:defRPr sz="900"/>
             </a:lvl9pPr>
@@ -3178,8 +3178,8 @@
         </p:nvSpPr>
         <p:spPr>
           <a:xfrm>
-            <a:off x="457200" y="5839899"/>
-            <a:ext cx="2133600" cy="335460"/>
+            <a:off x="457200" y="7174438"/>
+            <a:ext cx="2133600" cy="412118"/>
           </a:xfrm>
           <a:prstGeom prst="rect">
             <a:avLst/>
@@ -3192,7 +3192,7 @@
             <a:fld id="{1D8BD707-D9CF-40AE-B4C6-C98DA3205C09}" type="datetimeFigureOut">
               <a:rPr lang="en-US" smtClean="0"/>
               <a:pPr/>
-              <a:t>9/17/2018</a:t>
+              <a:t>1/28/2017</a:t>
             </a:fld>
             <a:endParaRPr lang="en-US"/>
           </a:p>
@@ -3210,8 +3210,8 @@
         </p:nvSpPr>
         <p:spPr>
           <a:xfrm>
-            <a:off x="3124200" y="5839899"/>
-            <a:ext cx="2895600" cy="335460"/>
+            <a:off x="3124200" y="7174438"/>
+            <a:ext cx="2895600" cy="412118"/>
           </a:xfrm>
           <a:prstGeom prst="rect">
             <a:avLst/>
@@ -3237,8 +3237,8 @@
         </p:nvSpPr>
         <p:spPr>
           <a:xfrm>
-            <a:off x="6553200" y="5839899"/>
-            <a:ext cx="2133600" cy="335460"/>
+            <a:off x="6553200" y="7174438"/>
+            <a:ext cx="2133600" cy="412118"/>
           </a:xfrm>
           <a:prstGeom prst="rect">
             <a:avLst/>
@@ -3294,8 +3294,8 @@
         </p:nvSpPr>
         <p:spPr>
           <a:xfrm>
-            <a:off x="1792288" y="4410552"/>
-            <a:ext cx="5486400" cy="520691"/>
+            <a:off x="1792288" y="5418455"/>
+            <a:ext cx="5486400" cy="639680"/>
           </a:xfrm>
           <a:prstGeom prst="rect">
             <a:avLst/>
@@ -3329,8 +3329,8 @@
         </p:nvSpPr>
         <p:spPr>
           <a:xfrm>
-            <a:off x="1792288" y="562989"/>
-            <a:ext cx="5486400" cy="3780473"/>
+            <a:off x="1792288" y="691642"/>
+            <a:ext cx="5486400" cy="4644390"/>
           </a:xfrm>
           <a:prstGeom prst="rect">
             <a:avLst/>
@@ -3351,27 +3351,27 @@
               <a:buNone/>
               <a:defRPr sz="2400"/>
             </a:lvl3pPr>
-            <a:lvl4pPr marL="1371598" indent="0">
+            <a:lvl4pPr marL="1371600" indent="0">
               <a:buNone/>
               <a:defRPr sz="2000"/>
             </a:lvl4pPr>
-            <a:lvl5pPr marL="1828798" indent="0">
+            <a:lvl5pPr marL="1828800" indent="0">
               <a:buNone/>
               <a:defRPr sz="2000"/>
             </a:lvl5pPr>
-            <a:lvl6pPr marL="2285998" indent="0">
+            <a:lvl6pPr marL="2286000" indent="0">
               <a:buNone/>
               <a:defRPr sz="2000"/>
             </a:lvl6pPr>
-            <a:lvl7pPr marL="2743198" indent="0">
+            <a:lvl7pPr marL="2743200" indent="0">
               <a:buNone/>
               <a:defRPr sz="2000"/>
             </a:lvl7pPr>
-            <a:lvl8pPr marL="3200397" indent="0">
+            <a:lvl8pPr marL="3200400" indent="0">
               <a:buNone/>
               <a:defRPr sz="2000"/>
             </a:lvl8pPr>
-            <a:lvl9pPr marL="3657596" indent="0">
+            <a:lvl9pPr marL="3657600" indent="0">
               <a:buNone/>
               <a:defRPr sz="2000"/>
             </a:lvl9pPr>
@@ -3393,8 +3393,8 @@
         </p:nvSpPr>
         <p:spPr>
           <a:xfrm>
-            <a:off x="1792288" y="4931245"/>
-            <a:ext cx="5486400" cy="739466"/>
+            <a:off x="1792288" y="6058135"/>
+            <a:ext cx="5486400" cy="908450"/>
           </a:xfrm>
           <a:prstGeom prst="rect">
             <a:avLst/>
@@ -3415,27 +3415,27 @@
               <a:buNone/>
               <a:defRPr sz="1000"/>
             </a:lvl3pPr>
-            <a:lvl4pPr marL="1371598" indent="0">
+            <a:lvl4pPr marL="1371600" indent="0">
               <a:buNone/>
               <a:defRPr sz="900"/>
             </a:lvl4pPr>
-            <a:lvl5pPr marL="1828798" indent="0">
+            <a:lvl5pPr marL="1828800" indent="0">
               <a:buNone/>
               <a:defRPr sz="900"/>
             </a:lvl5pPr>
-            <a:lvl6pPr marL="2285998" indent="0">
+            <a:lvl6pPr marL="2286000" indent="0">
               <a:buNone/>
               <a:defRPr sz="900"/>
             </a:lvl6pPr>
-            <a:lvl7pPr marL="2743198" indent="0">
+            <a:lvl7pPr marL="2743200" indent="0">
               <a:buNone/>
               <a:defRPr sz="900"/>
             </a:lvl7pPr>
-            <a:lvl8pPr marL="3200397" indent="0">
+            <a:lvl8pPr marL="3200400" indent="0">
               <a:buNone/>
               <a:defRPr sz="900"/>
             </a:lvl8pPr>
-            <a:lvl9pPr marL="3657596" indent="0">
+            <a:lvl9pPr marL="3657600" indent="0">
               <a:buNone/>
               <a:defRPr sz="900"/>
             </a:lvl9pPr>
@@ -3461,8 +3461,8 @@
         </p:nvSpPr>
         <p:spPr>
           <a:xfrm>
-            <a:off x="457200" y="5839899"/>
-            <a:ext cx="2133600" cy="335460"/>
+            <a:off x="457200" y="7174438"/>
+            <a:ext cx="2133600" cy="412118"/>
           </a:xfrm>
           <a:prstGeom prst="rect">
             <a:avLst/>
@@ -3475,7 +3475,7 @@
             <a:fld id="{1D8BD707-D9CF-40AE-B4C6-C98DA3205C09}" type="datetimeFigureOut">
               <a:rPr lang="en-US" smtClean="0"/>
               <a:pPr/>
-              <a:t>9/17/2018</a:t>
+              <a:t>1/28/2017</a:t>
             </a:fld>
             <a:endParaRPr lang="en-US"/>
           </a:p>
@@ -3493,8 +3493,8 @@
         </p:nvSpPr>
         <p:spPr>
           <a:xfrm>
-            <a:off x="3124200" y="5839899"/>
-            <a:ext cx="2895600" cy="335460"/>
+            <a:off x="3124200" y="7174438"/>
+            <a:ext cx="2895600" cy="412118"/>
           </a:xfrm>
           <a:prstGeom prst="rect">
             <a:avLst/>
@@ -3520,8 +3520,8 @@
         </p:nvSpPr>
         <p:spPr>
           <a:xfrm>
-            <a:off x="6553200" y="5839899"/>
-            <a:ext cx="2133600" cy="335460"/>
+            <a:off x="6553200" y="7174438"/>
+            <a:ext cx="2133600" cy="412118"/>
           </a:xfrm>
           <a:prstGeom prst="rect">
             <a:avLst/>
@@ -3578,8 +3578,8 @@
         </p:nvSpPr>
         <p:spPr>
           <a:xfrm>
-            <a:off x="1066800" y="217886"/>
-            <a:ext cx="6781800" cy="5751908"/>
+            <a:off x="1066800" y="267675"/>
+            <a:ext cx="6781800" cy="6717534"/>
           </a:xfrm>
           <a:prstGeom prst="roundRect">
             <a:avLst>
@@ -3637,10 +3637,10 @@
         </p:nvGrpSpPr>
         <p:grpSpPr>
           <a:xfrm>
-            <a:off x="1251698" y="602275"/>
-            <a:ext cx="6439261" cy="2929120"/>
+            <a:off x="1251691" y="739907"/>
+            <a:ext cx="6439261" cy="2834304"/>
             <a:chOff x="-1433735" y="1531517"/>
-            <a:chExt cx="2576734" cy="5167398"/>
+            <a:chExt cx="2576734" cy="4070038"/>
           </a:xfrm>
           <a:solidFill>
             <a:schemeClr val="bg1"/>
@@ -3654,8 +3654,8 @@
           </p:nvSpPr>
           <p:spPr>
             <a:xfrm>
-              <a:off x="-1433735" y="1797512"/>
-              <a:ext cx="2576734" cy="4901403"/>
+              <a:off x="-1433735" y="1797511"/>
+              <a:ext cx="2576734" cy="3804044"/>
             </a:xfrm>
             <a:prstGeom prst="rect">
               <a:avLst/>
@@ -3773,10 +3773,10 @@
         </p:nvGrpSpPr>
         <p:grpSpPr>
           <a:xfrm>
-            <a:off x="1251697" y="3759995"/>
-            <a:ext cx="6439259" cy="1752599"/>
-            <a:chOff x="-613660" y="1232995"/>
-            <a:chExt cx="1756659" cy="3375270"/>
+            <a:off x="1250576" y="3840827"/>
+            <a:ext cx="6440373" cy="1685259"/>
+            <a:chOff x="-613964" y="1232995"/>
+            <a:chExt cx="1756963" cy="2641862"/>
           </a:xfrm>
           <a:solidFill>
             <a:schemeClr val="bg1"/>
@@ -3790,8 +3790,8 @@
           </p:nvSpPr>
           <p:spPr>
             <a:xfrm>
-              <a:off x="-613660" y="1523997"/>
-              <a:ext cx="1756659" cy="3084268"/>
+              <a:off x="-613964" y="1523999"/>
+              <a:ext cx="1756963" cy="2350858"/>
             </a:xfrm>
             <a:prstGeom prst="rect">
               <a:avLst/>
@@ -3919,8 +3919,8 @@
         </p:nvSpPr>
         <p:spPr>
           <a:xfrm>
-            <a:off x="8077200" y="217884"/>
-            <a:ext cx="914400" cy="5759884"/>
+            <a:off x="8077200" y="267675"/>
+            <a:ext cx="914400" cy="6726850"/>
           </a:xfrm>
           <a:prstGeom prst="roundRect">
             <a:avLst>
@@ -3977,8 +3977,8 @@
         </p:nvSpPr>
         <p:spPr>
           <a:xfrm>
-            <a:off x="8534400" y="-74946"/>
-            <a:ext cx="609600" cy="6273340"/>
+            <a:off x="8534400" y="-258022"/>
+            <a:ext cx="609600" cy="8084679"/>
           </a:xfrm>
           <a:prstGeom prst="rect">
             <a:avLst/>
@@ -4018,51 +4018,142 @@
           </a:p>
         </p:txBody>
       </p:sp>
-      <p:cxnSp>
-        <p:nvCxnSpPr>
-          <p:cNvPr id="14" name="Straight Arrow Connector 13"/>
-          <p:cNvCxnSpPr>
-            <a:stCxn id="12" idx="2"/>
-            <a:endCxn id="16" idx="0"/>
-          </p:cNvCxnSpPr>
+      <p:grpSp>
+        <p:nvGrpSpPr>
+          <p:cNvPr id="18" name="Group 17"/>
+          <p:cNvGrpSpPr/>
           <p:nvPr userDrawn="1"/>
-        </p:nvCxnSpPr>
-        <p:spPr>
-          <a:xfrm flipH="1">
-            <a:off x="4471327" y="3531395"/>
-            <a:ext cx="2" cy="379702"/>
-          </a:xfrm>
-          <a:prstGeom prst="straightConnector1">
-            <a:avLst/>
-          </a:prstGeom>
-          <a:ln>
-            <a:solidFill>
-              <a:schemeClr val="accent4">
-                <a:lumMod val="75000"/>
+        </p:nvGrpSpPr>
+        <p:grpSpPr>
+          <a:xfrm>
+            <a:off x="1250577" y="5765155"/>
+            <a:ext cx="6440373" cy="991453"/>
+            <a:chOff x="-613964" y="1176232"/>
+            <a:chExt cx="1755532" cy="1915533"/>
+          </a:xfrm>
+          <a:solidFill>
+            <a:schemeClr val="bg1"/>
+          </a:solidFill>
+        </p:grpSpPr>
+        <p:sp>
+          <p:nvSpPr>
+            <p:cNvPr id="19" name="Rectangle 18"/>
+            <p:cNvSpPr/>
+            <p:nvPr/>
+          </p:nvSpPr>
+          <p:spPr>
+            <a:xfrm>
+              <a:off x="-613964" y="1524000"/>
+              <a:ext cx="1752686" cy="1567765"/>
+            </a:xfrm>
+            <a:prstGeom prst="rect">
+              <a:avLst/>
+            </a:prstGeom>
+            <a:grpFill/>
+            <a:ln>
+              <a:solidFill>
+                <a:schemeClr val="accent4">
+                  <a:lumMod val="75000"/>
+                </a:schemeClr>
+              </a:solidFill>
+            </a:ln>
+          </p:spPr>
+          <p:style>
+            <a:lnRef idx="2">
+              <a:schemeClr val="accent1">
+                <a:shade val="50000"/>
               </a:schemeClr>
-            </a:solidFill>
-            <a:prstDash val="sysDot"/>
-            <a:headEnd type="arrow" w="med" len="med"/>
-            <a:tailEnd type="none" w="med" len="med"/>
-          </a:ln>
-        </p:spPr>
-        <p:style>
-          <a:lnRef idx="2">
-            <a:schemeClr val="accent2">
-              <a:shade val="50000"/>
-            </a:schemeClr>
-          </a:lnRef>
-          <a:fillRef idx="1">
-            <a:schemeClr val="accent2"/>
-          </a:fillRef>
-          <a:effectRef idx="0">
-            <a:schemeClr val="accent2"/>
-          </a:effectRef>
-          <a:fontRef idx="minor">
-            <a:schemeClr val="lt1"/>
-          </a:fontRef>
-        </p:style>
-      </p:cxnSp>
+            </a:lnRef>
+            <a:fillRef idx="1">
+              <a:schemeClr val="accent1"/>
+            </a:fillRef>
+            <a:effectRef idx="0">
+              <a:schemeClr val="accent1"/>
+            </a:effectRef>
+            <a:fontRef idx="minor">
+              <a:schemeClr val="lt1"/>
+            </a:fontRef>
+          </p:style>
+          <p:txBody>
+            <a:bodyPr rtlCol="0" anchor="t" anchorCtr="0"/>
+            <a:lstStyle/>
+            <a:p>
+              <a:pPr algn="l"/>
+              <a:r>
+                <a:rPr lang="en-US" sz="1400" b="1" dirty="0" smtClean="0">
+                  <a:solidFill>
+                    <a:schemeClr val="accent4">
+                      <a:lumMod val="75000"/>
+                    </a:schemeClr>
+                  </a:solidFill>
+                </a:rPr>
+                <a:t>logic::backdoor</a:t>
+              </a:r>
+              <a:endParaRPr lang="en-SG" sz="1400" b="1" dirty="0">
+                <a:solidFill>
+                  <a:schemeClr val="accent4">
+                    <a:lumMod val="75000"/>
+                  </a:schemeClr>
+                </a:solidFill>
+              </a:endParaRPr>
+            </a:p>
+          </p:txBody>
+        </p:sp>
+        <p:sp>
+          <p:nvSpPr>
+            <p:cNvPr id="20" name="Rectangle 19"/>
+            <p:cNvSpPr/>
+            <p:nvPr/>
+          </p:nvSpPr>
+          <p:spPr>
+            <a:xfrm>
+              <a:off x="749049" y="1176232"/>
+              <a:ext cx="392519" cy="347768"/>
+            </a:xfrm>
+            <a:prstGeom prst="rect">
+              <a:avLst/>
+            </a:prstGeom>
+            <a:grpFill/>
+            <a:ln>
+              <a:solidFill>
+                <a:schemeClr val="accent4">
+                  <a:lumMod val="75000"/>
+                </a:schemeClr>
+              </a:solidFill>
+            </a:ln>
+          </p:spPr>
+          <p:style>
+            <a:lnRef idx="2">
+              <a:schemeClr val="accent1">
+                <a:shade val="50000"/>
+              </a:schemeClr>
+            </a:lnRef>
+            <a:fillRef idx="1">
+              <a:schemeClr val="accent1"/>
+            </a:fillRef>
+            <a:effectRef idx="0">
+              <a:schemeClr val="accent1"/>
+            </a:effectRef>
+            <a:fontRef idx="minor">
+              <a:schemeClr val="lt1"/>
+            </a:fontRef>
+          </p:style>
+          <p:txBody>
+            <a:bodyPr rtlCol="0" anchor="t" anchorCtr="0"/>
+            <a:lstStyle/>
+            <a:p>
+              <a:pPr algn="ctr"/>
+              <a:endParaRPr lang="en-SG" sz="1400" b="1">
+                <a:solidFill>
+                  <a:schemeClr val="accent4">
+                    <a:lumMod val="75000"/>
+                  </a:schemeClr>
+                </a:solidFill>
+              </a:endParaRPr>
+            </a:p>
+          </p:txBody>
+        </p:sp>
+      </p:grpSp>
     </p:spTree>
   </p:cSld>
   <p:clrMap bg1="lt1" tx1="dk1" bg2="lt2" tx2="dk2" accent1="accent1" accent2="accent2" accent3="accent3" accent4="accent4" accent5="accent5" accent6="accent6" hlink="hlink" folHlink="folHlink"/>
@@ -4112,7 +4203,7 @@
           <a:cs typeface="+mn-cs"/>
         </a:defRPr>
       </a:lvl1pPr>
-      <a:lvl2pPr marL="742949" indent="-285750" algn="l" defTabSz="914400" rtl="0" eaLnBrk="1" latinLnBrk="0" hangingPunct="1">
+      <a:lvl2pPr marL="742950" indent="-285750" algn="l" defTabSz="914400" rtl="0" eaLnBrk="1" latinLnBrk="0" hangingPunct="1">
         <a:spcBef>
           <a:spcPct val="20000"/>
         </a:spcBef>
@@ -4127,7 +4218,7 @@
           <a:cs typeface="+mn-cs"/>
         </a:defRPr>
       </a:lvl2pPr>
-      <a:lvl3pPr marL="1142999" indent="-228599" algn="l" defTabSz="914400" rtl="0" eaLnBrk="1" latinLnBrk="0" hangingPunct="1">
+      <a:lvl3pPr marL="1143000" indent="-228600" algn="l" defTabSz="914400" rtl="0" eaLnBrk="1" latinLnBrk="0" hangingPunct="1">
         <a:spcBef>
           <a:spcPct val="20000"/>
         </a:spcBef>
@@ -4142,7 +4233,7 @@
           <a:cs typeface="+mn-cs"/>
         </a:defRPr>
       </a:lvl3pPr>
-      <a:lvl4pPr marL="1600199" indent="-228599" algn="l" defTabSz="914400" rtl="0" eaLnBrk="1" latinLnBrk="0" hangingPunct="1">
+      <a:lvl4pPr marL="1600200" indent="-228600" algn="l" defTabSz="914400" rtl="0" eaLnBrk="1" latinLnBrk="0" hangingPunct="1">
         <a:spcBef>
           <a:spcPct val="20000"/>
         </a:spcBef>
@@ -4157,7 +4248,7 @@
           <a:cs typeface="+mn-cs"/>
         </a:defRPr>
       </a:lvl4pPr>
-      <a:lvl5pPr marL="2057398" indent="-228599" algn="l" defTabSz="914400" rtl="0" eaLnBrk="1" latinLnBrk="0" hangingPunct="1">
+      <a:lvl5pPr marL="2057400" indent="-228600" algn="l" defTabSz="914400" rtl="0" eaLnBrk="1" latinLnBrk="0" hangingPunct="1">
         <a:spcBef>
           <a:spcPct val="20000"/>
         </a:spcBef>
@@ -4172,7 +4263,7 @@
           <a:cs typeface="+mn-cs"/>
         </a:defRPr>
       </a:lvl5pPr>
-      <a:lvl6pPr marL="2514597" indent="-228599" algn="l" defTabSz="914400" rtl="0" eaLnBrk="1" latinLnBrk="0" hangingPunct="1">
+      <a:lvl6pPr marL="2514600" indent="-228600" algn="l" defTabSz="914400" rtl="0" eaLnBrk="1" latinLnBrk="0" hangingPunct="1">
         <a:spcBef>
           <a:spcPct val="20000"/>
         </a:spcBef>
@@ -4187,7 +4278,7 @@
           <a:cs typeface="+mn-cs"/>
         </a:defRPr>
       </a:lvl6pPr>
-      <a:lvl7pPr marL="2971797" indent="-228599" algn="l" defTabSz="914400" rtl="0" eaLnBrk="1" latinLnBrk="0" hangingPunct="1">
+      <a:lvl7pPr marL="2971800" indent="-228600" algn="l" defTabSz="914400" rtl="0" eaLnBrk="1" latinLnBrk="0" hangingPunct="1">
         <a:spcBef>
           <a:spcPct val="20000"/>
         </a:spcBef>
@@ -4202,7 +4293,7 @@
           <a:cs typeface="+mn-cs"/>
         </a:defRPr>
       </a:lvl7pPr>
-      <a:lvl8pPr marL="3428997" indent="-228599" algn="l" defTabSz="914400" rtl="0" eaLnBrk="1" latinLnBrk="0" hangingPunct="1">
+      <a:lvl8pPr marL="3429000" indent="-228600" algn="l" defTabSz="914400" rtl="0" eaLnBrk="1" latinLnBrk="0" hangingPunct="1">
         <a:spcBef>
           <a:spcPct val="20000"/>
         </a:spcBef>
@@ -4217,7 +4308,7 @@
           <a:cs typeface="+mn-cs"/>
         </a:defRPr>
       </a:lvl8pPr>
-      <a:lvl9pPr marL="3886196" indent="-228599" algn="l" defTabSz="914400" rtl="0" eaLnBrk="1" latinLnBrk="0" hangingPunct="1">
+      <a:lvl9pPr marL="3886200" indent="-228600" algn="l" defTabSz="914400" rtl="0" eaLnBrk="1" latinLnBrk="0" hangingPunct="1">
         <a:spcBef>
           <a:spcPct val="20000"/>
         </a:spcBef>
@@ -4267,7 +4358,7 @@
           <a:cs typeface="+mn-cs"/>
         </a:defRPr>
       </a:lvl3pPr>
-      <a:lvl4pPr marL="1371598" algn="l" defTabSz="914400" rtl="0" eaLnBrk="1" latinLnBrk="0" hangingPunct="1">
+      <a:lvl4pPr marL="1371600" algn="l" defTabSz="914400" rtl="0" eaLnBrk="1" latinLnBrk="0" hangingPunct="1">
         <a:defRPr sz="1800" kern="1200">
           <a:solidFill>
             <a:schemeClr val="tx1"/>
@@ -4277,7 +4368,7 @@
           <a:cs typeface="+mn-cs"/>
         </a:defRPr>
       </a:lvl4pPr>
-      <a:lvl5pPr marL="1828798" algn="l" defTabSz="914400" rtl="0" eaLnBrk="1" latinLnBrk="0" hangingPunct="1">
+      <a:lvl5pPr marL="1828800" algn="l" defTabSz="914400" rtl="0" eaLnBrk="1" latinLnBrk="0" hangingPunct="1">
         <a:defRPr sz="1800" kern="1200">
           <a:solidFill>
             <a:schemeClr val="tx1"/>
@@ -4287,7 +4378,7 @@
           <a:cs typeface="+mn-cs"/>
         </a:defRPr>
       </a:lvl5pPr>
-      <a:lvl6pPr marL="2285998" algn="l" defTabSz="914400" rtl="0" eaLnBrk="1" latinLnBrk="0" hangingPunct="1">
+      <a:lvl6pPr marL="2286000" algn="l" defTabSz="914400" rtl="0" eaLnBrk="1" latinLnBrk="0" hangingPunct="1">
         <a:defRPr sz="1800" kern="1200">
           <a:solidFill>
             <a:schemeClr val="tx1"/>
@@ -4297,7 +4388,7 @@
           <a:cs typeface="+mn-cs"/>
         </a:defRPr>
       </a:lvl6pPr>
-      <a:lvl7pPr marL="2743198" algn="l" defTabSz="914400" rtl="0" eaLnBrk="1" latinLnBrk="0" hangingPunct="1">
+      <a:lvl7pPr marL="2743200" algn="l" defTabSz="914400" rtl="0" eaLnBrk="1" latinLnBrk="0" hangingPunct="1">
         <a:defRPr sz="1800" kern="1200">
           <a:solidFill>
             <a:schemeClr val="tx1"/>
@@ -4307,7 +4398,7 @@
           <a:cs typeface="+mn-cs"/>
         </a:defRPr>
       </a:lvl7pPr>
-      <a:lvl8pPr marL="3200397" algn="l" defTabSz="914400" rtl="0" eaLnBrk="1" latinLnBrk="0" hangingPunct="1">
+      <a:lvl8pPr marL="3200400" algn="l" defTabSz="914400" rtl="0" eaLnBrk="1" latinLnBrk="0" hangingPunct="1">
         <a:defRPr sz="1800" kern="1200">
           <a:solidFill>
             <a:schemeClr val="tx1"/>
@@ -4317,7 +4408,7 @@
           <a:cs typeface="+mn-cs"/>
         </a:defRPr>
       </a:lvl8pPr>
-      <a:lvl9pPr marL="3657596" algn="l" defTabSz="914400" rtl="0" eaLnBrk="1" latinLnBrk="0" hangingPunct="1">
+      <a:lvl9pPr marL="3657600" algn="l" defTabSz="914400" rtl="0" eaLnBrk="1" latinLnBrk="0" hangingPunct="1">
         <a:defRPr sz="1800" kern="1200">
           <a:solidFill>
             <a:schemeClr val="tx1"/>
@@ -4351,13 +4442,13 @@
       </p:grpSpPr>
       <p:sp>
         <p:nvSpPr>
-          <p:cNvPr id="135" name="Rectangle 134"/>
+          <p:cNvPr id="49" name="Rectangle 48"/>
           <p:cNvSpPr/>
           <p:nvPr/>
         </p:nvSpPr>
         <p:spPr>
           <a:xfrm>
-            <a:off x="3686909" y="4598735"/>
+            <a:off x="3686908" y="4708754"/>
             <a:ext cx="1676400" cy="396000"/>
           </a:xfrm>
           <a:prstGeom prst="rect">
@@ -4395,14 +4486,183 @@
       </p:sp>
       <p:sp>
         <p:nvSpPr>
-          <p:cNvPr id="136" name="TextBox 135"/>
+          <p:cNvPr id="51" name="Rectangle 50"/>
+          <p:cNvSpPr/>
+          <p:nvPr/>
+        </p:nvSpPr>
+        <p:spPr>
+          <a:xfrm>
+            <a:off x="5678032" y="6287889"/>
+            <a:ext cx="1872000" cy="360000"/>
+          </a:xfrm>
+          <a:prstGeom prst="rect">
+            <a:avLst/>
+          </a:prstGeom>
+        </p:spPr>
+        <p:style>
+          <a:lnRef idx="2">
+            <a:schemeClr val="accent3">
+              <a:shade val="50000"/>
+            </a:schemeClr>
+          </a:lnRef>
+          <a:fillRef idx="1">
+            <a:schemeClr val="accent3"/>
+          </a:fillRef>
+          <a:effectRef idx="0">
+            <a:schemeClr val="accent3"/>
+          </a:effectRef>
+          <a:fontRef idx="minor">
+            <a:schemeClr val="lt1"/>
+          </a:fontRef>
+        </p:style>
+        <p:txBody>
+          <a:bodyPr rtlCol="0" anchor="ctr"/>
+          <a:lstStyle/>
+          <a:p>
+            <a:pPr algn="ctr"/>
+            <a:r>
+              <a:rPr lang="en-US" sz="1600" b="1" dirty="0" err="1" smtClean="0"/>
+              <a:t>BackDoorLogic</a:t>
+            </a:r>
+            <a:endParaRPr lang="en-SG" sz="1600" b="1" dirty="0"/>
+          </a:p>
+        </p:txBody>
+      </p:sp>
+      <p:sp>
+        <p:nvSpPr>
+          <p:cNvPr id="52" name="Rectangle 51"/>
+          <p:cNvSpPr/>
+          <p:nvPr/>
+        </p:nvSpPr>
+        <p:spPr>
+          <a:xfrm>
+            <a:off x="3538200" y="6287889"/>
+            <a:ext cx="1872000" cy="360000"/>
+          </a:xfrm>
+          <a:prstGeom prst="rect">
+            <a:avLst/>
+          </a:prstGeom>
+        </p:spPr>
+        <p:style>
+          <a:lnRef idx="2">
+            <a:schemeClr val="accent3">
+              <a:shade val="50000"/>
+            </a:schemeClr>
+          </a:lnRef>
+          <a:fillRef idx="1">
+            <a:schemeClr val="accent3"/>
+          </a:fillRef>
+          <a:effectRef idx="0">
+            <a:schemeClr val="accent3"/>
+          </a:effectRef>
+          <a:fontRef idx="minor">
+            <a:schemeClr val="lt1"/>
+          </a:fontRef>
+        </p:style>
+        <p:txBody>
+          <a:bodyPr rtlCol="0" anchor="ctr"/>
+          <a:lstStyle/>
+          <a:p>
+            <a:pPr algn="ctr"/>
+            <a:r>
+              <a:rPr lang="en-US" sz="1600" b="1" dirty="0" err="1"/>
+              <a:t>BackDoorServlet</a:t>
+            </a:r>
+            <a:endParaRPr lang="en-SG" sz="1600" b="1" dirty="0"/>
+          </a:p>
+        </p:txBody>
+      </p:sp>
+      <p:sp>
+        <p:nvSpPr>
+          <p:cNvPr id="53" name="Isosceles Triangle 52"/>
+          <p:cNvSpPr/>
+          <p:nvPr/>
+        </p:nvSpPr>
+        <p:spPr>
+          <a:xfrm>
+            <a:off x="4366200" y="5110149"/>
+            <a:ext cx="216000" cy="216000"/>
+          </a:xfrm>
+          <a:prstGeom prst="triangle">
+            <a:avLst/>
+          </a:prstGeom>
+        </p:spPr>
+        <p:style>
+          <a:lnRef idx="2">
+            <a:schemeClr val="accent2">
+              <a:shade val="50000"/>
+            </a:schemeClr>
+          </a:lnRef>
+          <a:fillRef idx="1">
+            <a:schemeClr val="accent2"/>
+          </a:fillRef>
+          <a:effectRef idx="0">
+            <a:schemeClr val="accent2"/>
+          </a:effectRef>
+          <a:fontRef idx="minor">
+            <a:schemeClr val="lt1"/>
+          </a:fontRef>
+        </p:style>
+        <p:txBody>
+          <a:bodyPr rtlCol="0" anchor="ctr"/>
+          <a:lstStyle/>
+          <a:p>
+            <a:pPr algn="ctr"/>
+            <a:endParaRPr lang="en-SG"/>
+          </a:p>
+        </p:txBody>
+      </p:sp>
+      <p:cxnSp>
+        <p:nvCxnSpPr>
+          <p:cNvPr id="54" name="Elbow Connector 53"/>
+          <p:cNvCxnSpPr>
+            <a:stCxn id="53" idx="3"/>
+            <a:endCxn id="51" idx="0"/>
+          </p:cNvCxnSpPr>
+          <p:nvPr/>
+        </p:nvCxnSpPr>
+        <p:spPr>
+          <a:xfrm rot="16200000" flipH="1">
+            <a:off x="5063246" y="4737103"/>
+            <a:ext cx="961740" cy="2139832"/>
+          </a:xfrm>
+          <a:prstGeom prst="bentConnector3">
+            <a:avLst>
+              <a:gd name="adj1" fmla="val 80618"/>
+            </a:avLst>
+          </a:prstGeom>
+          <a:ln w="28575">
+            <a:headEnd type="none" w="med" len="med"/>
+            <a:tailEnd type="none" w="med" len="med"/>
+          </a:ln>
+        </p:spPr>
+        <p:style>
+          <a:lnRef idx="2">
+            <a:schemeClr val="accent2">
+              <a:shade val="50000"/>
+            </a:schemeClr>
+          </a:lnRef>
+          <a:fillRef idx="1">
+            <a:schemeClr val="accent2"/>
+          </a:fillRef>
+          <a:effectRef idx="0">
+            <a:schemeClr val="accent2"/>
+          </a:effectRef>
+          <a:fontRef idx="minor">
+            <a:schemeClr val="lt1"/>
+          </a:fontRef>
+        </p:style>
+      </p:cxnSp>
+      <p:sp>
+        <p:nvSpPr>
+          <p:cNvPr id="62" name="TextBox 61"/>
           <p:cNvSpPr txBox="1"/>
           <p:nvPr/>
         </p:nvSpPr>
         <p:spPr>
           <a:xfrm>
-            <a:off x="381000" y="4250951"/>
-            <a:ext cx="609600" cy="426719"/>
+            <a:off x="248659" y="4360969"/>
+            <a:ext cx="609600" cy="426720"/>
           </a:xfrm>
           <a:prstGeom prst="rect">
             <a:avLst/>
@@ -4499,8 +4759,9 @@
             </a:lvl9pPr>
           </a:lstStyle>
           <a:p>
-            <a:r>
-              <a:rPr lang="en-US" sz="1600" dirty="0" smtClean="0">
+            <a:pPr algn="r"/>
+            <a:r>
+              <a:rPr lang="en-US" sz="1600" dirty="0">
                 <a:solidFill>
                   <a:schemeClr val="tx1"/>
                 </a:solidFill>
@@ -4517,13 +4778,13 @@
       </p:sp>
       <p:sp>
         <p:nvSpPr>
-          <p:cNvPr id="137" name="Rectangle 136"/>
+          <p:cNvPr id="68" name="Rectangle 67"/>
           <p:cNvSpPr/>
           <p:nvPr/>
         </p:nvSpPr>
         <p:spPr>
           <a:xfrm>
-            <a:off x="5071200" y="1483716"/>
+            <a:off x="5071200" y="1650610"/>
             <a:ext cx="2304000" cy="274320"/>
           </a:xfrm>
           <a:prstGeom prst="rect">
@@ -4561,13 +4822,13 @@
       </p:sp>
       <p:sp>
         <p:nvSpPr>
-          <p:cNvPr id="138" name="Rectangle 137"/>
+          <p:cNvPr id="69" name="Rectangle 68"/>
           <p:cNvSpPr/>
           <p:nvPr/>
         </p:nvSpPr>
         <p:spPr>
           <a:xfrm>
-            <a:off x="5071200" y="1873147"/>
+            <a:off x="5071200" y="2040041"/>
             <a:ext cx="2304000" cy="274320"/>
           </a:xfrm>
           <a:prstGeom prst="rect">
@@ -4605,13 +4866,13 @@
       </p:sp>
       <p:sp>
         <p:nvSpPr>
-          <p:cNvPr id="139" name="Rectangle 138"/>
+          <p:cNvPr id="70" name="Rectangle 69"/>
           <p:cNvSpPr/>
           <p:nvPr/>
         </p:nvSpPr>
         <p:spPr>
           <a:xfrm>
-            <a:off x="5071200" y="2657628"/>
+            <a:off x="5071200" y="2824522"/>
             <a:ext cx="2304000" cy="274320"/>
           </a:xfrm>
           <a:prstGeom prst="rect">
@@ -4649,15 +4910,15 @@
       </p:sp>
       <p:cxnSp>
         <p:nvCxnSpPr>
-          <p:cNvPr id="140" name="Straight Arrow Connector 139"/>
+          <p:cNvPr id="71" name="Straight Arrow Connector 70"/>
           <p:cNvCxnSpPr>
-            <a:stCxn id="138" idx="3"/>
+            <a:stCxn id="69" idx="3"/>
           </p:cNvCxnSpPr>
           <p:nvPr/>
         </p:nvCxnSpPr>
         <p:spPr>
           <a:xfrm>
-            <a:off x="7375200" y="2010306"/>
+            <a:off x="7375200" y="2177201"/>
             <a:ext cx="666000" cy="0"/>
           </a:xfrm>
           <a:prstGeom prst="straightConnector1">
@@ -4690,15 +4951,15 @@
       </p:cxnSp>
       <p:cxnSp>
         <p:nvCxnSpPr>
-          <p:cNvPr id="141" name="Straight Arrow Connector 140"/>
+          <p:cNvPr id="72" name="Straight Arrow Connector 71"/>
           <p:cNvCxnSpPr>
-            <a:stCxn id="137" idx="3"/>
+            <a:stCxn id="68" idx="3"/>
           </p:cNvCxnSpPr>
           <p:nvPr/>
         </p:nvCxnSpPr>
         <p:spPr>
           <a:xfrm>
-            <a:off x="7375200" y="1620876"/>
+            <a:off x="7375200" y="1787770"/>
             <a:ext cx="666000" cy="0"/>
           </a:xfrm>
           <a:prstGeom prst="straightConnector1">
@@ -4731,13 +4992,13 @@
       </p:cxnSp>
       <p:sp>
         <p:nvSpPr>
-          <p:cNvPr id="142" name="Rectangle 141"/>
+          <p:cNvPr id="74" name="Rectangle 73"/>
           <p:cNvSpPr/>
           <p:nvPr/>
         </p:nvSpPr>
         <p:spPr>
           <a:xfrm>
-            <a:off x="5071200" y="1092994"/>
+            <a:off x="5071200" y="1259889"/>
             <a:ext cx="2304000" cy="274320"/>
           </a:xfrm>
           <a:prstGeom prst="rect">
@@ -4775,13 +5036,13 @@
       </p:sp>
       <p:sp>
         <p:nvSpPr>
-          <p:cNvPr id="143" name="Rectangle 142"/>
+          <p:cNvPr id="75" name="Rectangle 74"/>
           <p:cNvSpPr/>
           <p:nvPr/>
         </p:nvSpPr>
         <p:spPr>
           <a:xfrm>
-            <a:off x="5071200" y="2266403"/>
+            <a:off x="5071200" y="2433297"/>
             <a:ext cx="2304000" cy="274320"/>
           </a:xfrm>
           <a:prstGeom prst="rect">
@@ -4819,15 +5080,15 @@
       </p:sp>
       <p:cxnSp>
         <p:nvCxnSpPr>
-          <p:cNvPr id="144" name="Straight Arrow Connector 143"/>
+          <p:cNvPr id="76" name="Straight Arrow Connector 75"/>
           <p:cNvCxnSpPr>
-            <a:stCxn id="142" idx="3"/>
+            <a:stCxn id="74" idx="3"/>
           </p:cNvCxnSpPr>
           <p:nvPr/>
         </p:nvCxnSpPr>
         <p:spPr>
           <a:xfrm>
-            <a:off x="7375200" y="1230154"/>
+            <a:off x="7375200" y="1397049"/>
             <a:ext cx="666000" cy="0"/>
           </a:xfrm>
           <a:prstGeom prst="straightConnector1">
@@ -4860,15 +5121,15 @@
       </p:cxnSp>
       <p:cxnSp>
         <p:nvCxnSpPr>
-          <p:cNvPr id="145" name="Straight Arrow Connector 144"/>
+          <p:cNvPr id="77" name="Straight Arrow Connector 76"/>
           <p:cNvCxnSpPr>
-            <a:stCxn id="143" idx="3"/>
+            <a:stCxn id="75" idx="3"/>
           </p:cNvCxnSpPr>
           <p:nvPr/>
         </p:nvCxnSpPr>
         <p:spPr>
           <a:xfrm>
-            <a:off x="7375200" y="2403563"/>
+            <a:off x="7375200" y="2570457"/>
             <a:ext cx="666000" cy="0"/>
           </a:xfrm>
           <a:prstGeom prst="straightConnector1">
@@ -4901,15 +5162,15 @@
       </p:cxnSp>
       <p:cxnSp>
         <p:nvCxnSpPr>
-          <p:cNvPr id="151" name="Straight Arrow Connector 150"/>
+          <p:cNvPr id="78" name="Straight Arrow Connector 77"/>
           <p:cNvCxnSpPr>
-            <a:stCxn id="139" idx="3"/>
+            <a:stCxn id="70" idx="3"/>
           </p:cNvCxnSpPr>
           <p:nvPr/>
         </p:nvCxnSpPr>
         <p:spPr>
           <a:xfrm>
-            <a:off x="7375200" y="2794788"/>
+            <a:off x="7375200" y="2961682"/>
             <a:ext cx="666000" cy="0"/>
           </a:xfrm>
           <a:prstGeom prst="straightConnector1">
@@ -4942,13 +5203,13 @@
       </p:cxnSp>
       <p:sp>
         <p:nvSpPr>
-          <p:cNvPr id="152" name="Rectangle 151"/>
+          <p:cNvPr id="82" name="Rectangle 81"/>
           <p:cNvSpPr/>
           <p:nvPr/>
         </p:nvSpPr>
         <p:spPr>
           <a:xfrm>
-            <a:off x="5071200" y="3047798"/>
+            <a:off x="5071200" y="3214693"/>
             <a:ext cx="2304000" cy="274320"/>
           </a:xfrm>
           <a:prstGeom prst="rect">
@@ -4986,15 +5247,15 @@
       </p:sp>
       <p:cxnSp>
         <p:nvCxnSpPr>
-          <p:cNvPr id="153" name="Straight Arrow Connector 152"/>
+          <p:cNvPr id="83" name="Straight Arrow Connector 82"/>
           <p:cNvCxnSpPr>
-            <a:stCxn id="152" idx="3"/>
+            <a:stCxn id="82" idx="3"/>
           </p:cNvCxnSpPr>
           <p:nvPr/>
         </p:nvCxnSpPr>
         <p:spPr>
           <a:xfrm>
-            <a:off x="7375200" y="3184958"/>
+            <a:off x="7375200" y="3351853"/>
             <a:ext cx="666000" cy="0"/>
           </a:xfrm>
           <a:prstGeom prst="straightConnector1">
@@ -5005,6 +5266,87 @@
               <a:schemeClr val="accent4">
                 <a:lumMod val="75000"/>
               </a:schemeClr>
+            </a:solidFill>
+            <a:prstDash val="sysDash"/>
+            <a:tailEnd type="arrow"/>
+          </a:ln>
+        </p:spPr>
+        <p:style>
+          <a:lnRef idx="1">
+            <a:schemeClr val="accent1"/>
+          </a:lnRef>
+          <a:fillRef idx="0">
+            <a:schemeClr val="accent1"/>
+          </a:fillRef>
+          <a:effectRef idx="0">
+            <a:schemeClr val="accent1"/>
+          </a:effectRef>
+          <a:fontRef idx="minor">
+            <a:schemeClr val="tx1"/>
+          </a:fontRef>
+        </p:style>
+      </p:cxnSp>
+      <p:sp>
+        <p:nvSpPr>
+          <p:cNvPr id="112" name="Rectangle 111"/>
+          <p:cNvSpPr/>
+          <p:nvPr/>
+        </p:nvSpPr>
+        <p:spPr>
+          <a:xfrm>
+            <a:off x="1379192" y="6287889"/>
+            <a:ext cx="1872000" cy="360000"/>
+          </a:xfrm>
+          <a:prstGeom prst="rect">
+            <a:avLst/>
+          </a:prstGeom>
+        </p:spPr>
+        <p:style>
+          <a:lnRef idx="2">
+            <a:schemeClr val="accent3">
+              <a:shade val="50000"/>
+            </a:schemeClr>
+          </a:lnRef>
+          <a:fillRef idx="1">
+            <a:schemeClr val="accent3"/>
+          </a:fillRef>
+          <a:effectRef idx="0">
+            <a:schemeClr val="accent3"/>
+          </a:effectRef>
+          <a:fontRef idx="minor">
+            <a:schemeClr val="lt1"/>
+          </a:fontRef>
+        </p:style>
+        <p:txBody>
+          <a:bodyPr rtlCol="0" anchor="ctr"/>
+          <a:lstStyle/>
+          <a:p>
+            <a:pPr algn="ctr"/>
+            <a:r>
+              <a:rPr lang="en-US" sz="1600" b="1" dirty="0" err="1" smtClean="0"/>
+              <a:t>BackDoorOperation</a:t>
+            </a:r>
+            <a:endParaRPr lang="en-SG" sz="1600" b="1" dirty="0"/>
+          </a:p>
+        </p:txBody>
+      </p:sp>
+      <p:cxnSp>
+        <p:nvCxnSpPr>
+          <p:cNvPr id="114" name="Straight Arrow Connector 113"/>
+          <p:cNvCxnSpPr/>
+          <p:nvPr/>
+        </p:nvCxnSpPr>
+        <p:spPr>
+          <a:xfrm>
+            <a:off x="323761" y="4787689"/>
+            <a:ext cx="900000" cy="0"/>
+          </a:xfrm>
+          <a:prstGeom prst="straightConnector1">
+            <a:avLst/>
+          </a:prstGeom>
+          <a:ln w="38100">
+            <a:solidFill>
+              <a:schemeClr val="tx1"/>
             </a:solidFill>
             <a:prstDash val="sysDash"/>
             <a:tailEnd type="arrow"/>
@@ -5027,55 +5369,33 @@
       </p:cxnSp>
       <p:cxnSp>
         <p:nvCxnSpPr>
-          <p:cNvPr id="154" name="Straight Arrow Connector 153"/>
-          <p:cNvCxnSpPr/>
+          <p:cNvPr id="115" name="Elbow Connector 114"/>
+          <p:cNvCxnSpPr>
+            <a:stCxn id="52" idx="1"/>
+            <a:endCxn id="112" idx="3"/>
+          </p:cNvCxnSpPr>
           <p:nvPr/>
         </p:nvCxnSpPr>
         <p:spPr>
-          <a:xfrm>
-            <a:off x="323761" y="4677670"/>
-            <a:ext cx="900000" cy="0"/>
-          </a:xfrm>
-          <a:prstGeom prst="straightConnector1">
-            <a:avLst/>
-          </a:prstGeom>
-          <a:ln w="38100">
+          <a:xfrm rot="10800000">
+            <a:off x="3251192" y="6480589"/>
+            <a:ext cx="287008" cy="0"/>
+          </a:xfrm>
+          <a:prstGeom prst="bentConnector3">
+            <a:avLst>
+              <a:gd name="adj1" fmla="val 50000"/>
+            </a:avLst>
+          </a:prstGeom>
+          <a:ln w="28575">
             <a:solidFill>
-              <a:schemeClr val="tx1"/>
+              <a:schemeClr val="accent3">
+                <a:lumMod val="75000"/>
+              </a:schemeClr>
             </a:solidFill>
-            <a:prstDash val="sysDash"/>
-            <a:tailEnd type="arrow"/>
+            <a:prstDash val="sysDot"/>
+            <a:headEnd type="none" w="med" len="med"/>
+            <a:tailEnd type="arrow" w="med" len="med"/>
           </a:ln>
-        </p:spPr>
-        <p:style>
-          <a:lnRef idx="1">
-            <a:schemeClr val="accent1"/>
-          </a:lnRef>
-          <a:fillRef idx="0">
-            <a:schemeClr val="accent1"/>
-          </a:fillRef>
-          <a:effectRef idx="0">
-            <a:schemeClr val="accent1"/>
-          </a:effectRef>
-          <a:fontRef idx="minor">
-            <a:schemeClr val="tx1"/>
-          </a:fontRef>
-        </p:style>
-      </p:cxnSp>
-      <p:sp>
-        <p:nvSpPr>
-          <p:cNvPr id="155" name="Rectangle 154"/>
-          <p:cNvSpPr/>
-          <p:nvPr/>
-        </p:nvSpPr>
-        <p:spPr>
-          <a:xfrm>
-            <a:off x="1598727" y="4299072"/>
-            <a:ext cx="1676400" cy="396000"/>
-          </a:xfrm>
-          <a:prstGeom prst="rect">
-            <a:avLst/>
-          </a:prstGeom>
         </p:spPr>
         <p:style>
           <a:lnRef idx="2">
@@ -5093,33 +5413,36 @@
             <a:schemeClr val="lt1"/>
           </a:fontRef>
         </p:style>
-        <p:txBody>
-          <a:bodyPr rtlCol="0" anchor="ctr"/>
-          <a:lstStyle/>
-          <a:p>
-            <a:pPr algn="ctr"/>
-            <a:r>
-              <a:rPr lang="en-US" sz="1600" b="1" dirty="0" err="1"/>
-              <a:t>EmailSender</a:t>
-            </a:r>
-            <a:endParaRPr lang="en-SG" sz="1600" b="1" dirty="0"/>
-          </a:p>
-        </p:txBody>
-      </p:sp>
-      <p:sp>
-        <p:nvSpPr>
-          <p:cNvPr id="161" name="Rectangle 160"/>
-          <p:cNvSpPr/>
+      </p:cxnSp>
+      <p:cxnSp>
+        <p:nvCxnSpPr>
+          <p:cNvPr id="116" name="Elbow Connector 115"/>
+          <p:cNvCxnSpPr>
+            <a:stCxn id="52" idx="3"/>
+            <a:endCxn id="51" idx="1"/>
+          </p:cNvCxnSpPr>
           <p:nvPr/>
-        </p:nvSpPr>
-        <p:spPr>
-          <a:xfrm>
-            <a:off x="1598727" y="4887994"/>
-            <a:ext cx="1676400" cy="396000"/>
-          </a:xfrm>
-          <a:prstGeom prst="rect">
-            <a:avLst/>
-          </a:prstGeom>
+        </p:nvCxnSpPr>
+        <p:spPr>
+          <a:xfrm>
+            <a:off x="5410200" y="6467889"/>
+            <a:ext cx="267832" cy="0"/>
+          </a:xfrm>
+          <a:prstGeom prst="bentConnector3">
+            <a:avLst>
+              <a:gd name="adj1" fmla="val 50000"/>
+            </a:avLst>
+          </a:prstGeom>
+          <a:ln w="28575">
+            <a:solidFill>
+              <a:schemeClr val="accent3">
+                <a:lumMod val="75000"/>
+              </a:schemeClr>
+            </a:solidFill>
+            <a:prstDash val="sysDot"/>
+            <a:headEnd type="none" w="med" len="med"/>
+            <a:tailEnd type="arrow" w="med" len="med"/>
+          </a:ln>
         </p:spPr>
         <p:style>
           <a:lnRef idx="2">
@@ -5137,28 +5460,16 @@
             <a:schemeClr val="lt1"/>
           </a:fontRef>
         </p:style>
-        <p:txBody>
-          <a:bodyPr rtlCol="0" anchor="ctr"/>
-          <a:lstStyle/>
-          <a:p>
-            <a:pPr algn="ctr"/>
-            <a:r>
-              <a:rPr lang="en-US" sz="1600" b="1" dirty="0" err="1"/>
-              <a:t>EmailGenerator</a:t>
-            </a:r>
-            <a:endParaRPr lang="en-SG" sz="1600" b="1" dirty="0"/>
-          </a:p>
-        </p:txBody>
-      </p:sp>
-      <p:sp>
-        <p:nvSpPr>
-          <p:cNvPr id="162" name="Rectangle 161"/>
+      </p:cxnSp>
+      <p:sp>
+        <p:nvSpPr>
+          <p:cNvPr id="117" name="Rectangle 116"/>
           <p:cNvSpPr/>
           <p:nvPr/>
         </p:nvSpPr>
         <p:spPr>
           <a:xfrm>
-            <a:off x="5716800" y="4294371"/>
+            <a:off x="1598728" y="4409090"/>
             <a:ext cx="1676400" cy="396000"/>
           </a:xfrm>
           <a:prstGeom prst="rect">
@@ -5187,8 +5498,8 @@
           <a:p>
             <a:pPr algn="ctr"/>
             <a:r>
-              <a:rPr lang="en-US" sz="1600" b="1" dirty="0" err="1"/>
-              <a:t>TaskQueuer</a:t>
+              <a:rPr lang="en-US" sz="1600" b="1" dirty="0" err="1" smtClean="0"/>
+              <a:t>EmailSender</a:t>
             </a:r>
             <a:endParaRPr lang="en-SG" sz="1600" b="1" dirty="0"/>
           </a:p>
@@ -5196,13 +5507,13 @@
       </p:sp>
       <p:sp>
         <p:nvSpPr>
-          <p:cNvPr id="163" name="Rectangle 162"/>
+          <p:cNvPr id="118" name="Rectangle 117"/>
           <p:cNvSpPr/>
           <p:nvPr/>
         </p:nvSpPr>
         <p:spPr>
           <a:xfrm>
-            <a:off x="5716800" y="4883294"/>
+            <a:off x="1598728" y="4998013"/>
             <a:ext cx="1676400" cy="396000"/>
           </a:xfrm>
           <a:prstGeom prst="rect">
@@ -5231,8 +5542,8 @@
           <a:p>
             <a:pPr algn="ctr"/>
             <a:r>
-              <a:rPr lang="en-US" sz="1600" b="1" dirty="0" err="1"/>
-              <a:t>GateKeeper</a:t>
+              <a:rPr lang="en-US" sz="1600" b="1" dirty="0" err="1" smtClean="0"/>
+              <a:t>EmailGenerator</a:t>
             </a:r>
             <a:endParaRPr lang="en-SG" sz="1600" b="1" dirty="0"/>
           </a:p>
@@ -5240,18 +5551,192 @@
       </p:sp>
       <p:sp>
         <p:nvSpPr>
-          <p:cNvPr id="165" name="Rectangle 164"/>
+          <p:cNvPr id="119" name="Rectangle 118"/>
           <p:cNvSpPr/>
           <p:nvPr/>
         </p:nvSpPr>
         <p:spPr>
           <a:xfrm>
-            <a:off x="1580647" y="1212060"/>
-            <a:ext cx="2304000" cy="274384"/>
-          </a:xfrm>
-          <a:prstGeom prst="rect">
-            <a:avLst/>
-          </a:prstGeom>
+            <a:off x="5716800" y="4404389"/>
+            <a:ext cx="1676400" cy="396000"/>
+          </a:xfrm>
+          <a:prstGeom prst="rect">
+            <a:avLst/>
+          </a:prstGeom>
+        </p:spPr>
+        <p:style>
+          <a:lnRef idx="2">
+            <a:schemeClr val="accent2">
+              <a:shade val="50000"/>
+            </a:schemeClr>
+          </a:lnRef>
+          <a:fillRef idx="1">
+            <a:schemeClr val="accent2"/>
+          </a:fillRef>
+          <a:effectRef idx="0">
+            <a:schemeClr val="accent2"/>
+          </a:effectRef>
+          <a:fontRef idx="minor">
+            <a:schemeClr val="lt1"/>
+          </a:fontRef>
+        </p:style>
+        <p:txBody>
+          <a:bodyPr rtlCol="0" anchor="ctr"/>
+          <a:lstStyle/>
+          <a:p>
+            <a:pPr algn="ctr"/>
+            <a:r>
+              <a:rPr lang="en-US" sz="1600" b="1" dirty="0" err="1" smtClean="0"/>
+              <a:t>TaskQueuer</a:t>
+            </a:r>
+            <a:endParaRPr lang="en-SG" sz="1600" b="1" dirty="0"/>
+          </a:p>
+        </p:txBody>
+      </p:sp>
+      <p:sp>
+        <p:nvSpPr>
+          <p:cNvPr id="120" name="Rectangle 119"/>
+          <p:cNvSpPr/>
+          <p:nvPr/>
+        </p:nvSpPr>
+        <p:spPr>
+          <a:xfrm>
+            <a:off x="5716800" y="4993312"/>
+            <a:ext cx="1676400" cy="396000"/>
+          </a:xfrm>
+          <a:prstGeom prst="rect">
+            <a:avLst/>
+          </a:prstGeom>
+        </p:spPr>
+        <p:style>
+          <a:lnRef idx="2">
+            <a:schemeClr val="accent2">
+              <a:shade val="50000"/>
+            </a:schemeClr>
+          </a:lnRef>
+          <a:fillRef idx="1">
+            <a:schemeClr val="accent2"/>
+          </a:fillRef>
+          <a:effectRef idx="0">
+            <a:schemeClr val="accent2"/>
+          </a:effectRef>
+          <a:fontRef idx="minor">
+            <a:schemeClr val="lt1"/>
+          </a:fontRef>
+        </p:style>
+        <p:txBody>
+          <a:bodyPr rtlCol="0" anchor="ctr"/>
+          <a:lstStyle/>
+          <a:p>
+            <a:pPr algn="ctr"/>
+            <a:r>
+              <a:rPr lang="en-US" sz="1600" b="1" dirty="0" err="1" smtClean="0"/>
+              <a:t>GateKeeper</a:t>
+            </a:r>
+            <a:endParaRPr lang="en-SG" sz="1600" b="1" dirty="0"/>
+          </a:p>
+        </p:txBody>
+      </p:sp>
+      <p:cxnSp>
+        <p:nvCxnSpPr>
+          <p:cNvPr id="121" name="Straight Arrow Connector 120"/>
+          <p:cNvCxnSpPr/>
+          <p:nvPr/>
+        </p:nvCxnSpPr>
+        <p:spPr>
+          <a:xfrm rot="16200000" flipH="1">
+            <a:off x="4296681" y="3812329"/>
+            <a:ext cx="420167" cy="0"/>
+          </a:xfrm>
+          <a:prstGeom prst="straightConnector1">
+            <a:avLst/>
+          </a:prstGeom>
+          <a:ln>
+            <a:solidFill>
+              <a:schemeClr val="accent4">
+                <a:lumMod val="75000"/>
+              </a:schemeClr>
+            </a:solidFill>
+            <a:prstDash val="sysDot"/>
+            <a:headEnd type="arrow" w="med" len="med"/>
+            <a:tailEnd type="none" w="med" len="med"/>
+          </a:ln>
+        </p:spPr>
+        <p:style>
+          <a:lnRef idx="2">
+            <a:schemeClr val="accent2">
+              <a:shade val="50000"/>
+            </a:schemeClr>
+          </a:lnRef>
+          <a:fillRef idx="1">
+            <a:schemeClr val="accent2"/>
+          </a:fillRef>
+          <a:effectRef idx="0">
+            <a:schemeClr val="accent2"/>
+          </a:effectRef>
+          <a:fontRef idx="minor">
+            <a:schemeClr val="lt1"/>
+          </a:fontRef>
+        </p:style>
+      </p:cxnSp>
+      <p:cxnSp>
+        <p:nvCxnSpPr>
+          <p:cNvPr id="122" name="Straight Arrow Connector 121"/>
+          <p:cNvCxnSpPr>
+            <a:stCxn id="123" idx="0"/>
+            <a:endCxn id="51" idx="2"/>
+          </p:cNvCxnSpPr>
+          <p:nvPr/>
+        </p:nvCxnSpPr>
+        <p:spPr>
+          <a:xfrm flipV="1">
+            <a:off x="6614032" y="6647889"/>
+            <a:ext cx="0" cy="529516"/>
+          </a:xfrm>
+          <a:prstGeom prst="straightConnector1">
+            <a:avLst/>
+          </a:prstGeom>
+          <a:ln w="38100">
+            <a:solidFill>
+              <a:schemeClr val="tx1"/>
+            </a:solidFill>
+            <a:prstDash val="sysDash"/>
+            <a:tailEnd type="arrow"/>
+          </a:ln>
+        </p:spPr>
+        <p:style>
+          <a:lnRef idx="1">
+            <a:schemeClr val="accent1"/>
+          </a:lnRef>
+          <a:fillRef idx="0">
+            <a:schemeClr val="accent1"/>
+          </a:fillRef>
+          <a:effectRef idx="0">
+            <a:schemeClr val="accent1"/>
+          </a:effectRef>
+          <a:fontRef idx="minor">
+            <a:schemeClr val="tx1"/>
+          </a:fontRef>
+        </p:style>
+      </p:cxnSp>
+      <p:sp>
+        <p:nvSpPr>
+          <p:cNvPr id="123" name="TextBox 122"/>
+          <p:cNvSpPr txBox="1"/>
+          <p:nvPr/>
+        </p:nvSpPr>
+        <p:spPr>
+          <a:xfrm>
+            <a:off x="5500224" y="7177405"/>
+            <a:ext cx="2227616" cy="426720"/>
+          </a:xfrm>
+          <a:prstGeom prst="rect">
+            <a:avLst/>
+          </a:prstGeom>
+          <a:grpFill/>
+          <a:ln>
+            <a:noFill/>
+          </a:ln>
         </p:spPr>
         <p:style>
           <a:lnRef idx="2">
@@ -5270,32 +5755,111 @@
           </a:fontRef>
         </p:style>
         <p:txBody>
-          <a:bodyPr rtlCol="0" anchor="ctr"/>
-          <a:lstStyle/>
-          <a:p>
-            <a:pPr algn="ctr"/>
-            <a:r>
-              <a:rPr lang="en-US" sz="1600" b="1" dirty="0" err="1"/>
-              <a:t>JavamailService</a:t>
-            </a:r>
-            <a:endParaRPr lang="en-SG" sz="1600" b="1" dirty="0"/>
-          </a:p>
-        </p:txBody>
-      </p:sp>
-      <p:sp>
-        <p:nvSpPr>
-          <p:cNvPr id="166" name="Rectangle 165"/>
-          <p:cNvSpPr/>
+          <a:bodyPr rtlCol="0" anchor="ctr" anchorCtr="0"/>
+          <a:lstStyle>
+            <a:defPPr>
+              <a:defRPr lang="en-US"/>
+            </a:defPPr>
+            <a:lvl1pPr>
+              <a:defRPr sz="1400" b="1">
+                <a:solidFill>
+                  <a:srgbClr val="7030A0"/>
+                </a:solidFill>
+              </a:defRPr>
+            </a:lvl1pPr>
+            <a:lvl2pPr>
+              <a:defRPr>
+                <a:solidFill>
+                  <a:schemeClr val="lt1"/>
+                </a:solidFill>
+              </a:defRPr>
+            </a:lvl2pPr>
+            <a:lvl3pPr>
+              <a:defRPr>
+                <a:solidFill>
+                  <a:schemeClr val="lt1"/>
+                </a:solidFill>
+              </a:defRPr>
+            </a:lvl3pPr>
+            <a:lvl4pPr>
+              <a:defRPr>
+                <a:solidFill>
+                  <a:schemeClr val="lt1"/>
+                </a:solidFill>
+              </a:defRPr>
+            </a:lvl4pPr>
+            <a:lvl5pPr>
+              <a:defRPr>
+                <a:solidFill>
+                  <a:schemeClr val="lt1"/>
+                </a:solidFill>
+              </a:defRPr>
+            </a:lvl5pPr>
+            <a:lvl6pPr>
+              <a:defRPr>
+                <a:solidFill>
+                  <a:schemeClr val="lt1"/>
+                </a:solidFill>
+              </a:defRPr>
+            </a:lvl6pPr>
+            <a:lvl7pPr>
+              <a:defRPr>
+                <a:solidFill>
+                  <a:schemeClr val="lt1"/>
+                </a:solidFill>
+              </a:defRPr>
+            </a:lvl7pPr>
+            <a:lvl8pPr>
+              <a:defRPr>
+                <a:solidFill>
+                  <a:schemeClr val="lt1"/>
+                </a:solidFill>
+              </a:defRPr>
+            </a:lvl8pPr>
+            <a:lvl9pPr>
+              <a:defRPr>
+                <a:solidFill>
+                  <a:schemeClr val="lt1"/>
+                </a:solidFill>
+              </a:defRPr>
+            </a:lvl9pPr>
+          </a:lstStyle>
+          <a:p>
+            <a:pPr algn="r"/>
+            <a:r>
+              <a:rPr lang="en-US" sz="1600" dirty="0">
+                <a:solidFill>
+                  <a:schemeClr val="tx1"/>
+                </a:solidFill>
+              </a:rPr>
+              <a:t>Test driver, Client scripts</a:t>
+            </a:r>
+            <a:endParaRPr lang="en-SG" sz="1600" dirty="0">
+              <a:solidFill>
+                <a:schemeClr val="tx1"/>
+              </a:solidFill>
+            </a:endParaRPr>
+          </a:p>
+        </p:txBody>
+      </p:sp>
+      <p:sp>
+        <p:nvSpPr>
+          <p:cNvPr id="127" name="TextBox 126"/>
+          <p:cNvSpPr txBox="1"/>
           <p:nvPr/>
         </p:nvSpPr>
         <p:spPr>
           <a:xfrm>
-            <a:off x="1580647" y="1602780"/>
-            <a:ext cx="2304000" cy="274384"/>
-          </a:xfrm>
-          <a:prstGeom prst="rect">
-            <a:avLst/>
-          </a:prstGeom>
+            <a:off x="2590800" y="7176404"/>
+            <a:ext cx="1600200" cy="426720"/>
+          </a:xfrm>
+          <a:prstGeom prst="rect">
+            <a:avLst/>
+          </a:prstGeom>
+          <a:grpFill/>
+          <a:ln>
+            <a:noFill/>
+          </a:ln>
         </p:spPr>
         <p:style>
           <a:lnRef idx="2">
@@ -5314,27 +5878,102 @@
           </a:fontRef>
         </p:style>
         <p:txBody>
-          <a:bodyPr rtlCol="0" anchor="ctr"/>
-          <a:lstStyle/>
+          <a:bodyPr rtlCol="0" anchor="ctr" anchorCtr="0"/>
+          <a:lstStyle>
+            <a:defPPr>
+              <a:defRPr lang="en-US"/>
+            </a:defPPr>
+            <a:lvl1pPr>
+              <a:defRPr sz="1400" b="1">
+                <a:solidFill>
+                  <a:srgbClr val="7030A0"/>
+                </a:solidFill>
+              </a:defRPr>
+            </a:lvl1pPr>
+            <a:lvl2pPr>
+              <a:defRPr>
+                <a:solidFill>
+                  <a:schemeClr val="lt1"/>
+                </a:solidFill>
+              </a:defRPr>
+            </a:lvl2pPr>
+            <a:lvl3pPr>
+              <a:defRPr>
+                <a:solidFill>
+                  <a:schemeClr val="lt1"/>
+                </a:solidFill>
+              </a:defRPr>
+            </a:lvl3pPr>
+            <a:lvl4pPr>
+              <a:defRPr>
+                <a:solidFill>
+                  <a:schemeClr val="lt1"/>
+                </a:solidFill>
+              </a:defRPr>
+            </a:lvl4pPr>
+            <a:lvl5pPr>
+              <a:defRPr>
+                <a:solidFill>
+                  <a:schemeClr val="lt1"/>
+                </a:solidFill>
+              </a:defRPr>
+            </a:lvl5pPr>
+            <a:lvl6pPr>
+              <a:defRPr>
+                <a:solidFill>
+                  <a:schemeClr val="lt1"/>
+                </a:solidFill>
+              </a:defRPr>
+            </a:lvl6pPr>
+            <a:lvl7pPr>
+              <a:defRPr>
+                <a:solidFill>
+                  <a:schemeClr val="lt1"/>
+                </a:solidFill>
+              </a:defRPr>
+            </a:lvl7pPr>
+            <a:lvl8pPr>
+              <a:defRPr>
+                <a:solidFill>
+                  <a:schemeClr val="lt1"/>
+                </a:solidFill>
+              </a:defRPr>
+            </a:lvl8pPr>
+            <a:lvl9pPr>
+              <a:defRPr>
+                <a:solidFill>
+                  <a:schemeClr val="lt1"/>
+                </a:solidFill>
+              </a:defRPr>
+            </a:lvl9pPr>
+          </a:lstStyle>
           <a:p>
             <a:pPr algn="ctr"/>
             <a:r>
-              <a:rPr lang="en-US" sz="1600" b="1" dirty="0" err="1"/>
-              <a:t>SendgridService</a:t>
-            </a:r>
-            <a:endParaRPr lang="en-SG" sz="1600" b="1" dirty="0"/>
-          </a:p>
-        </p:txBody>
-      </p:sp>
-      <p:sp>
-        <p:nvSpPr>
-          <p:cNvPr id="167" name="Rectangle 166"/>
+              <a:rPr lang="en-US" sz="1600" dirty="0" smtClean="0">
+                <a:solidFill>
+                  <a:schemeClr val="tx1"/>
+                </a:solidFill>
+              </a:rPr>
+              <a:t>Test driver</a:t>
+            </a:r>
+            <a:endParaRPr lang="en-SG" sz="1600" dirty="0">
+              <a:solidFill>
+                <a:schemeClr val="tx1"/>
+              </a:solidFill>
+            </a:endParaRPr>
+          </a:p>
+        </p:txBody>
+      </p:sp>
+      <p:sp>
+        <p:nvSpPr>
+          <p:cNvPr id="146" name="Rectangle 145"/>
           <p:cNvSpPr/>
           <p:nvPr/>
         </p:nvSpPr>
         <p:spPr>
           <a:xfrm>
-            <a:off x="1580647" y="1980935"/>
+            <a:off x="1580647" y="1378954"/>
             <a:ext cx="2304000" cy="274384"/>
           </a:xfrm>
           <a:prstGeom prst="rect">
@@ -5363,8 +6002,8 @@
           <a:p>
             <a:pPr algn="ctr"/>
             <a:r>
-              <a:rPr lang="en-US" sz="1600" b="1" dirty="0"/>
-              <a:t>*Service</a:t>
+              <a:rPr lang="en-US" sz="1600" b="1" dirty="0" err="1" smtClean="0"/>
+              <a:t>JavamailService</a:t>
             </a:r>
             <a:endParaRPr lang="en-SG" sz="1600" b="1" dirty="0"/>
           </a:p>
@@ -5372,13 +6011,101 @@
       </p:sp>
       <p:sp>
         <p:nvSpPr>
-          <p:cNvPr id="169" name="Rectangle 168"/>
+          <p:cNvPr id="147" name="Rectangle 146"/>
           <p:cNvSpPr/>
           <p:nvPr/>
         </p:nvSpPr>
         <p:spPr>
           <a:xfrm>
-            <a:off x="1580647" y="2849679"/>
+            <a:off x="1580647" y="1769675"/>
+            <a:ext cx="2304000" cy="274384"/>
+          </a:xfrm>
+          <a:prstGeom prst="rect">
+            <a:avLst/>
+          </a:prstGeom>
+        </p:spPr>
+        <p:style>
+          <a:lnRef idx="2">
+            <a:schemeClr val="accent1">
+              <a:shade val="50000"/>
+            </a:schemeClr>
+          </a:lnRef>
+          <a:fillRef idx="1">
+            <a:schemeClr val="accent1"/>
+          </a:fillRef>
+          <a:effectRef idx="0">
+            <a:schemeClr val="accent1"/>
+          </a:effectRef>
+          <a:fontRef idx="minor">
+            <a:schemeClr val="lt1"/>
+          </a:fontRef>
+        </p:style>
+        <p:txBody>
+          <a:bodyPr rtlCol="0" anchor="ctr"/>
+          <a:lstStyle/>
+          <a:p>
+            <a:pPr algn="ctr"/>
+            <a:r>
+              <a:rPr lang="en-US" sz="1600" b="1" dirty="0" err="1" smtClean="0"/>
+              <a:t>SendgridService</a:t>
+            </a:r>
+            <a:endParaRPr lang="en-SG" sz="1600" b="1" dirty="0"/>
+          </a:p>
+        </p:txBody>
+      </p:sp>
+      <p:sp>
+        <p:nvSpPr>
+          <p:cNvPr id="148" name="Rectangle 147"/>
+          <p:cNvSpPr/>
+          <p:nvPr/>
+        </p:nvSpPr>
+        <p:spPr>
+          <a:xfrm>
+            <a:off x="1580647" y="2147829"/>
+            <a:ext cx="2304000" cy="274384"/>
+          </a:xfrm>
+          <a:prstGeom prst="rect">
+            <a:avLst/>
+          </a:prstGeom>
+        </p:spPr>
+        <p:style>
+          <a:lnRef idx="2">
+            <a:schemeClr val="accent1">
+              <a:shade val="50000"/>
+            </a:schemeClr>
+          </a:lnRef>
+          <a:fillRef idx="1">
+            <a:schemeClr val="accent1"/>
+          </a:fillRef>
+          <a:effectRef idx="0">
+            <a:schemeClr val="accent1"/>
+          </a:effectRef>
+          <a:fontRef idx="minor">
+            <a:schemeClr val="lt1"/>
+          </a:fontRef>
+        </p:style>
+        <p:txBody>
+          <a:bodyPr rtlCol="0" anchor="ctr"/>
+          <a:lstStyle/>
+          <a:p>
+            <a:pPr algn="ctr"/>
+            <a:r>
+              <a:rPr lang="en-US" sz="1600" b="1" dirty="0" smtClean="0"/>
+              <a:t>*Service</a:t>
+            </a:r>
+            <a:endParaRPr lang="en-SG" sz="1600" b="1" dirty="0"/>
+          </a:p>
+        </p:txBody>
+      </p:sp>
+      <p:sp>
+        <p:nvSpPr>
+          <p:cNvPr id="149" name="Rectangle 148"/>
+          <p:cNvSpPr/>
+          <p:nvPr/>
+        </p:nvSpPr>
+        <p:spPr>
+          <a:xfrm>
+            <a:off x="1580647" y="3016573"/>
             <a:ext cx="2304000" cy="274320"/>
           </a:xfrm>
           <a:prstGeom prst="rect">
@@ -5407,7 +6134,7 @@
           <a:p>
             <a:pPr algn="ctr"/>
             <a:r>
-              <a:rPr lang="en-US" sz="1600" b="1" dirty="0" err="1"/>
+              <a:rPr lang="en-US" sz="1600" b="1" dirty="0" err="1" smtClean="0"/>
               <a:t>TaskQueuesLogic</a:t>
             </a:r>
             <a:endParaRPr lang="en-SG" sz="1600" b="1" dirty="0"/>
@@ -5416,15 +6143,15 @@
       </p:sp>
       <p:cxnSp>
         <p:nvCxnSpPr>
-          <p:cNvPr id="170" name="Straight Arrow Connector 169"/>
+          <p:cNvPr id="150" name="Straight Arrow Connector 149"/>
           <p:cNvCxnSpPr>
-            <a:stCxn id="169" idx="1"/>
+            <a:stCxn id="149" idx="1"/>
           </p:cNvCxnSpPr>
           <p:nvPr/>
         </p:nvCxnSpPr>
         <p:spPr>
           <a:xfrm flipH="1">
-            <a:off x="858259" y="2986839"/>
+            <a:off x="858259" y="3153733"/>
             <a:ext cx="722388" cy="0"/>
           </a:xfrm>
           <a:prstGeom prst="straightConnector1">
@@ -5457,14 +6184,14 @@
       </p:cxnSp>
       <p:sp>
         <p:nvSpPr>
-          <p:cNvPr id="171" name="TextBox 170"/>
+          <p:cNvPr id="156" name="TextBox 155"/>
           <p:cNvSpPr txBox="1"/>
           <p:nvPr/>
         </p:nvSpPr>
         <p:spPr>
           <a:xfrm>
-            <a:off x="228600" y="2819200"/>
-            <a:ext cx="781800" cy="426719"/>
+            <a:off x="228600" y="2986093"/>
+            <a:ext cx="781800" cy="426720"/>
           </a:xfrm>
           <a:prstGeom prst="rect">
             <a:avLst/>
@@ -5562,7 +6289,7 @@
           </a:lstStyle>
           <a:p>
             <a:r>
-              <a:rPr lang="en-US" sz="1600" dirty="0">
+              <a:rPr lang="en-US" sz="1600" dirty="0" smtClean="0">
                 <a:solidFill>
                   <a:schemeClr val="tx1"/>
                 </a:solidFill>
@@ -5572,7 +6299,7 @@
           </a:p>
           <a:p>
             <a:r>
-              <a:rPr lang="en-US" sz="1600" dirty="0">
+              <a:rPr lang="en-US" sz="1600" dirty="0" smtClean="0">
                 <a:solidFill>
                   <a:schemeClr val="tx1"/>
                 </a:solidFill>
@@ -5582,7 +6309,7 @@
           </a:p>
           <a:p>
             <a:r>
-              <a:rPr lang="en-US" sz="1600" dirty="0">
+              <a:rPr lang="en-US" sz="1600" dirty="0" smtClean="0">
                 <a:solidFill>
                   <a:schemeClr val="tx1"/>
                 </a:solidFill>
@@ -5592,7 +6319,7 @@
           </a:p>
           <a:p>
             <a:r>
-              <a:rPr lang="en-US" sz="1600" dirty="0">
+              <a:rPr lang="en-US" sz="1600" dirty="0" smtClean="0">
                 <a:solidFill>
                   <a:schemeClr val="tx1"/>
                 </a:solidFill>
@@ -5609,14 +6336,14 @@
       </p:sp>
       <p:sp>
         <p:nvSpPr>
-          <p:cNvPr id="172" name="TextBox 171"/>
+          <p:cNvPr id="157" name="TextBox 156"/>
           <p:cNvSpPr txBox="1"/>
           <p:nvPr/>
         </p:nvSpPr>
         <p:spPr>
           <a:xfrm>
-            <a:off x="208800" y="1493631"/>
-            <a:ext cx="781800" cy="426719"/>
+            <a:off x="208800" y="1660525"/>
+            <a:ext cx="781800" cy="426720"/>
           </a:xfrm>
           <a:prstGeom prst="rect">
             <a:avLst/>
@@ -5714,7 +6441,7 @@
           </a:lstStyle>
           <a:p>
             <a:r>
-              <a:rPr lang="en-US" sz="1600" dirty="0">
+              <a:rPr lang="en-US" sz="1600" dirty="0" smtClean="0">
                 <a:solidFill>
                   <a:schemeClr val="tx1"/>
                 </a:solidFill>
@@ -5724,7 +6451,7 @@
           </a:p>
           <a:p>
             <a:r>
-              <a:rPr lang="en-US" sz="1600" dirty="0">
+              <a:rPr lang="en-US" sz="1600" dirty="0" smtClean="0">
                 <a:solidFill>
                   <a:schemeClr val="tx1"/>
                 </a:solidFill>
@@ -5741,15 +6468,15 @@
       </p:sp>
       <p:cxnSp>
         <p:nvCxnSpPr>
-          <p:cNvPr id="173" name="Straight Arrow Connector 172"/>
+          <p:cNvPr id="158" name="Straight Arrow Connector 157"/>
           <p:cNvCxnSpPr>
-            <a:stCxn id="165" idx="1"/>
+            <a:stCxn id="146" idx="1"/>
           </p:cNvCxnSpPr>
           <p:nvPr/>
         </p:nvCxnSpPr>
         <p:spPr>
           <a:xfrm flipH="1">
-            <a:off x="840194" y="1349251"/>
+            <a:off x="840190" y="1516146"/>
             <a:ext cx="740457" cy="0"/>
           </a:xfrm>
           <a:prstGeom prst="straightConnector1">
@@ -5782,15 +6509,15 @@
       </p:cxnSp>
       <p:cxnSp>
         <p:nvCxnSpPr>
-          <p:cNvPr id="174" name="Straight Arrow Connector 173"/>
+          <p:cNvPr id="159" name="Straight Arrow Connector 158"/>
           <p:cNvCxnSpPr>
-            <a:stCxn id="166" idx="1"/>
+            <a:stCxn id="147" idx="1"/>
           </p:cNvCxnSpPr>
           <p:nvPr/>
         </p:nvCxnSpPr>
         <p:spPr>
           <a:xfrm flipH="1">
-            <a:off x="838204" y="1739972"/>
+            <a:off x="838200" y="1906867"/>
             <a:ext cx="742447" cy="0"/>
           </a:xfrm>
           <a:prstGeom prst="straightConnector1">
@@ -5823,15 +6550,15 @@
       </p:cxnSp>
       <p:cxnSp>
         <p:nvCxnSpPr>
-          <p:cNvPr id="175" name="Straight Arrow Connector 174"/>
+          <p:cNvPr id="160" name="Straight Arrow Connector 159"/>
           <p:cNvCxnSpPr>
-            <a:stCxn id="167" idx="1"/>
+            <a:stCxn id="148" idx="1"/>
           </p:cNvCxnSpPr>
           <p:nvPr/>
         </p:nvCxnSpPr>
         <p:spPr>
           <a:xfrm flipH="1">
-            <a:off x="838204" y="2118126"/>
+            <a:off x="838200" y="2285021"/>
             <a:ext cx="742447" cy="0"/>
           </a:xfrm>
           <a:prstGeom prst="straightConnector1">
@@ -5862,128 +6589,129 @@
           </a:fontRef>
         </p:style>
       </p:cxnSp>
-      <p:sp>
-        <p:nvSpPr>
-          <p:cNvPr id="176" name="TextBox 175"/>
-          <p:cNvSpPr txBox="1"/>
+      <p:cxnSp>
+        <p:nvCxnSpPr>
+          <p:cNvPr id="168" name="Straight Arrow Connector 167"/>
+          <p:cNvCxnSpPr>
+            <a:stCxn id="51" idx="3"/>
+          </p:cNvCxnSpPr>
           <p:nvPr/>
-        </p:nvSpPr>
-        <p:spPr>
-          <a:xfrm>
-            <a:off x="304800" y="4781075"/>
-            <a:ext cx="838200" cy="426719"/>
-          </a:xfrm>
-          <a:prstGeom prst="rect">
-            <a:avLst/>
-          </a:prstGeom>
-          <a:grpFill/>
-          <a:ln>
-            <a:noFill/>
+        </p:nvCxnSpPr>
+        <p:spPr>
+          <a:xfrm>
+            <a:off x="7550032" y="6467889"/>
+            <a:ext cx="540000" cy="0"/>
+          </a:xfrm>
+          <a:prstGeom prst="straightConnector1">
+            <a:avLst/>
+          </a:prstGeom>
+          <a:ln w="38100">
+            <a:solidFill>
+              <a:schemeClr val="accent3">
+                <a:lumMod val="75000"/>
+              </a:schemeClr>
+            </a:solidFill>
+            <a:prstDash val="sysDash"/>
+            <a:tailEnd type="arrow"/>
           </a:ln>
         </p:spPr>
         <p:style>
-          <a:lnRef idx="2">
-            <a:schemeClr val="accent1">
-              <a:shade val="50000"/>
-            </a:schemeClr>
+          <a:lnRef idx="1">
+            <a:schemeClr val="accent1"/>
           </a:lnRef>
-          <a:fillRef idx="1">
+          <a:fillRef idx="0">
             <a:schemeClr val="accent1"/>
           </a:fillRef>
           <a:effectRef idx="0">
             <a:schemeClr val="accent1"/>
           </a:effectRef>
           <a:fontRef idx="minor">
-            <a:schemeClr val="lt1"/>
+            <a:schemeClr val="tx1"/>
           </a:fontRef>
         </p:style>
-        <p:txBody>
-          <a:bodyPr rtlCol="0" anchor="ctr" anchorCtr="0"/>
-          <a:lstStyle>
-            <a:defPPr>
-              <a:defRPr lang="en-US"/>
-            </a:defPPr>
-            <a:lvl1pPr>
-              <a:defRPr sz="1400" b="1">
-                <a:solidFill>
-                  <a:srgbClr val="7030A0"/>
-                </a:solidFill>
-              </a:defRPr>
-            </a:lvl1pPr>
-            <a:lvl2pPr>
-              <a:defRPr>
-                <a:solidFill>
-                  <a:schemeClr val="lt1"/>
-                </a:solidFill>
-              </a:defRPr>
-            </a:lvl2pPr>
-            <a:lvl3pPr>
-              <a:defRPr>
-                <a:solidFill>
-                  <a:schemeClr val="lt1"/>
-                </a:solidFill>
-              </a:defRPr>
-            </a:lvl3pPr>
-            <a:lvl4pPr>
-              <a:defRPr>
-                <a:solidFill>
-                  <a:schemeClr val="lt1"/>
-                </a:solidFill>
-              </a:defRPr>
-            </a:lvl4pPr>
-            <a:lvl5pPr>
-              <a:defRPr>
-                <a:solidFill>
-                  <a:schemeClr val="lt1"/>
-                </a:solidFill>
-              </a:defRPr>
-            </a:lvl5pPr>
-            <a:lvl6pPr>
-              <a:defRPr>
-                <a:solidFill>
-                  <a:schemeClr val="lt1"/>
-                </a:solidFill>
-              </a:defRPr>
-            </a:lvl6pPr>
-            <a:lvl7pPr>
-              <a:defRPr>
-                <a:solidFill>
-                  <a:schemeClr val="lt1"/>
-                </a:solidFill>
-              </a:defRPr>
-            </a:lvl7pPr>
-            <a:lvl8pPr>
-              <a:defRPr>
-                <a:solidFill>
-                  <a:schemeClr val="lt1"/>
-                </a:solidFill>
-              </a:defRPr>
-            </a:lvl8pPr>
-            <a:lvl9pPr>
-              <a:defRPr>
-                <a:solidFill>
-                  <a:schemeClr val="lt1"/>
-                </a:solidFill>
-              </a:defRPr>
-            </a:lvl9pPr>
-          </a:lstStyle>
-          <a:p>
-            <a:r>
-              <a:rPr lang="en-US" sz="1600" dirty="0" smtClean="0">
-                <a:solidFill>
-                  <a:schemeClr val="tx1"/>
-                </a:solidFill>
-              </a:rPr>
-              <a:t>Test Driver</a:t>
-            </a:r>
-            <a:endParaRPr lang="en-SG" sz="1600" dirty="0">
-              <a:solidFill>
-                <a:schemeClr val="tx1"/>
-              </a:solidFill>
-            </a:endParaRPr>
-          </a:p>
-        </p:txBody>
-      </p:sp>
+      </p:cxnSp>
+      <p:cxnSp>
+        <p:nvCxnSpPr>
+          <p:cNvPr id="3" name="Elbow Connector 2"/>
+          <p:cNvCxnSpPr>
+            <a:stCxn id="127" idx="1"/>
+            <a:endCxn id="112" idx="2"/>
+          </p:cNvCxnSpPr>
+          <p:nvPr/>
+        </p:nvCxnSpPr>
+        <p:spPr>
+          <a:xfrm rot="10800000">
+            <a:off x="2315192" y="6647890"/>
+            <a:ext cx="275608" cy="741875"/>
+          </a:xfrm>
+          <a:prstGeom prst="bentConnector2">
+            <a:avLst/>
+          </a:prstGeom>
+          <a:ln w="38100">
+            <a:solidFill>
+              <a:schemeClr val="tx1"/>
+            </a:solidFill>
+            <a:prstDash val="sysDash"/>
+            <a:headEnd type="none" w="med" len="med"/>
+            <a:tailEnd type="arrow" w="med" len="med"/>
+          </a:ln>
+        </p:spPr>
+        <p:style>
+          <a:lnRef idx="1">
+            <a:schemeClr val="accent1"/>
+          </a:lnRef>
+          <a:fillRef idx="0">
+            <a:schemeClr val="accent1"/>
+          </a:fillRef>
+          <a:effectRef idx="0">
+            <a:schemeClr val="accent1"/>
+          </a:effectRef>
+          <a:fontRef idx="minor">
+            <a:schemeClr val="tx1"/>
+          </a:fontRef>
+        </p:style>
+      </p:cxnSp>
+      <p:cxnSp>
+        <p:nvCxnSpPr>
+          <p:cNvPr id="5" name="Elbow Connector 4"/>
+          <p:cNvCxnSpPr>
+            <a:stCxn id="127" idx="3"/>
+            <a:endCxn id="52" idx="2"/>
+          </p:cNvCxnSpPr>
+          <p:nvPr/>
+        </p:nvCxnSpPr>
+        <p:spPr>
+          <a:xfrm flipV="1">
+            <a:off x="4191000" y="6647889"/>
+            <a:ext cx="283200" cy="741875"/>
+          </a:xfrm>
+          <a:prstGeom prst="bentConnector2">
+            <a:avLst/>
+          </a:prstGeom>
+          <a:ln w="38100">
+            <a:solidFill>
+              <a:schemeClr val="tx1"/>
+            </a:solidFill>
+            <a:prstDash val="sysDash"/>
+            <a:headEnd type="none" w="med" len="med"/>
+            <a:tailEnd type="arrow" w="med" len="med"/>
+          </a:ln>
+        </p:spPr>
+        <p:style>
+          <a:lnRef idx="1">
+            <a:schemeClr val="accent1"/>
+          </a:lnRef>
+          <a:fillRef idx="0">
+            <a:schemeClr val="accent1"/>
+          </a:fillRef>
+          <a:effectRef idx="0">
+            <a:schemeClr val="accent1"/>
+          </a:effectRef>
+          <a:fontRef idx="minor">
+            <a:schemeClr val="tx1"/>
+          </a:fontRef>
+        </p:style>
+      </p:cxnSp>
     </p:spTree>
     <p:extLst>
       <p:ext uri="{BB962C8B-B14F-4D97-AF65-F5344CB8AC3E}">

--- a/docs/images/LogicComponent.pptx
+++ b/docs/images/LogicComponent.pptx
@@ -214,7 +214,7 @@
           <a:p>
             <a:fld id="{AC0A4F7A-2FF6-4B0C-9CFC-82AE92BD66AF}" type="datetimeFigureOut">
               <a:rPr lang="en-AU" smtClean="0"/>
-              <a:t>17/09/2018</a:t>
+              <a:t>27/09/2018</a:t>
             </a:fld>
             <a:endParaRPr lang="en-AU"/>
           </a:p>
@@ -380,7 +380,7 @@
             <a:fld id="{AF301891-4E62-472A-98E9-95DBD40531A4}" type="datetimeFigureOut">
               <a:rPr lang="en-SG" smtClean="0"/>
               <a:pPr/>
-              <a:t>17/9/2018</a:t>
+              <a:t>27/9/2018</a:t>
             </a:fld>
             <a:endParaRPr lang="en-SG"/>
           </a:p>
@@ -935,7 +935,7 @@
             <a:fld id="{1D8BD707-D9CF-40AE-B4C6-C98DA3205C09}" type="datetimeFigureOut">
               <a:rPr lang="en-US" smtClean="0"/>
               <a:pPr/>
-              <a:t>9/17/2018</a:t>
+              <a:t>9/27/2018</a:t>
             </a:fld>
             <a:endParaRPr lang="en-US"/>
           </a:p>
@@ -1149,7 +1149,7 @@
             <a:fld id="{1D8BD707-D9CF-40AE-B4C6-C98DA3205C09}" type="datetimeFigureOut">
               <a:rPr lang="en-US" smtClean="0"/>
               <a:pPr/>
-              <a:t>9/17/2018</a:t>
+              <a:t>9/27/2018</a:t>
             </a:fld>
             <a:endParaRPr lang="en-US"/>
           </a:p>
@@ -1356,7 +1356,7 @@
             <a:fld id="{1D8BD707-D9CF-40AE-B4C6-C98DA3205C09}" type="datetimeFigureOut">
               <a:rPr lang="en-US" smtClean="0"/>
               <a:pPr/>
-              <a:t>9/17/2018</a:t>
+              <a:t>9/27/2018</a:t>
             </a:fld>
             <a:endParaRPr lang="en-US"/>
           </a:p>
@@ -1563,7 +1563,7 @@
             <a:fld id="{1D8BD707-D9CF-40AE-B4C6-C98DA3205C09}" type="datetimeFigureOut">
               <a:rPr lang="en-US" smtClean="0"/>
               <a:pPr/>
-              <a:t>9/17/2018</a:t>
+              <a:t>9/27/2018</a:t>
             </a:fld>
             <a:endParaRPr lang="en-US"/>
           </a:p>
@@ -1836,7 +1836,7 @@
             <a:fld id="{1D8BD707-D9CF-40AE-B4C6-C98DA3205C09}" type="datetimeFigureOut">
               <a:rPr lang="en-US" smtClean="0"/>
               <a:pPr/>
-              <a:t>9/17/2018</a:t>
+              <a:t>9/27/2018</a:t>
             </a:fld>
             <a:endParaRPr lang="en-US"/>
           </a:p>
@@ -2159,7 +2159,7 @@
             <a:fld id="{1D8BD707-D9CF-40AE-B4C6-C98DA3205C09}" type="datetimeFigureOut">
               <a:rPr lang="en-US" smtClean="0"/>
               <a:pPr/>
-              <a:t>9/17/2018</a:t>
+              <a:t>9/27/2018</a:t>
             </a:fld>
             <a:endParaRPr lang="en-US"/>
           </a:p>
@@ -2622,7 +2622,7 @@
             <a:fld id="{1D8BD707-D9CF-40AE-B4C6-C98DA3205C09}" type="datetimeFigureOut">
               <a:rPr lang="en-US" smtClean="0"/>
               <a:pPr/>
-              <a:t>9/17/2018</a:t>
+              <a:t>9/27/2018</a:t>
             </a:fld>
             <a:endParaRPr lang="en-US"/>
           </a:p>
@@ -2769,7 +2769,7 @@
             <a:fld id="{1D8BD707-D9CF-40AE-B4C6-C98DA3205C09}" type="datetimeFigureOut">
               <a:rPr lang="en-US" smtClean="0"/>
               <a:pPr/>
-              <a:t>9/17/2018</a:t>
+              <a:t>9/27/2018</a:t>
             </a:fld>
             <a:endParaRPr lang="en-US"/>
           </a:p>
@@ -2885,7 +2885,7 @@
             <a:fld id="{1D8BD707-D9CF-40AE-B4C6-C98DA3205C09}" type="datetimeFigureOut">
               <a:rPr lang="en-US" smtClean="0"/>
               <a:pPr/>
-              <a:t>9/17/2018</a:t>
+              <a:t>9/27/2018</a:t>
             </a:fld>
             <a:endParaRPr lang="en-US"/>
           </a:p>
@@ -3192,7 +3192,7 @@
             <a:fld id="{1D8BD707-D9CF-40AE-B4C6-C98DA3205C09}" type="datetimeFigureOut">
               <a:rPr lang="en-US" smtClean="0"/>
               <a:pPr/>
-              <a:t>9/17/2018</a:t>
+              <a:t>9/27/2018</a:t>
             </a:fld>
             <a:endParaRPr lang="en-US"/>
           </a:p>
@@ -3475,7 +3475,7 @@
             <a:fld id="{1D8BD707-D9CF-40AE-B4C6-C98DA3205C09}" type="datetimeFigureOut">
               <a:rPr lang="en-US" smtClean="0"/>
               <a:pPr/>
-              <a:t>9/17/2018</a:t>
+              <a:t>9/27/2018</a:t>
             </a:fld>
             <a:endParaRPr lang="en-US"/>
           </a:p>
@@ -5862,128 +5862,6 @@
           </a:fontRef>
         </p:style>
       </p:cxnSp>
-      <p:sp>
-        <p:nvSpPr>
-          <p:cNvPr id="176" name="TextBox 175"/>
-          <p:cNvSpPr txBox="1"/>
-          <p:nvPr/>
-        </p:nvSpPr>
-        <p:spPr>
-          <a:xfrm>
-            <a:off x="304800" y="4781075"/>
-            <a:ext cx="838200" cy="426719"/>
-          </a:xfrm>
-          <a:prstGeom prst="rect">
-            <a:avLst/>
-          </a:prstGeom>
-          <a:grpFill/>
-          <a:ln>
-            <a:noFill/>
-          </a:ln>
-        </p:spPr>
-        <p:style>
-          <a:lnRef idx="2">
-            <a:schemeClr val="accent1">
-              <a:shade val="50000"/>
-            </a:schemeClr>
-          </a:lnRef>
-          <a:fillRef idx="1">
-            <a:schemeClr val="accent1"/>
-          </a:fillRef>
-          <a:effectRef idx="0">
-            <a:schemeClr val="accent1"/>
-          </a:effectRef>
-          <a:fontRef idx="minor">
-            <a:schemeClr val="lt1"/>
-          </a:fontRef>
-        </p:style>
-        <p:txBody>
-          <a:bodyPr rtlCol="0" anchor="ctr" anchorCtr="0"/>
-          <a:lstStyle>
-            <a:defPPr>
-              <a:defRPr lang="en-US"/>
-            </a:defPPr>
-            <a:lvl1pPr>
-              <a:defRPr sz="1400" b="1">
-                <a:solidFill>
-                  <a:srgbClr val="7030A0"/>
-                </a:solidFill>
-              </a:defRPr>
-            </a:lvl1pPr>
-            <a:lvl2pPr>
-              <a:defRPr>
-                <a:solidFill>
-                  <a:schemeClr val="lt1"/>
-                </a:solidFill>
-              </a:defRPr>
-            </a:lvl2pPr>
-            <a:lvl3pPr>
-              <a:defRPr>
-                <a:solidFill>
-                  <a:schemeClr val="lt1"/>
-                </a:solidFill>
-              </a:defRPr>
-            </a:lvl3pPr>
-            <a:lvl4pPr>
-              <a:defRPr>
-                <a:solidFill>
-                  <a:schemeClr val="lt1"/>
-                </a:solidFill>
-              </a:defRPr>
-            </a:lvl4pPr>
-            <a:lvl5pPr>
-              <a:defRPr>
-                <a:solidFill>
-                  <a:schemeClr val="lt1"/>
-                </a:solidFill>
-              </a:defRPr>
-            </a:lvl5pPr>
-            <a:lvl6pPr>
-              <a:defRPr>
-                <a:solidFill>
-                  <a:schemeClr val="lt1"/>
-                </a:solidFill>
-              </a:defRPr>
-            </a:lvl6pPr>
-            <a:lvl7pPr>
-              <a:defRPr>
-                <a:solidFill>
-                  <a:schemeClr val="lt1"/>
-                </a:solidFill>
-              </a:defRPr>
-            </a:lvl7pPr>
-            <a:lvl8pPr>
-              <a:defRPr>
-                <a:solidFill>
-                  <a:schemeClr val="lt1"/>
-                </a:solidFill>
-              </a:defRPr>
-            </a:lvl8pPr>
-            <a:lvl9pPr>
-              <a:defRPr>
-                <a:solidFill>
-                  <a:schemeClr val="lt1"/>
-                </a:solidFill>
-              </a:defRPr>
-            </a:lvl9pPr>
-          </a:lstStyle>
-          <a:p>
-            <a:r>
-              <a:rPr lang="en-US" sz="1600" dirty="0" smtClean="0">
-                <a:solidFill>
-                  <a:schemeClr val="tx1"/>
-                </a:solidFill>
-              </a:rPr>
-              <a:t>Test Driver</a:t>
-            </a:r>
-            <a:endParaRPr lang="en-SG" sz="1600" dirty="0">
-              <a:solidFill>
-                <a:schemeClr val="tx1"/>
-              </a:solidFill>
-            </a:endParaRPr>
-          </a:p>
-        </p:txBody>
-      </p:sp>
     </p:spTree>
     <p:extLst>
       <p:ext uri="{BB962C8B-B14F-4D97-AF65-F5344CB8AC3E}">

--- a/docs/images/LogicComponent.pptx
+++ b/docs/images/LogicComponent.pptx
@@ -214,7 +214,7 @@
           <a:p>
             <a:fld id="{AC0A4F7A-2FF6-4B0C-9CFC-82AE92BD66AF}" type="datetimeFigureOut">
               <a:rPr lang="en-AU" smtClean="0"/>
-              <a:t>27/09/2018</a:t>
+              <a:t>17/09/2018</a:t>
             </a:fld>
             <a:endParaRPr lang="en-AU"/>
           </a:p>
@@ -380,7 +380,7 @@
             <a:fld id="{AF301891-4E62-472A-98E9-95DBD40531A4}" type="datetimeFigureOut">
               <a:rPr lang="en-SG" smtClean="0"/>
               <a:pPr/>
-              <a:t>27/9/2018</a:t>
+              <a:t>17/9/2018</a:t>
             </a:fld>
             <a:endParaRPr lang="en-SG"/>
           </a:p>
@@ -935,7 +935,7 @@
             <a:fld id="{1D8BD707-D9CF-40AE-B4C6-C98DA3205C09}" type="datetimeFigureOut">
               <a:rPr lang="en-US" smtClean="0"/>
               <a:pPr/>
-              <a:t>9/27/2018</a:t>
+              <a:t>9/17/2018</a:t>
             </a:fld>
             <a:endParaRPr lang="en-US"/>
           </a:p>
@@ -1149,7 +1149,7 @@
             <a:fld id="{1D8BD707-D9CF-40AE-B4C6-C98DA3205C09}" type="datetimeFigureOut">
               <a:rPr lang="en-US" smtClean="0"/>
               <a:pPr/>
-              <a:t>9/27/2018</a:t>
+              <a:t>9/17/2018</a:t>
             </a:fld>
             <a:endParaRPr lang="en-US"/>
           </a:p>
@@ -1356,7 +1356,7 @@
             <a:fld id="{1D8BD707-D9CF-40AE-B4C6-C98DA3205C09}" type="datetimeFigureOut">
               <a:rPr lang="en-US" smtClean="0"/>
               <a:pPr/>
-              <a:t>9/27/2018</a:t>
+              <a:t>9/17/2018</a:t>
             </a:fld>
             <a:endParaRPr lang="en-US"/>
           </a:p>
@@ -1563,7 +1563,7 @@
             <a:fld id="{1D8BD707-D9CF-40AE-B4C6-C98DA3205C09}" type="datetimeFigureOut">
               <a:rPr lang="en-US" smtClean="0"/>
               <a:pPr/>
-              <a:t>9/27/2018</a:t>
+              <a:t>9/17/2018</a:t>
             </a:fld>
             <a:endParaRPr lang="en-US"/>
           </a:p>
@@ -1836,7 +1836,7 @@
             <a:fld id="{1D8BD707-D9CF-40AE-B4C6-C98DA3205C09}" type="datetimeFigureOut">
               <a:rPr lang="en-US" smtClean="0"/>
               <a:pPr/>
-              <a:t>9/27/2018</a:t>
+              <a:t>9/17/2018</a:t>
             </a:fld>
             <a:endParaRPr lang="en-US"/>
           </a:p>
@@ -2159,7 +2159,7 @@
             <a:fld id="{1D8BD707-D9CF-40AE-B4C6-C98DA3205C09}" type="datetimeFigureOut">
               <a:rPr lang="en-US" smtClean="0"/>
               <a:pPr/>
-              <a:t>9/27/2018</a:t>
+              <a:t>9/17/2018</a:t>
             </a:fld>
             <a:endParaRPr lang="en-US"/>
           </a:p>
@@ -2622,7 +2622,7 @@
             <a:fld id="{1D8BD707-D9CF-40AE-B4C6-C98DA3205C09}" type="datetimeFigureOut">
               <a:rPr lang="en-US" smtClean="0"/>
               <a:pPr/>
-              <a:t>9/27/2018</a:t>
+              <a:t>9/17/2018</a:t>
             </a:fld>
             <a:endParaRPr lang="en-US"/>
           </a:p>
@@ -2769,7 +2769,7 @@
             <a:fld id="{1D8BD707-D9CF-40AE-B4C6-C98DA3205C09}" type="datetimeFigureOut">
               <a:rPr lang="en-US" smtClean="0"/>
               <a:pPr/>
-              <a:t>9/27/2018</a:t>
+              <a:t>9/17/2018</a:t>
             </a:fld>
             <a:endParaRPr lang="en-US"/>
           </a:p>
@@ -2885,7 +2885,7 @@
             <a:fld id="{1D8BD707-D9CF-40AE-B4C6-C98DA3205C09}" type="datetimeFigureOut">
               <a:rPr lang="en-US" smtClean="0"/>
               <a:pPr/>
-              <a:t>9/27/2018</a:t>
+              <a:t>9/17/2018</a:t>
             </a:fld>
             <a:endParaRPr lang="en-US"/>
           </a:p>
@@ -3192,7 +3192,7 @@
             <a:fld id="{1D8BD707-D9CF-40AE-B4C6-C98DA3205C09}" type="datetimeFigureOut">
               <a:rPr lang="en-US" smtClean="0"/>
               <a:pPr/>
-              <a:t>9/27/2018</a:t>
+              <a:t>9/17/2018</a:t>
             </a:fld>
             <a:endParaRPr lang="en-US"/>
           </a:p>
@@ -3475,7 +3475,7 @@
             <a:fld id="{1D8BD707-D9CF-40AE-B4C6-C98DA3205C09}" type="datetimeFigureOut">
               <a:rPr lang="en-US" smtClean="0"/>
               <a:pPr/>
-              <a:t>9/27/2018</a:t>
+              <a:t>9/17/2018</a:t>
             </a:fld>
             <a:endParaRPr lang="en-US"/>
           </a:p>
@@ -5862,6 +5862,128 @@
           </a:fontRef>
         </p:style>
       </p:cxnSp>
+      <p:sp>
+        <p:nvSpPr>
+          <p:cNvPr id="176" name="TextBox 175"/>
+          <p:cNvSpPr txBox="1"/>
+          <p:nvPr/>
+        </p:nvSpPr>
+        <p:spPr>
+          <a:xfrm>
+            <a:off x="304800" y="4781075"/>
+            <a:ext cx="838200" cy="426719"/>
+          </a:xfrm>
+          <a:prstGeom prst="rect">
+            <a:avLst/>
+          </a:prstGeom>
+          <a:grpFill/>
+          <a:ln>
+            <a:noFill/>
+          </a:ln>
+        </p:spPr>
+        <p:style>
+          <a:lnRef idx="2">
+            <a:schemeClr val="accent1">
+              <a:shade val="50000"/>
+            </a:schemeClr>
+          </a:lnRef>
+          <a:fillRef idx="1">
+            <a:schemeClr val="accent1"/>
+          </a:fillRef>
+          <a:effectRef idx="0">
+            <a:schemeClr val="accent1"/>
+          </a:effectRef>
+          <a:fontRef idx="minor">
+            <a:schemeClr val="lt1"/>
+          </a:fontRef>
+        </p:style>
+        <p:txBody>
+          <a:bodyPr rtlCol="0" anchor="ctr" anchorCtr="0"/>
+          <a:lstStyle>
+            <a:defPPr>
+              <a:defRPr lang="en-US"/>
+            </a:defPPr>
+            <a:lvl1pPr>
+              <a:defRPr sz="1400" b="1">
+                <a:solidFill>
+                  <a:srgbClr val="7030A0"/>
+                </a:solidFill>
+              </a:defRPr>
+            </a:lvl1pPr>
+            <a:lvl2pPr>
+              <a:defRPr>
+                <a:solidFill>
+                  <a:schemeClr val="lt1"/>
+                </a:solidFill>
+              </a:defRPr>
+            </a:lvl2pPr>
+            <a:lvl3pPr>
+              <a:defRPr>
+                <a:solidFill>
+                  <a:schemeClr val="lt1"/>
+                </a:solidFill>
+              </a:defRPr>
+            </a:lvl3pPr>
+            <a:lvl4pPr>
+              <a:defRPr>
+                <a:solidFill>
+                  <a:schemeClr val="lt1"/>
+                </a:solidFill>
+              </a:defRPr>
+            </a:lvl4pPr>
+            <a:lvl5pPr>
+              <a:defRPr>
+                <a:solidFill>
+                  <a:schemeClr val="lt1"/>
+                </a:solidFill>
+              </a:defRPr>
+            </a:lvl5pPr>
+            <a:lvl6pPr>
+              <a:defRPr>
+                <a:solidFill>
+                  <a:schemeClr val="lt1"/>
+                </a:solidFill>
+              </a:defRPr>
+            </a:lvl6pPr>
+            <a:lvl7pPr>
+              <a:defRPr>
+                <a:solidFill>
+                  <a:schemeClr val="lt1"/>
+                </a:solidFill>
+              </a:defRPr>
+            </a:lvl7pPr>
+            <a:lvl8pPr>
+              <a:defRPr>
+                <a:solidFill>
+                  <a:schemeClr val="lt1"/>
+                </a:solidFill>
+              </a:defRPr>
+            </a:lvl8pPr>
+            <a:lvl9pPr>
+              <a:defRPr>
+                <a:solidFill>
+                  <a:schemeClr val="lt1"/>
+                </a:solidFill>
+              </a:defRPr>
+            </a:lvl9pPr>
+          </a:lstStyle>
+          <a:p>
+            <a:r>
+              <a:rPr lang="en-US" sz="1600" dirty="0" smtClean="0">
+                <a:solidFill>
+                  <a:schemeClr val="tx1"/>
+                </a:solidFill>
+              </a:rPr>
+              <a:t>Test Driver</a:t>
+            </a:r>
+            <a:endParaRPr lang="en-SG" sz="1600" dirty="0">
+              <a:solidFill>
+                <a:schemeClr val="tx1"/>
+              </a:solidFill>
+            </a:endParaRPr>
+          </a:p>
+        </p:txBody>
+      </p:sp>
     </p:spTree>
     <p:extLst>
       <p:ext uri="{BB962C8B-B14F-4D97-AF65-F5344CB8AC3E}">
